--- a/EbisuPresentation.pptx
+++ b/EbisuPresentation.pptx
@@ -3062,8 +3062,17 @@
               <a:rPr lang="en-US" sz="10000" dirty="0">
                 <a:latin typeface="Franklin Gothic Heavy" panose="020B0903020102020204" pitchFamily="34" charset="0"/>
               </a:rPr>
-              <a:t>Ebisu</a:t>
-            </a:r>
+              <a:t>Ebisu: An Innovative </a:t>
+            </a:r>
+            <a:r>
+              <a:rPr lang="en-US" sz="10000">
+                <a:latin typeface="Franklin Gothic Heavy" panose="020B0903020102020204" pitchFamily="34" charset="0"/>
+              </a:rPr>
+              <a:t>User-Input Solution</a:t>
+            </a:r>
+            <a:endParaRPr lang="en-US" sz="10000" dirty="0">
+              <a:latin typeface="Franklin Gothic Heavy" panose="020B0903020102020204" pitchFamily="34" charset="0"/>
+            </a:endParaRPr>
           </a:p>
           <a:p>
             <a:pPr algn="ctr"/>
@@ -3460,13 +3469,7 @@
               <a:rPr lang="en-US" sz="3600" dirty="0">
                 <a:latin typeface="Georgia" panose="02040502050405020303" pitchFamily="18" charset="0"/>
               </a:rPr>
-              <a:t>Here is where some text relating to the software will go. </a:t>
-            </a:r>
-            <a:r>
-              <a:rPr lang="en-US" sz="3600" dirty="0">
-                <a:latin typeface="Georgia" panose="02040502050405020303" pitchFamily="18" charset="0"/>
-              </a:rPr>
-              <a:t>Here is where some text relating to the software will go. </a:t>
+              <a:t>Here is where some text relating to the software will go. Here is where some text relating to the software will go. </a:t>
             </a:r>
           </a:p>
           <a:p>

--- a/EbisuPresentation.pptx
+++ b/EbisuPresentation.pptx
@@ -106,7 +106,7 @@
   </p:defaultTextStyle>
   <p:extLst>
     <p:ext uri="{EFAFB233-063F-42B5-8137-9DF3F51BA10A}">
-      <p15:sldGuideLst xmlns:p15="http://schemas.microsoft.com/office/powerpoint/2012/main">
+      <p15:sldGuideLst xmlns:p15="http://schemas.microsoft.com/office/powerpoint/2012/main" xmlns="">
         <p15:guide id="1" orient="horz" pos="10368" userDrawn="1">
           <p15:clr>
             <a:srgbClr val="A4A3A4"/>
@@ -121,6 +121,4633 @@
     </p:ext>
   </p:extLst>
 </p:presentation>
+</file>
+
+<file path=ppt/diagrams/colors1.xml><?xml version="1.0" encoding="utf-8"?>
+<dgm:colorsDef xmlns:dgm="http://schemas.openxmlformats.org/drawingml/2006/diagram" xmlns:a="http://schemas.openxmlformats.org/drawingml/2006/main" uniqueId="urn:microsoft.com/office/officeart/2005/8/colors/accent1_2">
+  <dgm:title val=""/>
+  <dgm:desc val=""/>
+  <dgm:catLst>
+    <dgm:cat type="accent1" pri="11200"/>
+  </dgm:catLst>
+  <dgm:styleLbl name="node0">
+    <dgm:fillClrLst meth="repeat">
+      <a:schemeClr val="accent1"/>
+    </dgm:fillClrLst>
+    <dgm:linClrLst meth="repeat">
+      <a:schemeClr val="lt1"/>
+    </dgm:linClrLst>
+    <dgm:effectClrLst/>
+    <dgm:txLinClrLst/>
+    <dgm:txFillClrLst/>
+    <dgm:txEffectClrLst/>
+  </dgm:styleLbl>
+  <dgm:styleLbl name="alignNode1">
+    <dgm:fillClrLst meth="repeat">
+      <a:schemeClr val="accent1"/>
+    </dgm:fillClrLst>
+    <dgm:linClrLst meth="repeat">
+      <a:schemeClr val="accent1"/>
+    </dgm:linClrLst>
+    <dgm:effectClrLst/>
+    <dgm:txLinClrLst/>
+    <dgm:txFillClrLst/>
+    <dgm:txEffectClrLst/>
+  </dgm:styleLbl>
+  <dgm:styleLbl name="node1">
+    <dgm:fillClrLst meth="repeat">
+      <a:schemeClr val="accent1"/>
+    </dgm:fillClrLst>
+    <dgm:linClrLst meth="repeat">
+      <a:schemeClr val="lt1"/>
+    </dgm:linClrLst>
+    <dgm:effectClrLst/>
+    <dgm:txLinClrLst/>
+    <dgm:txFillClrLst/>
+    <dgm:txEffectClrLst/>
+  </dgm:styleLbl>
+  <dgm:styleLbl name="lnNode1">
+    <dgm:fillClrLst meth="repeat">
+      <a:schemeClr val="accent1"/>
+    </dgm:fillClrLst>
+    <dgm:linClrLst meth="repeat">
+      <a:schemeClr val="lt1"/>
+    </dgm:linClrLst>
+    <dgm:effectClrLst/>
+    <dgm:txLinClrLst/>
+    <dgm:txFillClrLst/>
+    <dgm:txEffectClrLst/>
+  </dgm:styleLbl>
+  <dgm:styleLbl name="vennNode1">
+    <dgm:fillClrLst meth="repeat">
+      <a:schemeClr val="accent1">
+        <a:alpha val="50000"/>
+      </a:schemeClr>
+    </dgm:fillClrLst>
+    <dgm:linClrLst meth="repeat">
+      <a:schemeClr val="lt1"/>
+    </dgm:linClrLst>
+    <dgm:effectClrLst/>
+    <dgm:txLinClrLst/>
+    <dgm:txFillClrLst/>
+    <dgm:txEffectClrLst/>
+  </dgm:styleLbl>
+  <dgm:styleLbl name="node2">
+    <dgm:fillClrLst meth="repeat">
+      <a:schemeClr val="accent1"/>
+    </dgm:fillClrLst>
+    <dgm:linClrLst meth="repeat">
+      <a:schemeClr val="lt1"/>
+    </dgm:linClrLst>
+    <dgm:effectClrLst/>
+    <dgm:txLinClrLst/>
+    <dgm:txFillClrLst/>
+    <dgm:txEffectClrLst/>
+  </dgm:styleLbl>
+  <dgm:styleLbl name="node3">
+    <dgm:fillClrLst meth="repeat">
+      <a:schemeClr val="accent1"/>
+    </dgm:fillClrLst>
+    <dgm:linClrLst meth="repeat">
+      <a:schemeClr val="lt1"/>
+    </dgm:linClrLst>
+    <dgm:effectClrLst/>
+    <dgm:txLinClrLst/>
+    <dgm:txFillClrLst/>
+    <dgm:txEffectClrLst/>
+  </dgm:styleLbl>
+  <dgm:styleLbl name="node4">
+    <dgm:fillClrLst meth="repeat">
+      <a:schemeClr val="accent1"/>
+    </dgm:fillClrLst>
+    <dgm:linClrLst meth="repeat">
+      <a:schemeClr val="lt1"/>
+    </dgm:linClrLst>
+    <dgm:effectClrLst/>
+    <dgm:txLinClrLst/>
+    <dgm:txFillClrLst/>
+    <dgm:txEffectClrLst/>
+  </dgm:styleLbl>
+  <dgm:styleLbl name="fgImgPlace1">
+    <dgm:fillClrLst meth="repeat">
+      <a:schemeClr val="accent1">
+        <a:tint val="50000"/>
+      </a:schemeClr>
+    </dgm:fillClrLst>
+    <dgm:linClrLst meth="repeat">
+      <a:schemeClr val="lt1"/>
+    </dgm:linClrLst>
+    <dgm:effectClrLst/>
+    <dgm:txLinClrLst/>
+    <dgm:txFillClrLst meth="repeat">
+      <a:schemeClr val="lt1"/>
+    </dgm:txFillClrLst>
+    <dgm:txEffectClrLst/>
+  </dgm:styleLbl>
+  <dgm:styleLbl name="alignImgPlace1">
+    <dgm:fillClrLst meth="repeat">
+      <a:schemeClr val="accent1">
+        <a:tint val="50000"/>
+      </a:schemeClr>
+    </dgm:fillClrLst>
+    <dgm:linClrLst meth="repeat">
+      <a:schemeClr val="lt1"/>
+    </dgm:linClrLst>
+    <dgm:effectClrLst/>
+    <dgm:txLinClrLst/>
+    <dgm:txFillClrLst meth="repeat">
+      <a:schemeClr val="lt1"/>
+    </dgm:txFillClrLst>
+    <dgm:txEffectClrLst/>
+  </dgm:styleLbl>
+  <dgm:styleLbl name="bgImgPlace1">
+    <dgm:fillClrLst meth="repeat">
+      <a:schemeClr val="accent1">
+        <a:tint val="50000"/>
+      </a:schemeClr>
+    </dgm:fillClrLst>
+    <dgm:linClrLst meth="repeat">
+      <a:schemeClr val="lt1"/>
+    </dgm:linClrLst>
+    <dgm:effectClrLst/>
+    <dgm:txLinClrLst/>
+    <dgm:txFillClrLst meth="repeat">
+      <a:schemeClr val="lt1"/>
+    </dgm:txFillClrLst>
+    <dgm:txEffectClrLst/>
+  </dgm:styleLbl>
+  <dgm:styleLbl name="sibTrans2D1">
+    <dgm:fillClrLst meth="repeat">
+      <a:schemeClr val="accent1">
+        <a:tint val="60000"/>
+      </a:schemeClr>
+    </dgm:fillClrLst>
+    <dgm:linClrLst meth="repeat">
+      <a:schemeClr val="accent1">
+        <a:tint val="60000"/>
+      </a:schemeClr>
+    </dgm:linClrLst>
+    <dgm:effectClrLst/>
+    <dgm:txLinClrLst/>
+    <dgm:txFillClrLst/>
+    <dgm:txEffectClrLst/>
+  </dgm:styleLbl>
+  <dgm:styleLbl name="fgSibTrans2D1">
+    <dgm:fillClrLst meth="repeat">
+      <a:schemeClr val="accent1">
+        <a:tint val="60000"/>
+      </a:schemeClr>
+    </dgm:fillClrLst>
+    <dgm:linClrLst meth="repeat">
+      <a:schemeClr val="accent1">
+        <a:tint val="60000"/>
+      </a:schemeClr>
+    </dgm:linClrLst>
+    <dgm:effectClrLst/>
+    <dgm:txLinClrLst/>
+    <dgm:txFillClrLst/>
+    <dgm:txEffectClrLst/>
+  </dgm:styleLbl>
+  <dgm:styleLbl name="bgSibTrans2D1">
+    <dgm:fillClrLst meth="repeat">
+      <a:schemeClr val="accent1">
+        <a:tint val="60000"/>
+      </a:schemeClr>
+    </dgm:fillClrLst>
+    <dgm:linClrLst meth="repeat">
+      <a:schemeClr val="accent1">
+        <a:tint val="60000"/>
+      </a:schemeClr>
+    </dgm:linClrLst>
+    <dgm:effectClrLst/>
+    <dgm:txLinClrLst/>
+    <dgm:txFillClrLst/>
+    <dgm:txEffectClrLst/>
+  </dgm:styleLbl>
+  <dgm:styleLbl name="sibTrans1D1">
+    <dgm:fillClrLst meth="repeat">
+      <a:schemeClr val="accent1"/>
+    </dgm:fillClrLst>
+    <dgm:linClrLst meth="repeat">
+      <a:schemeClr val="accent1"/>
+    </dgm:linClrLst>
+    <dgm:effectClrLst/>
+    <dgm:txLinClrLst/>
+    <dgm:txFillClrLst meth="repeat">
+      <a:schemeClr val="tx1"/>
+    </dgm:txFillClrLst>
+    <dgm:txEffectClrLst/>
+  </dgm:styleLbl>
+  <dgm:styleLbl name="callout">
+    <dgm:fillClrLst meth="repeat">
+      <a:schemeClr val="accent1"/>
+    </dgm:fillClrLst>
+    <dgm:linClrLst meth="repeat">
+      <a:schemeClr val="accent1">
+        <a:tint val="50000"/>
+      </a:schemeClr>
+    </dgm:linClrLst>
+    <dgm:effectClrLst/>
+    <dgm:txLinClrLst/>
+    <dgm:txFillClrLst meth="repeat">
+      <a:schemeClr val="tx1"/>
+    </dgm:txFillClrLst>
+    <dgm:txEffectClrLst/>
+  </dgm:styleLbl>
+  <dgm:styleLbl name="asst0">
+    <dgm:fillClrLst meth="repeat">
+      <a:schemeClr val="accent1"/>
+    </dgm:fillClrLst>
+    <dgm:linClrLst meth="repeat">
+      <a:schemeClr val="lt1"/>
+    </dgm:linClrLst>
+    <dgm:effectClrLst/>
+    <dgm:txLinClrLst/>
+    <dgm:txFillClrLst/>
+    <dgm:txEffectClrLst/>
+  </dgm:styleLbl>
+  <dgm:styleLbl name="asst1">
+    <dgm:fillClrLst meth="repeat">
+      <a:schemeClr val="accent1"/>
+    </dgm:fillClrLst>
+    <dgm:linClrLst meth="repeat">
+      <a:schemeClr val="lt1"/>
+    </dgm:linClrLst>
+    <dgm:effectClrLst/>
+    <dgm:txLinClrLst/>
+    <dgm:txFillClrLst/>
+    <dgm:txEffectClrLst/>
+  </dgm:styleLbl>
+  <dgm:styleLbl name="asst2">
+    <dgm:fillClrLst meth="repeat">
+      <a:schemeClr val="accent1"/>
+    </dgm:fillClrLst>
+    <dgm:linClrLst meth="repeat">
+      <a:schemeClr val="lt1"/>
+    </dgm:linClrLst>
+    <dgm:effectClrLst/>
+    <dgm:txLinClrLst/>
+    <dgm:txFillClrLst/>
+    <dgm:txEffectClrLst/>
+  </dgm:styleLbl>
+  <dgm:styleLbl name="asst3">
+    <dgm:fillClrLst meth="repeat">
+      <a:schemeClr val="accent1"/>
+    </dgm:fillClrLst>
+    <dgm:linClrLst meth="repeat">
+      <a:schemeClr val="lt1"/>
+    </dgm:linClrLst>
+    <dgm:effectClrLst/>
+    <dgm:txLinClrLst/>
+    <dgm:txFillClrLst/>
+    <dgm:txEffectClrLst/>
+  </dgm:styleLbl>
+  <dgm:styleLbl name="asst4">
+    <dgm:fillClrLst meth="repeat">
+      <a:schemeClr val="accent1"/>
+    </dgm:fillClrLst>
+    <dgm:linClrLst meth="repeat">
+      <a:schemeClr val="lt1"/>
+    </dgm:linClrLst>
+    <dgm:effectClrLst/>
+    <dgm:txLinClrLst/>
+    <dgm:txFillClrLst/>
+    <dgm:txEffectClrLst/>
+  </dgm:styleLbl>
+  <dgm:styleLbl name="parChTrans2D1">
+    <dgm:fillClrLst meth="repeat">
+      <a:schemeClr val="accent1">
+        <a:tint val="60000"/>
+      </a:schemeClr>
+    </dgm:fillClrLst>
+    <dgm:linClrLst meth="repeat">
+      <a:schemeClr val="accent1">
+        <a:tint val="60000"/>
+      </a:schemeClr>
+    </dgm:linClrLst>
+    <dgm:effectClrLst/>
+    <dgm:txLinClrLst/>
+    <dgm:txFillClrLst meth="repeat">
+      <a:schemeClr val="lt1"/>
+    </dgm:txFillClrLst>
+    <dgm:txEffectClrLst/>
+  </dgm:styleLbl>
+  <dgm:styleLbl name="parChTrans2D2">
+    <dgm:fillClrLst meth="repeat">
+      <a:schemeClr val="accent1"/>
+    </dgm:fillClrLst>
+    <dgm:linClrLst meth="repeat">
+      <a:schemeClr val="accent1"/>
+    </dgm:linClrLst>
+    <dgm:effectClrLst/>
+    <dgm:txLinClrLst/>
+    <dgm:txFillClrLst meth="repeat">
+      <a:schemeClr val="lt1"/>
+    </dgm:txFillClrLst>
+    <dgm:txEffectClrLst/>
+  </dgm:styleLbl>
+  <dgm:styleLbl name="parChTrans2D3">
+    <dgm:fillClrLst meth="repeat">
+      <a:schemeClr val="accent1"/>
+    </dgm:fillClrLst>
+    <dgm:linClrLst meth="repeat">
+      <a:schemeClr val="accent1"/>
+    </dgm:linClrLst>
+    <dgm:effectClrLst/>
+    <dgm:txLinClrLst/>
+    <dgm:txFillClrLst meth="repeat">
+      <a:schemeClr val="lt1"/>
+    </dgm:txFillClrLst>
+    <dgm:txEffectClrLst/>
+  </dgm:styleLbl>
+  <dgm:styleLbl name="parChTrans2D4">
+    <dgm:fillClrLst meth="repeat">
+      <a:schemeClr val="accent1"/>
+    </dgm:fillClrLst>
+    <dgm:linClrLst meth="repeat">
+      <a:schemeClr val="accent1"/>
+    </dgm:linClrLst>
+    <dgm:effectClrLst/>
+    <dgm:txLinClrLst/>
+    <dgm:txFillClrLst meth="repeat">
+      <a:schemeClr val="lt1"/>
+    </dgm:txFillClrLst>
+    <dgm:txEffectClrLst/>
+  </dgm:styleLbl>
+  <dgm:styleLbl name="parChTrans1D1">
+    <dgm:fillClrLst meth="repeat">
+      <a:schemeClr val="accent1"/>
+    </dgm:fillClrLst>
+    <dgm:linClrLst meth="repeat">
+      <a:schemeClr val="accent1">
+        <a:shade val="60000"/>
+      </a:schemeClr>
+    </dgm:linClrLst>
+    <dgm:effectClrLst/>
+    <dgm:txLinClrLst/>
+    <dgm:txFillClrLst meth="repeat">
+      <a:schemeClr val="tx1"/>
+    </dgm:txFillClrLst>
+    <dgm:txEffectClrLst/>
+  </dgm:styleLbl>
+  <dgm:styleLbl name="parChTrans1D2">
+    <dgm:fillClrLst meth="repeat">
+      <a:schemeClr val="accent1"/>
+    </dgm:fillClrLst>
+    <dgm:linClrLst meth="repeat">
+      <a:schemeClr val="accent1">
+        <a:shade val="60000"/>
+      </a:schemeClr>
+    </dgm:linClrLst>
+    <dgm:effectClrLst/>
+    <dgm:txLinClrLst/>
+    <dgm:txFillClrLst meth="repeat">
+      <a:schemeClr val="tx1"/>
+    </dgm:txFillClrLst>
+    <dgm:txEffectClrLst/>
+  </dgm:styleLbl>
+  <dgm:styleLbl name="parChTrans1D3">
+    <dgm:fillClrLst meth="repeat">
+      <a:schemeClr val="accent1"/>
+    </dgm:fillClrLst>
+    <dgm:linClrLst meth="repeat">
+      <a:schemeClr val="accent1">
+        <a:shade val="80000"/>
+      </a:schemeClr>
+    </dgm:linClrLst>
+    <dgm:effectClrLst/>
+    <dgm:txLinClrLst/>
+    <dgm:txFillClrLst meth="repeat">
+      <a:schemeClr val="tx1"/>
+    </dgm:txFillClrLst>
+    <dgm:txEffectClrLst/>
+  </dgm:styleLbl>
+  <dgm:styleLbl name="parChTrans1D4">
+    <dgm:fillClrLst meth="repeat">
+      <a:schemeClr val="accent1"/>
+    </dgm:fillClrLst>
+    <dgm:linClrLst meth="repeat">
+      <a:schemeClr val="accent1">
+        <a:shade val="80000"/>
+      </a:schemeClr>
+    </dgm:linClrLst>
+    <dgm:effectClrLst/>
+    <dgm:txLinClrLst/>
+    <dgm:txFillClrLst meth="repeat">
+      <a:schemeClr val="tx1"/>
+    </dgm:txFillClrLst>
+    <dgm:txEffectClrLst/>
+  </dgm:styleLbl>
+  <dgm:styleLbl name="fgAcc1">
+    <dgm:fillClrLst meth="repeat">
+      <a:schemeClr val="lt1">
+        <a:alpha val="90000"/>
+      </a:schemeClr>
+    </dgm:fillClrLst>
+    <dgm:linClrLst meth="repeat">
+      <a:schemeClr val="accent1"/>
+    </dgm:linClrLst>
+    <dgm:effectClrLst/>
+    <dgm:txLinClrLst/>
+    <dgm:txFillClrLst meth="repeat">
+      <a:schemeClr val="dk1"/>
+    </dgm:txFillClrLst>
+    <dgm:txEffectClrLst/>
+  </dgm:styleLbl>
+  <dgm:styleLbl name="conFgAcc1">
+    <dgm:fillClrLst meth="repeat">
+      <a:schemeClr val="lt1">
+        <a:alpha val="90000"/>
+      </a:schemeClr>
+    </dgm:fillClrLst>
+    <dgm:linClrLst meth="repeat">
+      <a:schemeClr val="accent1"/>
+    </dgm:linClrLst>
+    <dgm:effectClrLst/>
+    <dgm:txLinClrLst/>
+    <dgm:txFillClrLst meth="repeat">
+      <a:schemeClr val="dk1"/>
+    </dgm:txFillClrLst>
+    <dgm:txEffectClrLst/>
+  </dgm:styleLbl>
+  <dgm:styleLbl name="alignAcc1">
+    <dgm:fillClrLst meth="repeat">
+      <a:schemeClr val="lt1">
+        <a:alpha val="90000"/>
+      </a:schemeClr>
+    </dgm:fillClrLst>
+    <dgm:linClrLst meth="repeat">
+      <a:schemeClr val="accent1"/>
+    </dgm:linClrLst>
+    <dgm:effectClrLst/>
+    <dgm:txLinClrLst/>
+    <dgm:txFillClrLst meth="repeat">
+      <a:schemeClr val="dk1"/>
+    </dgm:txFillClrLst>
+    <dgm:txEffectClrLst/>
+  </dgm:styleLbl>
+  <dgm:styleLbl name="trAlignAcc1">
+    <dgm:fillClrLst meth="repeat">
+      <a:schemeClr val="lt1">
+        <a:alpha val="40000"/>
+      </a:schemeClr>
+    </dgm:fillClrLst>
+    <dgm:linClrLst meth="repeat">
+      <a:schemeClr val="accent1"/>
+    </dgm:linClrLst>
+    <dgm:effectClrLst/>
+    <dgm:txLinClrLst/>
+    <dgm:txFillClrLst meth="repeat">
+      <a:schemeClr val="dk1"/>
+    </dgm:txFillClrLst>
+    <dgm:txEffectClrLst/>
+  </dgm:styleLbl>
+  <dgm:styleLbl name="bgAcc1">
+    <dgm:fillClrLst meth="repeat">
+      <a:schemeClr val="lt1">
+        <a:alpha val="90000"/>
+      </a:schemeClr>
+    </dgm:fillClrLst>
+    <dgm:linClrLst meth="repeat">
+      <a:schemeClr val="accent1"/>
+    </dgm:linClrLst>
+    <dgm:effectClrLst/>
+    <dgm:txLinClrLst/>
+    <dgm:txFillClrLst meth="repeat">
+      <a:schemeClr val="dk1"/>
+    </dgm:txFillClrLst>
+    <dgm:txEffectClrLst/>
+  </dgm:styleLbl>
+  <dgm:styleLbl name="solidFgAcc1">
+    <dgm:fillClrLst meth="repeat">
+      <a:schemeClr val="lt1"/>
+    </dgm:fillClrLst>
+    <dgm:linClrLst meth="repeat">
+      <a:schemeClr val="accent1"/>
+    </dgm:linClrLst>
+    <dgm:effectClrLst/>
+    <dgm:txLinClrLst/>
+    <dgm:txFillClrLst meth="repeat">
+      <a:schemeClr val="dk1"/>
+    </dgm:txFillClrLst>
+    <dgm:txEffectClrLst/>
+  </dgm:styleLbl>
+  <dgm:styleLbl name="solidAlignAcc1">
+    <dgm:fillClrLst meth="repeat">
+      <a:schemeClr val="lt1"/>
+    </dgm:fillClrLst>
+    <dgm:linClrLst meth="repeat">
+      <a:schemeClr val="accent1"/>
+    </dgm:linClrLst>
+    <dgm:effectClrLst/>
+    <dgm:txLinClrLst/>
+    <dgm:txFillClrLst meth="repeat">
+      <a:schemeClr val="dk1"/>
+    </dgm:txFillClrLst>
+    <dgm:txEffectClrLst/>
+  </dgm:styleLbl>
+  <dgm:styleLbl name="solidBgAcc1">
+    <dgm:fillClrLst meth="repeat">
+      <a:schemeClr val="lt1"/>
+    </dgm:fillClrLst>
+    <dgm:linClrLst meth="repeat">
+      <a:schemeClr val="accent1"/>
+    </dgm:linClrLst>
+    <dgm:effectClrLst/>
+    <dgm:txLinClrLst/>
+    <dgm:txFillClrLst meth="repeat">
+      <a:schemeClr val="dk1"/>
+    </dgm:txFillClrLst>
+    <dgm:txEffectClrLst/>
+  </dgm:styleLbl>
+  <dgm:styleLbl name="fgAccFollowNode1">
+    <dgm:fillClrLst meth="repeat">
+      <a:schemeClr val="accent1">
+        <a:alpha val="90000"/>
+        <a:tint val="40000"/>
+      </a:schemeClr>
+    </dgm:fillClrLst>
+    <dgm:linClrLst meth="repeat">
+      <a:schemeClr val="accent1">
+        <a:alpha val="90000"/>
+        <a:tint val="40000"/>
+      </a:schemeClr>
+    </dgm:linClrLst>
+    <dgm:effectClrLst/>
+    <dgm:txLinClrLst/>
+    <dgm:txFillClrLst meth="repeat">
+      <a:schemeClr val="dk1"/>
+    </dgm:txFillClrLst>
+    <dgm:txEffectClrLst/>
+  </dgm:styleLbl>
+  <dgm:styleLbl name="alignAccFollowNode1">
+    <dgm:fillClrLst meth="repeat">
+      <a:schemeClr val="accent1">
+        <a:alpha val="90000"/>
+        <a:tint val="40000"/>
+      </a:schemeClr>
+    </dgm:fillClrLst>
+    <dgm:linClrLst meth="repeat">
+      <a:schemeClr val="accent1">
+        <a:alpha val="90000"/>
+        <a:tint val="40000"/>
+      </a:schemeClr>
+    </dgm:linClrLst>
+    <dgm:effectClrLst/>
+    <dgm:txLinClrLst/>
+    <dgm:txFillClrLst meth="repeat">
+      <a:schemeClr val="dk1"/>
+    </dgm:txFillClrLst>
+    <dgm:txEffectClrLst/>
+  </dgm:styleLbl>
+  <dgm:styleLbl name="bgAccFollowNode1">
+    <dgm:fillClrLst meth="repeat">
+      <a:schemeClr val="accent1">
+        <a:alpha val="90000"/>
+        <a:tint val="40000"/>
+      </a:schemeClr>
+    </dgm:fillClrLst>
+    <dgm:linClrLst meth="repeat">
+      <a:schemeClr val="accent1">
+        <a:alpha val="90000"/>
+        <a:tint val="40000"/>
+      </a:schemeClr>
+    </dgm:linClrLst>
+    <dgm:effectClrLst/>
+    <dgm:txLinClrLst/>
+    <dgm:txFillClrLst meth="repeat">
+      <a:schemeClr val="dk1"/>
+    </dgm:txFillClrLst>
+    <dgm:txEffectClrLst/>
+  </dgm:styleLbl>
+  <dgm:styleLbl name="fgAcc0">
+    <dgm:fillClrLst meth="repeat">
+      <a:schemeClr val="lt1">
+        <a:alpha val="90000"/>
+      </a:schemeClr>
+    </dgm:fillClrLst>
+    <dgm:linClrLst meth="repeat">
+      <a:schemeClr val="accent1"/>
+    </dgm:linClrLst>
+    <dgm:effectClrLst/>
+    <dgm:txLinClrLst/>
+    <dgm:txFillClrLst meth="repeat">
+      <a:schemeClr val="dk1"/>
+    </dgm:txFillClrLst>
+    <dgm:txEffectClrLst/>
+  </dgm:styleLbl>
+  <dgm:styleLbl name="fgAcc2">
+    <dgm:fillClrLst meth="repeat">
+      <a:schemeClr val="lt1">
+        <a:alpha val="90000"/>
+      </a:schemeClr>
+    </dgm:fillClrLst>
+    <dgm:linClrLst meth="repeat">
+      <a:schemeClr val="accent1"/>
+    </dgm:linClrLst>
+    <dgm:effectClrLst/>
+    <dgm:txLinClrLst/>
+    <dgm:txFillClrLst meth="repeat">
+      <a:schemeClr val="dk1"/>
+    </dgm:txFillClrLst>
+    <dgm:txEffectClrLst/>
+  </dgm:styleLbl>
+  <dgm:styleLbl name="fgAcc3">
+    <dgm:fillClrLst meth="repeat">
+      <a:schemeClr val="lt1">
+        <a:alpha val="90000"/>
+      </a:schemeClr>
+    </dgm:fillClrLst>
+    <dgm:linClrLst meth="repeat">
+      <a:schemeClr val="accent1"/>
+    </dgm:linClrLst>
+    <dgm:effectClrLst/>
+    <dgm:txLinClrLst/>
+    <dgm:txFillClrLst meth="repeat">
+      <a:schemeClr val="dk1"/>
+    </dgm:txFillClrLst>
+    <dgm:txEffectClrLst/>
+  </dgm:styleLbl>
+  <dgm:styleLbl name="fgAcc4">
+    <dgm:fillClrLst meth="repeat">
+      <a:schemeClr val="lt1">
+        <a:alpha val="90000"/>
+      </a:schemeClr>
+    </dgm:fillClrLst>
+    <dgm:linClrLst meth="repeat">
+      <a:schemeClr val="accent1"/>
+    </dgm:linClrLst>
+    <dgm:effectClrLst/>
+    <dgm:txLinClrLst/>
+    <dgm:txFillClrLst meth="repeat">
+      <a:schemeClr val="dk1"/>
+    </dgm:txFillClrLst>
+    <dgm:txEffectClrLst/>
+  </dgm:styleLbl>
+  <dgm:styleLbl name="bgShp">
+    <dgm:fillClrLst meth="repeat">
+      <a:schemeClr val="accent1">
+        <a:tint val="40000"/>
+      </a:schemeClr>
+    </dgm:fillClrLst>
+    <dgm:linClrLst meth="repeat">
+      <a:schemeClr val="accent1"/>
+    </dgm:linClrLst>
+    <dgm:effectClrLst/>
+    <dgm:txLinClrLst/>
+    <dgm:txFillClrLst meth="repeat">
+      <a:schemeClr val="dk1"/>
+    </dgm:txFillClrLst>
+    <dgm:txEffectClrLst/>
+  </dgm:styleLbl>
+  <dgm:styleLbl name="dkBgShp">
+    <dgm:fillClrLst meth="repeat">
+      <a:schemeClr val="accent1">
+        <a:shade val="80000"/>
+      </a:schemeClr>
+    </dgm:fillClrLst>
+    <dgm:linClrLst meth="repeat">
+      <a:schemeClr val="accent1"/>
+    </dgm:linClrLst>
+    <dgm:effectClrLst/>
+    <dgm:txLinClrLst/>
+    <dgm:txFillClrLst meth="repeat">
+      <a:schemeClr val="lt1"/>
+    </dgm:txFillClrLst>
+    <dgm:txEffectClrLst/>
+  </dgm:styleLbl>
+  <dgm:styleLbl name="trBgShp">
+    <dgm:fillClrLst meth="repeat">
+      <a:schemeClr val="accent1">
+        <a:tint val="50000"/>
+        <a:alpha val="40000"/>
+      </a:schemeClr>
+    </dgm:fillClrLst>
+    <dgm:linClrLst meth="repeat">
+      <a:schemeClr val="accent1"/>
+    </dgm:linClrLst>
+    <dgm:effectClrLst/>
+    <dgm:txLinClrLst/>
+    <dgm:txFillClrLst meth="repeat">
+      <a:schemeClr val="lt1"/>
+    </dgm:txFillClrLst>
+    <dgm:txEffectClrLst/>
+  </dgm:styleLbl>
+  <dgm:styleLbl name="fgShp">
+    <dgm:fillClrLst meth="repeat">
+      <a:schemeClr val="accent1">
+        <a:tint val="60000"/>
+      </a:schemeClr>
+    </dgm:fillClrLst>
+    <dgm:linClrLst meth="repeat">
+      <a:schemeClr val="lt1"/>
+    </dgm:linClrLst>
+    <dgm:effectClrLst/>
+    <dgm:txLinClrLst/>
+    <dgm:txFillClrLst meth="repeat">
+      <a:schemeClr val="dk1"/>
+    </dgm:txFillClrLst>
+    <dgm:txEffectClrLst/>
+  </dgm:styleLbl>
+  <dgm:styleLbl name="revTx">
+    <dgm:fillClrLst meth="repeat">
+      <a:schemeClr val="lt1">
+        <a:alpha val="0"/>
+      </a:schemeClr>
+    </dgm:fillClrLst>
+    <dgm:linClrLst meth="repeat">
+      <a:schemeClr val="dk1">
+        <a:alpha val="0"/>
+      </a:schemeClr>
+    </dgm:linClrLst>
+    <dgm:effectClrLst/>
+    <dgm:txLinClrLst/>
+    <dgm:txFillClrLst meth="repeat">
+      <a:schemeClr val="tx1"/>
+    </dgm:txFillClrLst>
+    <dgm:txEffectClrLst/>
+  </dgm:styleLbl>
+</dgm:colorsDef>
+</file>
+
+<file path=ppt/diagrams/data1.xml><?xml version="1.0" encoding="utf-8"?>
+<dgm:dataModel xmlns:dgm="http://schemas.openxmlformats.org/drawingml/2006/diagram" xmlns:a="http://schemas.openxmlformats.org/drawingml/2006/main">
+  <dgm:ptLst>
+    <dgm:pt modelId="{68D6D2BD-CA75-D640-BB9C-33924CDB8205}" type="doc">
+      <dgm:prSet loTypeId="urn:microsoft.com/office/officeart/2008/layout/HalfCircleOrganizationChart" loCatId="" qsTypeId="urn:microsoft.com/office/officeart/2005/8/quickstyle/simple4" qsCatId="simple" csTypeId="urn:microsoft.com/office/officeart/2005/8/colors/accent1_2" csCatId="accent1" phldr="1"/>
+      <dgm:spPr/>
+      <dgm:t>
+        <a:bodyPr/>
+        <a:lstStyle/>
+        <a:p>
+          <a:endParaRPr lang="en-US"/>
+        </a:p>
+      </dgm:t>
+    </dgm:pt>
+    <dgm:pt modelId="{0A95F693-A923-1E4A-AAC1-DD46293B2B09}">
+      <dgm:prSet phldrT="[Text]"/>
+      <dgm:spPr/>
+      <dgm:t>
+        <a:bodyPr/>
+        <a:lstStyle/>
+        <a:p>
+          <a:r>
+            <a:rPr lang="en-US" dirty="0" smtClean="0"/>
+            <a:t>Input</a:t>
+          </a:r>
+          <a:endParaRPr lang="en-US" dirty="0"/>
+        </a:p>
+      </dgm:t>
+    </dgm:pt>
+    <dgm:pt modelId="{BF9ADB16-7EA8-7241-9524-F69BAD3EE0C2}" type="parTrans" cxnId="{F0808A3A-0486-0D45-9B9B-176674E4872D}">
+      <dgm:prSet/>
+      <dgm:spPr/>
+      <dgm:t>
+        <a:bodyPr/>
+        <a:lstStyle/>
+        <a:p>
+          <a:endParaRPr lang="en-US"/>
+        </a:p>
+      </dgm:t>
+    </dgm:pt>
+    <dgm:pt modelId="{A2D9C352-49FB-EA49-A5C6-BC6686B772E5}" type="sibTrans" cxnId="{F0808A3A-0486-0D45-9B9B-176674E4872D}">
+      <dgm:prSet/>
+      <dgm:spPr/>
+      <dgm:t>
+        <a:bodyPr/>
+        <a:lstStyle/>
+        <a:p>
+          <a:endParaRPr lang="en-US"/>
+        </a:p>
+      </dgm:t>
+    </dgm:pt>
+    <dgm:pt modelId="{1EA80A90-D018-C14A-ABCC-BD09B46FCF33}">
+      <dgm:prSet phldrT="[Text]"/>
+      <dgm:spPr/>
+      <dgm:t>
+        <a:bodyPr/>
+        <a:lstStyle/>
+        <a:p>
+          <a:r>
+            <a:rPr lang="en-US" dirty="0" smtClean="0"/>
+            <a:t>Class A</a:t>
+          </a:r>
+          <a:endParaRPr lang="en-US" dirty="0"/>
+        </a:p>
+      </dgm:t>
+    </dgm:pt>
+    <dgm:pt modelId="{14B439E6-B244-3C46-B6CE-6B1B8D3CCFB4}" type="parTrans" cxnId="{6442C6B7-FE3B-7E4A-BC32-BD062A93723E}">
+      <dgm:prSet/>
+      <dgm:spPr/>
+      <dgm:t>
+        <a:bodyPr/>
+        <a:lstStyle/>
+        <a:p>
+          <a:endParaRPr lang="en-US"/>
+        </a:p>
+      </dgm:t>
+    </dgm:pt>
+    <dgm:pt modelId="{60A51E6B-A164-404E-94E9-CCE8EB167313}" type="sibTrans" cxnId="{6442C6B7-FE3B-7E4A-BC32-BD062A93723E}">
+      <dgm:prSet/>
+      <dgm:spPr/>
+      <dgm:t>
+        <a:bodyPr/>
+        <a:lstStyle/>
+        <a:p>
+          <a:endParaRPr lang="en-US"/>
+        </a:p>
+      </dgm:t>
+    </dgm:pt>
+    <dgm:pt modelId="{0AD672CA-8998-E245-B3AD-83C814D4B2DC}">
+      <dgm:prSet phldrT="[Text]"/>
+      <dgm:spPr/>
+      <dgm:t>
+        <a:bodyPr/>
+        <a:lstStyle/>
+        <a:p>
+          <a:r>
+            <a:rPr lang="en-US" dirty="0" smtClean="0"/>
+            <a:t>Class B</a:t>
+          </a:r>
+          <a:endParaRPr lang="en-US" dirty="0"/>
+        </a:p>
+      </dgm:t>
+    </dgm:pt>
+    <dgm:pt modelId="{F25C5066-A513-8941-BF5F-FD35F2500268}" type="parTrans" cxnId="{A26C427A-0EA8-6448-863A-FCBB56C3AC50}">
+      <dgm:prSet/>
+      <dgm:spPr/>
+      <dgm:t>
+        <a:bodyPr/>
+        <a:lstStyle/>
+        <a:p>
+          <a:endParaRPr lang="en-US"/>
+        </a:p>
+      </dgm:t>
+    </dgm:pt>
+    <dgm:pt modelId="{90ED327D-54C5-BA4C-B4C0-FADFA454F81C}" type="sibTrans" cxnId="{A26C427A-0EA8-6448-863A-FCBB56C3AC50}">
+      <dgm:prSet/>
+      <dgm:spPr/>
+      <dgm:t>
+        <a:bodyPr/>
+        <a:lstStyle/>
+        <a:p>
+          <a:endParaRPr lang="en-US"/>
+        </a:p>
+      </dgm:t>
+    </dgm:pt>
+    <dgm:pt modelId="{C54CA77E-CF59-FB41-90EB-D570E7C03F50}">
+      <dgm:prSet phldrT="[Text]"/>
+      <dgm:spPr/>
+      <dgm:t>
+        <a:bodyPr/>
+        <a:lstStyle/>
+        <a:p>
+          <a:r>
+            <a:rPr lang="en-US" dirty="0" smtClean="0"/>
+            <a:t>New Class</a:t>
+          </a:r>
+          <a:endParaRPr lang="en-US" dirty="0"/>
+        </a:p>
+      </dgm:t>
+    </dgm:pt>
+    <dgm:pt modelId="{C5B4C14C-6DA6-F54E-81DF-96D29C3903A7}" type="parTrans" cxnId="{75DCF6F2-811B-2B48-B862-6FD218554162}">
+      <dgm:prSet/>
+      <dgm:spPr/>
+      <dgm:t>
+        <a:bodyPr/>
+        <a:lstStyle/>
+        <a:p>
+          <a:endParaRPr lang="en-US"/>
+        </a:p>
+      </dgm:t>
+    </dgm:pt>
+    <dgm:pt modelId="{111B91CE-8215-294F-8DD5-EE163FF1310E}" type="sibTrans" cxnId="{75DCF6F2-811B-2B48-B862-6FD218554162}">
+      <dgm:prSet/>
+      <dgm:spPr/>
+      <dgm:t>
+        <a:bodyPr/>
+        <a:lstStyle/>
+        <a:p>
+          <a:endParaRPr lang="en-US"/>
+        </a:p>
+      </dgm:t>
+    </dgm:pt>
+    <dgm:pt modelId="{54695207-A738-B445-BD10-1E50EB2F0192}">
+      <dgm:prSet phldrT="[Text]"/>
+      <dgm:spPr/>
+      <dgm:t>
+        <a:bodyPr/>
+        <a:lstStyle/>
+        <a:p>
+          <a:r>
+            <a:rPr lang="en-US" dirty="0" smtClean="0"/>
+            <a:t>Class C</a:t>
+          </a:r>
+          <a:endParaRPr lang="en-US" dirty="0"/>
+        </a:p>
+      </dgm:t>
+    </dgm:pt>
+    <dgm:pt modelId="{E82A10EC-79B8-4A40-B96F-49594F0A4541}" type="parTrans" cxnId="{4B5D3300-B5FA-CF4C-B1EE-A27D1DD09905}">
+      <dgm:prSet/>
+      <dgm:spPr/>
+      <dgm:t>
+        <a:bodyPr/>
+        <a:lstStyle/>
+        <a:p>
+          <a:endParaRPr lang="en-US"/>
+        </a:p>
+      </dgm:t>
+    </dgm:pt>
+    <dgm:pt modelId="{2C06E799-04CB-9E4E-9E7F-E0855C3E4C80}" type="sibTrans" cxnId="{4B5D3300-B5FA-CF4C-B1EE-A27D1DD09905}">
+      <dgm:prSet/>
+      <dgm:spPr/>
+      <dgm:t>
+        <a:bodyPr/>
+        <a:lstStyle/>
+        <a:p>
+          <a:endParaRPr lang="en-US"/>
+        </a:p>
+      </dgm:t>
+    </dgm:pt>
+    <dgm:pt modelId="{6576D484-F3E2-0E48-B18F-89153737ECED}" type="pres">
+      <dgm:prSet presAssocID="{68D6D2BD-CA75-D640-BB9C-33924CDB8205}" presName="Name0" presStyleCnt="0">
+        <dgm:presLayoutVars>
+          <dgm:orgChart val="1"/>
+          <dgm:chPref val="1"/>
+          <dgm:dir/>
+          <dgm:animOne val="branch"/>
+          <dgm:animLvl val="lvl"/>
+          <dgm:resizeHandles/>
+        </dgm:presLayoutVars>
+      </dgm:prSet>
+      <dgm:spPr/>
+    </dgm:pt>
+    <dgm:pt modelId="{2E6EBE40-EB8E-2045-8FBA-7B75E9EC41D3}" type="pres">
+      <dgm:prSet presAssocID="{0A95F693-A923-1E4A-AAC1-DD46293B2B09}" presName="hierRoot1" presStyleCnt="0">
+        <dgm:presLayoutVars>
+          <dgm:hierBranch val="init"/>
+        </dgm:presLayoutVars>
+      </dgm:prSet>
+      <dgm:spPr/>
+    </dgm:pt>
+    <dgm:pt modelId="{D56C2F0B-4668-4845-8D4E-47227FAB56EE}" type="pres">
+      <dgm:prSet presAssocID="{0A95F693-A923-1E4A-AAC1-DD46293B2B09}" presName="rootComposite1" presStyleCnt="0"/>
+      <dgm:spPr/>
+    </dgm:pt>
+    <dgm:pt modelId="{214C1D5B-8AD0-A545-B44E-6F74EBF573BF}" type="pres">
+      <dgm:prSet presAssocID="{0A95F693-A923-1E4A-AAC1-DD46293B2B09}" presName="rootText1" presStyleLbl="alignAcc1" presStyleIdx="0" presStyleCnt="0">
+        <dgm:presLayoutVars>
+          <dgm:chPref val="3"/>
+        </dgm:presLayoutVars>
+      </dgm:prSet>
+      <dgm:spPr/>
+    </dgm:pt>
+    <dgm:pt modelId="{0BE36997-7A71-5746-9090-61CAB52E395F}" type="pres">
+      <dgm:prSet presAssocID="{0A95F693-A923-1E4A-AAC1-DD46293B2B09}" presName="topArc1" presStyleLbl="parChTrans1D1" presStyleIdx="0" presStyleCnt="10"/>
+      <dgm:spPr/>
+    </dgm:pt>
+    <dgm:pt modelId="{EAE3E292-E5F4-FE49-9979-7F7D21DF949F}" type="pres">
+      <dgm:prSet presAssocID="{0A95F693-A923-1E4A-AAC1-DD46293B2B09}" presName="bottomArc1" presStyleLbl="parChTrans1D1" presStyleIdx="1" presStyleCnt="10"/>
+      <dgm:spPr/>
+    </dgm:pt>
+    <dgm:pt modelId="{37635D0D-4942-9E45-9F21-BB519D157D83}" type="pres">
+      <dgm:prSet presAssocID="{0A95F693-A923-1E4A-AAC1-DD46293B2B09}" presName="topConnNode1" presStyleLbl="node1" presStyleIdx="0" presStyleCnt="0"/>
+      <dgm:spPr/>
+    </dgm:pt>
+    <dgm:pt modelId="{3E633392-C0DF-8F43-88AB-327C42C4A5E3}" type="pres">
+      <dgm:prSet presAssocID="{0A95F693-A923-1E4A-AAC1-DD46293B2B09}" presName="hierChild2" presStyleCnt="0"/>
+      <dgm:spPr/>
+    </dgm:pt>
+    <dgm:pt modelId="{6EC8BD7E-3958-EC46-BA2D-53EF954162F6}" type="pres">
+      <dgm:prSet presAssocID="{14B439E6-B244-3C46-B6CE-6B1B8D3CCFB4}" presName="Name28" presStyleLbl="parChTrans1D2" presStyleIdx="0" presStyleCnt="4"/>
+      <dgm:spPr/>
+    </dgm:pt>
+    <dgm:pt modelId="{DF32FF6B-CDD6-4E45-B0E0-3BC62EE35060}" type="pres">
+      <dgm:prSet presAssocID="{1EA80A90-D018-C14A-ABCC-BD09B46FCF33}" presName="hierRoot2" presStyleCnt="0">
+        <dgm:presLayoutVars>
+          <dgm:hierBranch val="init"/>
+        </dgm:presLayoutVars>
+      </dgm:prSet>
+      <dgm:spPr/>
+    </dgm:pt>
+    <dgm:pt modelId="{63B13228-7B46-F040-B57A-70F855AFF9BD}" type="pres">
+      <dgm:prSet presAssocID="{1EA80A90-D018-C14A-ABCC-BD09B46FCF33}" presName="rootComposite2" presStyleCnt="0"/>
+      <dgm:spPr/>
+    </dgm:pt>
+    <dgm:pt modelId="{6C0B7F3B-6DAD-3A46-9FCB-8852C83E923D}" type="pres">
+      <dgm:prSet presAssocID="{1EA80A90-D018-C14A-ABCC-BD09B46FCF33}" presName="rootText2" presStyleLbl="alignAcc1" presStyleIdx="0" presStyleCnt="0">
+        <dgm:presLayoutVars>
+          <dgm:chPref val="3"/>
+        </dgm:presLayoutVars>
+      </dgm:prSet>
+      <dgm:spPr/>
+      <dgm:t>
+        <a:bodyPr/>
+        <a:lstStyle/>
+        <a:p>
+          <a:endParaRPr lang="en-US"/>
+        </a:p>
+      </dgm:t>
+    </dgm:pt>
+    <dgm:pt modelId="{BBF09C89-F65E-684B-BD87-CAC81CB2D62F}" type="pres">
+      <dgm:prSet presAssocID="{1EA80A90-D018-C14A-ABCC-BD09B46FCF33}" presName="topArc2" presStyleLbl="parChTrans1D1" presStyleIdx="2" presStyleCnt="10"/>
+      <dgm:spPr/>
+    </dgm:pt>
+    <dgm:pt modelId="{6722B57F-3E04-EC4B-BE99-43849888418F}" type="pres">
+      <dgm:prSet presAssocID="{1EA80A90-D018-C14A-ABCC-BD09B46FCF33}" presName="bottomArc2" presStyleLbl="parChTrans1D1" presStyleIdx="3" presStyleCnt="10"/>
+      <dgm:spPr/>
+    </dgm:pt>
+    <dgm:pt modelId="{73A0CE03-A820-6D49-B6A4-8CE800EC77D6}" type="pres">
+      <dgm:prSet presAssocID="{1EA80A90-D018-C14A-ABCC-BD09B46FCF33}" presName="topConnNode2" presStyleLbl="node2" presStyleIdx="0" presStyleCnt="0"/>
+      <dgm:spPr/>
+    </dgm:pt>
+    <dgm:pt modelId="{498E70C7-8F3C-224B-AC0F-2D831EAF1BA1}" type="pres">
+      <dgm:prSet presAssocID="{1EA80A90-D018-C14A-ABCC-BD09B46FCF33}" presName="hierChild4" presStyleCnt="0"/>
+      <dgm:spPr/>
+    </dgm:pt>
+    <dgm:pt modelId="{E49D1764-1E76-814F-89FD-34004118EE92}" type="pres">
+      <dgm:prSet presAssocID="{1EA80A90-D018-C14A-ABCC-BD09B46FCF33}" presName="hierChild5" presStyleCnt="0"/>
+      <dgm:spPr/>
+    </dgm:pt>
+    <dgm:pt modelId="{0CF52B01-5ACB-A647-BB73-E6673CA6FD3B}" type="pres">
+      <dgm:prSet presAssocID="{F25C5066-A513-8941-BF5F-FD35F2500268}" presName="Name28" presStyleLbl="parChTrans1D2" presStyleIdx="1" presStyleCnt="4"/>
+      <dgm:spPr/>
+    </dgm:pt>
+    <dgm:pt modelId="{B8EDFAEA-03C1-E747-8326-31B453F929BB}" type="pres">
+      <dgm:prSet presAssocID="{0AD672CA-8998-E245-B3AD-83C814D4B2DC}" presName="hierRoot2" presStyleCnt="0">
+        <dgm:presLayoutVars>
+          <dgm:hierBranch val="init"/>
+        </dgm:presLayoutVars>
+      </dgm:prSet>
+      <dgm:spPr/>
+    </dgm:pt>
+    <dgm:pt modelId="{E4ECD475-878D-5740-8592-B5206B099C1F}" type="pres">
+      <dgm:prSet presAssocID="{0AD672CA-8998-E245-B3AD-83C814D4B2DC}" presName="rootComposite2" presStyleCnt="0"/>
+      <dgm:spPr/>
+    </dgm:pt>
+    <dgm:pt modelId="{B80BBFA5-DCDD-9243-AE56-9DC648FB7709}" type="pres">
+      <dgm:prSet presAssocID="{0AD672CA-8998-E245-B3AD-83C814D4B2DC}" presName="rootText2" presStyleLbl="alignAcc1" presStyleIdx="0" presStyleCnt="0">
+        <dgm:presLayoutVars>
+          <dgm:chPref val="3"/>
+        </dgm:presLayoutVars>
+      </dgm:prSet>
+      <dgm:spPr/>
+      <dgm:t>
+        <a:bodyPr/>
+        <a:lstStyle/>
+        <a:p>
+          <a:endParaRPr lang="en-US"/>
+        </a:p>
+      </dgm:t>
+    </dgm:pt>
+    <dgm:pt modelId="{D011A911-0628-9847-88E2-80F60967F8F5}" type="pres">
+      <dgm:prSet presAssocID="{0AD672CA-8998-E245-B3AD-83C814D4B2DC}" presName="topArc2" presStyleLbl="parChTrans1D1" presStyleIdx="4" presStyleCnt="10"/>
+      <dgm:spPr/>
+    </dgm:pt>
+    <dgm:pt modelId="{37D12E47-6B76-294C-94E7-AB671356872B}" type="pres">
+      <dgm:prSet presAssocID="{0AD672CA-8998-E245-B3AD-83C814D4B2DC}" presName="bottomArc2" presStyleLbl="parChTrans1D1" presStyleIdx="5" presStyleCnt="10"/>
+      <dgm:spPr/>
+    </dgm:pt>
+    <dgm:pt modelId="{2583C085-71A7-BE4C-93B3-773360B59D4E}" type="pres">
+      <dgm:prSet presAssocID="{0AD672CA-8998-E245-B3AD-83C814D4B2DC}" presName="topConnNode2" presStyleLbl="node2" presStyleIdx="0" presStyleCnt="0"/>
+      <dgm:spPr/>
+    </dgm:pt>
+    <dgm:pt modelId="{B06A5906-0EBF-7B4C-89D1-161B11858001}" type="pres">
+      <dgm:prSet presAssocID="{0AD672CA-8998-E245-B3AD-83C814D4B2DC}" presName="hierChild4" presStyleCnt="0"/>
+      <dgm:spPr/>
+    </dgm:pt>
+    <dgm:pt modelId="{F83DBC37-6CD9-824E-B46A-224EF1A430B0}" type="pres">
+      <dgm:prSet presAssocID="{0AD672CA-8998-E245-B3AD-83C814D4B2DC}" presName="hierChild5" presStyleCnt="0"/>
+      <dgm:spPr/>
+    </dgm:pt>
+    <dgm:pt modelId="{5358384B-5147-ED49-9D9D-E3229F98BBE0}" type="pres">
+      <dgm:prSet presAssocID="{E82A10EC-79B8-4A40-B96F-49594F0A4541}" presName="Name28" presStyleLbl="parChTrans1D2" presStyleIdx="2" presStyleCnt="4"/>
+      <dgm:spPr/>
+    </dgm:pt>
+    <dgm:pt modelId="{7BB18137-F031-DE4F-AF16-D63A08BB0737}" type="pres">
+      <dgm:prSet presAssocID="{54695207-A738-B445-BD10-1E50EB2F0192}" presName="hierRoot2" presStyleCnt="0">
+        <dgm:presLayoutVars>
+          <dgm:hierBranch val="init"/>
+        </dgm:presLayoutVars>
+      </dgm:prSet>
+      <dgm:spPr/>
+    </dgm:pt>
+    <dgm:pt modelId="{A9B6E966-2E61-6A40-965E-7F61175C705E}" type="pres">
+      <dgm:prSet presAssocID="{54695207-A738-B445-BD10-1E50EB2F0192}" presName="rootComposite2" presStyleCnt="0"/>
+      <dgm:spPr/>
+    </dgm:pt>
+    <dgm:pt modelId="{B78609DC-F262-3943-8229-5387A7E0D780}" type="pres">
+      <dgm:prSet presAssocID="{54695207-A738-B445-BD10-1E50EB2F0192}" presName="rootText2" presStyleLbl="alignAcc1" presStyleIdx="0" presStyleCnt="0">
+        <dgm:presLayoutVars>
+          <dgm:chPref val="3"/>
+        </dgm:presLayoutVars>
+      </dgm:prSet>
+      <dgm:spPr/>
+    </dgm:pt>
+    <dgm:pt modelId="{D5668273-A1F5-214D-AB97-E5B7093812F2}" type="pres">
+      <dgm:prSet presAssocID="{54695207-A738-B445-BD10-1E50EB2F0192}" presName="topArc2" presStyleLbl="parChTrans1D1" presStyleIdx="6" presStyleCnt="10"/>
+      <dgm:spPr/>
+    </dgm:pt>
+    <dgm:pt modelId="{F4D70AE3-9A61-7546-AF32-C6DA00B18FBB}" type="pres">
+      <dgm:prSet presAssocID="{54695207-A738-B445-BD10-1E50EB2F0192}" presName="bottomArc2" presStyleLbl="parChTrans1D1" presStyleIdx="7" presStyleCnt="10"/>
+      <dgm:spPr/>
+    </dgm:pt>
+    <dgm:pt modelId="{2E0744F6-8CAB-2A4F-8DB0-9A8CDF2C581A}" type="pres">
+      <dgm:prSet presAssocID="{54695207-A738-B445-BD10-1E50EB2F0192}" presName="topConnNode2" presStyleLbl="node2" presStyleIdx="0" presStyleCnt="0"/>
+      <dgm:spPr/>
+    </dgm:pt>
+    <dgm:pt modelId="{E29AA2E8-6391-BC47-BA05-051DCB9F90A1}" type="pres">
+      <dgm:prSet presAssocID="{54695207-A738-B445-BD10-1E50EB2F0192}" presName="hierChild4" presStyleCnt="0"/>
+      <dgm:spPr/>
+    </dgm:pt>
+    <dgm:pt modelId="{851E525A-DE2B-3C4D-9A9D-FE461859B968}" type="pres">
+      <dgm:prSet presAssocID="{54695207-A738-B445-BD10-1E50EB2F0192}" presName="hierChild5" presStyleCnt="0"/>
+      <dgm:spPr/>
+    </dgm:pt>
+    <dgm:pt modelId="{7749163C-A8A3-984E-86A6-72CA2FBCF879}" type="pres">
+      <dgm:prSet presAssocID="{C5B4C14C-6DA6-F54E-81DF-96D29C3903A7}" presName="Name28" presStyleLbl="parChTrans1D2" presStyleIdx="3" presStyleCnt="4"/>
+      <dgm:spPr/>
+    </dgm:pt>
+    <dgm:pt modelId="{483FF014-1543-2449-8163-0D184ADC1798}" type="pres">
+      <dgm:prSet presAssocID="{C54CA77E-CF59-FB41-90EB-D570E7C03F50}" presName="hierRoot2" presStyleCnt="0">
+        <dgm:presLayoutVars>
+          <dgm:hierBranch val="init"/>
+        </dgm:presLayoutVars>
+      </dgm:prSet>
+      <dgm:spPr/>
+    </dgm:pt>
+    <dgm:pt modelId="{4873C9AB-5459-354F-A3C3-3925D903A2C0}" type="pres">
+      <dgm:prSet presAssocID="{C54CA77E-CF59-FB41-90EB-D570E7C03F50}" presName="rootComposite2" presStyleCnt="0"/>
+      <dgm:spPr/>
+    </dgm:pt>
+    <dgm:pt modelId="{662D36DF-09C5-3344-9857-87853AA79B28}" type="pres">
+      <dgm:prSet presAssocID="{C54CA77E-CF59-FB41-90EB-D570E7C03F50}" presName="rootText2" presStyleLbl="alignAcc1" presStyleIdx="0" presStyleCnt="0">
+        <dgm:presLayoutVars>
+          <dgm:chPref val="3"/>
+        </dgm:presLayoutVars>
+      </dgm:prSet>
+      <dgm:spPr/>
+      <dgm:t>
+        <a:bodyPr/>
+        <a:lstStyle/>
+        <a:p>
+          <a:endParaRPr lang="en-US"/>
+        </a:p>
+      </dgm:t>
+    </dgm:pt>
+    <dgm:pt modelId="{4BB6D75F-9174-664B-96F3-DF4C3AB4D8F4}" type="pres">
+      <dgm:prSet presAssocID="{C54CA77E-CF59-FB41-90EB-D570E7C03F50}" presName="topArc2" presStyleLbl="parChTrans1D1" presStyleIdx="8" presStyleCnt="10"/>
+      <dgm:spPr/>
+    </dgm:pt>
+    <dgm:pt modelId="{3429EDD2-7E71-AD48-8DE3-4E8AFC49ABFC}" type="pres">
+      <dgm:prSet presAssocID="{C54CA77E-CF59-FB41-90EB-D570E7C03F50}" presName="bottomArc2" presStyleLbl="parChTrans1D1" presStyleIdx="9" presStyleCnt="10"/>
+      <dgm:spPr/>
+    </dgm:pt>
+    <dgm:pt modelId="{C24DE735-EF00-9F4A-AA6C-87EBC151D78D}" type="pres">
+      <dgm:prSet presAssocID="{C54CA77E-CF59-FB41-90EB-D570E7C03F50}" presName="topConnNode2" presStyleLbl="node2" presStyleIdx="0" presStyleCnt="0"/>
+      <dgm:spPr/>
+    </dgm:pt>
+    <dgm:pt modelId="{86E5BD1A-206E-CE40-B5D9-17199E10E679}" type="pres">
+      <dgm:prSet presAssocID="{C54CA77E-CF59-FB41-90EB-D570E7C03F50}" presName="hierChild4" presStyleCnt="0"/>
+      <dgm:spPr/>
+    </dgm:pt>
+    <dgm:pt modelId="{30BC698D-2414-7C43-8D01-EFB26F0C6954}" type="pres">
+      <dgm:prSet presAssocID="{C54CA77E-CF59-FB41-90EB-D570E7C03F50}" presName="hierChild5" presStyleCnt="0"/>
+      <dgm:spPr/>
+    </dgm:pt>
+    <dgm:pt modelId="{7A41199C-6DE3-E44E-AEA1-9DD4DCF2A136}" type="pres">
+      <dgm:prSet presAssocID="{0A95F693-A923-1E4A-AAC1-DD46293B2B09}" presName="hierChild3" presStyleCnt="0"/>
+      <dgm:spPr/>
+    </dgm:pt>
+  </dgm:ptLst>
+  <dgm:cxnLst>
+    <dgm:cxn modelId="{94D5B03F-C2D9-8140-8A0B-67A61E25E454}" type="presOf" srcId="{54695207-A738-B445-BD10-1E50EB2F0192}" destId="{B78609DC-F262-3943-8229-5387A7E0D780}" srcOrd="0" destOrd="0" presId="urn:microsoft.com/office/officeart/2008/layout/HalfCircleOrganizationChart"/>
+    <dgm:cxn modelId="{4B5D3300-B5FA-CF4C-B1EE-A27D1DD09905}" srcId="{0A95F693-A923-1E4A-AAC1-DD46293B2B09}" destId="{54695207-A738-B445-BD10-1E50EB2F0192}" srcOrd="2" destOrd="0" parTransId="{E82A10EC-79B8-4A40-B96F-49594F0A4541}" sibTransId="{2C06E799-04CB-9E4E-9E7F-E0855C3E4C80}"/>
+    <dgm:cxn modelId="{12EE5978-9107-684A-8923-34E1D7D9CF2E}" type="presOf" srcId="{0A95F693-A923-1E4A-AAC1-DD46293B2B09}" destId="{37635D0D-4942-9E45-9F21-BB519D157D83}" srcOrd="1" destOrd="0" presId="urn:microsoft.com/office/officeart/2008/layout/HalfCircleOrganizationChart"/>
+    <dgm:cxn modelId="{A26C427A-0EA8-6448-863A-FCBB56C3AC50}" srcId="{0A95F693-A923-1E4A-AAC1-DD46293B2B09}" destId="{0AD672CA-8998-E245-B3AD-83C814D4B2DC}" srcOrd="1" destOrd="0" parTransId="{F25C5066-A513-8941-BF5F-FD35F2500268}" sibTransId="{90ED327D-54C5-BA4C-B4C0-FADFA454F81C}"/>
+    <dgm:cxn modelId="{25E78678-72F3-944E-852F-3AD0CA81AEB1}" type="presOf" srcId="{54695207-A738-B445-BD10-1E50EB2F0192}" destId="{2E0744F6-8CAB-2A4F-8DB0-9A8CDF2C581A}" srcOrd="1" destOrd="0" presId="urn:microsoft.com/office/officeart/2008/layout/HalfCircleOrganizationChart"/>
+    <dgm:cxn modelId="{E21768F6-7750-0445-BA00-5B060F80FA4E}" type="presOf" srcId="{C5B4C14C-6DA6-F54E-81DF-96D29C3903A7}" destId="{7749163C-A8A3-984E-86A6-72CA2FBCF879}" srcOrd="0" destOrd="0" presId="urn:microsoft.com/office/officeart/2008/layout/HalfCircleOrganizationChart"/>
+    <dgm:cxn modelId="{A8B2552B-9A91-8B40-B8A2-98AD37ED7A0E}" type="presOf" srcId="{14B439E6-B244-3C46-B6CE-6B1B8D3CCFB4}" destId="{6EC8BD7E-3958-EC46-BA2D-53EF954162F6}" srcOrd="0" destOrd="0" presId="urn:microsoft.com/office/officeart/2008/layout/HalfCircleOrganizationChart"/>
+    <dgm:cxn modelId="{74B579F5-6A8D-1246-9E01-AB5A43DD2ED9}" type="presOf" srcId="{0AD672CA-8998-E245-B3AD-83C814D4B2DC}" destId="{B80BBFA5-DCDD-9243-AE56-9DC648FB7709}" srcOrd="0" destOrd="0" presId="urn:microsoft.com/office/officeart/2008/layout/HalfCircleOrganizationChart"/>
+    <dgm:cxn modelId="{6E1042A6-2C11-2842-BE72-23FBF0FFD313}" type="presOf" srcId="{E82A10EC-79B8-4A40-B96F-49594F0A4541}" destId="{5358384B-5147-ED49-9D9D-E3229F98BBE0}" srcOrd="0" destOrd="0" presId="urn:microsoft.com/office/officeart/2008/layout/HalfCircleOrganizationChart"/>
+    <dgm:cxn modelId="{CADACC33-8695-CB48-BB4D-CDEA4F4BEC87}" type="presOf" srcId="{0AD672CA-8998-E245-B3AD-83C814D4B2DC}" destId="{2583C085-71A7-BE4C-93B3-773360B59D4E}" srcOrd="1" destOrd="0" presId="urn:microsoft.com/office/officeart/2008/layout/HalfCircleOrganizationChart"/>
+    <dgm:cxn modelId="{F0808A3A-0486-0D45-9B9B-176674E4872D}" srcId="{68D6D2BD-CA75-D640-BB9C-33924CDB8205}" destId="{0A95F693-A923-1E4A-AAC1-DD46293B2B09}" srcOrd="0" destOrd="0" parTransId="{BF9ADB16-7EA8-7241-9524-F69BAD3EE0C2}" sibTransId="{A2D9C352-49FB-EA49-A5C6-BC6686B772E5}"/>
+    <dgm:cxn modelId="{6442C6B7-FE3B-7E4A-BC32-BD062A93723E}" srcId="{0A95F693-A923-1E4A-AAC1-DD46293B2B09}" destId="{1EA80A90-D018-C14A-ABCC-BD09B46FCF33}" srcOrd="0" destOrd="0" parTransId="{14B439E6-B244-3C46-B6CE-6B1B8D3CCFB4}" sibTransId="{60A51E6B-A164-404E-94E9-CCE8EB167313}"/>
+    <dgm:cxn modelId="{77B37C09-24CE-0349-9365-AA259842E926}" type="presOf" srcId="{0A95F693-A923-1E4A-AAC1-DD46293B2B09}" destId="{214C1D5B-8AD0-A545-B44E-6F74EBF573BF}" srcOrd="0" destOrd="0" presId="urn:microsoft.com/office/officeart/2008/layout/HalfCircleOrganizationChart"/>
+    <dgm:cxn modelId="{E6F920A7-0120-EA44-85D6-1FB4F73DA9FC}" type="presOf" srcId="{1EA80A90-D018-C14A-ABCC-BD09B46FCF33}" destId="{73A0CE03-A820-6D49-B6A4-8CE800EC77D6}" srcOrd="1" destOrd="0" presId="urn:microsoft.com/office/officeart/2008/layout/HalfCircleOrganizationChart"/>
+    <dgm:cxn modelId="{79908DB5-68CC-B640-9245-DEE834BF8FE8}" type="presOf" srcId="{C54CA77E-CF59-FB41-90EB-D570E7C03F50}" destId="{662D36DF-09C5-3344-9857-87853AA79B28}" srcOrd="0" destOrd="0" presId="urn:microsoft.com/office/officeart/2008/layout/HalfCircleOrganizationChart"/>
+    <dgm:cxn modelId="{2F3DC60D-9977-4D46-81EA-B540CECA4F1D}" type="presOf" srcId="{F25C5066-A513-8941-BF5F-FD35F2500268}" destId="{0CF52B01-5ACB-A647-BB73-E6673CA6FD3B}" srcOrd="0" destOrd="0" presId="urn:microsoft.com/office/officeart/2008/layout/HalfCircleOrganizationChart"/>
+    <dgm:cxn modelId="{75DCF6F2-811B-2B48-B862-6FD218554162}" srcId="{0A95F693-A923-1E4A-AAC1-DD46293B2B09}" destId="{C54CA77E-CF59-FB41-90EB-D570E7C03F50}" srcOrd="3" destOrd="0" parTransId="{C5B4C14C-6DA6-F54E-81DF-96D29C3903A7}" sibTransId="{111B91CE-8215-294F-8DD5-EE163FF1310E}"/>
+    <dgm:cxn modelId="{884258FF-75E4-1347-83BA-3F888BE1CFE4}" type="presOf" srcId="{C54CA77E-CF59-FB41-90EB-D570E7C03F50}" destId="{C24DE735-EF00-9F4A-AA6C-87EBC151D78D}" srcOrd="1" destOrd="0" presId="urn:microsoft.com/office/officeart/2008/layout/HalfCircleOrganizationChart"/>
+    <dgm:cxn modelId="{4510DE47-0ED2-E843-83A4-667A7947A5C4}" type="presOf" srcId="{68D6D2BD-CA75-D640-BB9C-33924CDB8205}" destId="{6576D484-F3E2-0E48-B18F-89153737ECED}" srcOrd="0" destOrd="0" presId="urn:microsoft.com/office/officeart/2008/layout/HalfCircleOrganizationChart"/>
+    <dgm:cxn modelId="{D6A4BF8A-9073-124B-8DED-4B3526BB0E49}" type="presOf" srcId="{1EA80A90-D018-C14A-ABCC-BD09B46FCF33}" destId="{6C0B7F3B-6DAD-3A46-9FCB-8852C83E923D}" srcOrd="0" destOrd="0" presId="urn:microsoft.com/office/officeart/2008/layout/HalfCircleOrganizationChart"/>
+    <dgm:cxn modelId="{5144C21B-4E48-D646-88FA-6EE3C6F3AC62}" type="presParOf" srcId="{6576D484-F3E2-0E48-B18F-89153737ECED}" destId="{2E6EBE40-EB8E-2045-8FBA-7B75E9EC41D3}" srcOrd="0" destOrd="0" presId="urn:microsoft.com/office/officeart/2008/layout/HalfCircleOrganizationChart"/>
+    <dgm:cxn modelId="{708D156A-2CBA-F84A-970D-76BCB1C8E930}" type="presParOf" srcId="{2E6EBE40-EB8E-2045-8FBA-7B75E9EC41D3}" destId="{D56C2F0B-4668-4845-8D4E-47227FAB56EE}" srcOrd="0" destOrd="0" presId="urn:microsoft.com/office/officeart/2008/layout/HalfCircleOrganizationChart"/>
+    <dgm:cxn modelId="{B359A84C-66D3-544C-A22B-2F5151B78348}" type="presParOf" srcId="{D56C2F0B-4668-4845-8D4E-47227FAB56EE}" destId="{214C1D5B-8AD0-A545-B44E-6F74EBF573BF}" srcOrd="0" destOrd="0" presId="urn:microsoft.com/office/officeart/2008/layout/HalfCircleOrganizationChart"/>
+    <dgm:cxn modelId="{68CA1295-6394-E14B-8137-6CD24A659F58}" type="presParOf" srcId="{D56C2F0B-4668-4845-8D4E-47227FAB56EE}" destId="{0BE36997-7A71-5746-9090-61CAB52E395F}" srcOrd="1" destOrd="0" presId="urn:microsoft.com/office/officeart/2008/layout/HalfCircleOrganizationChart"/>
+    <dgm:cxn modelId="{0C95EE78-5A0D-9F41-9F3F-D11EC2A3E8AF}" type="presParOf" srcId="{D56C2F0B-4668-4845-8D4E-47227FAB56EE}" destId="{EAE3E292-E5F4-FE49-9979-7F7D21DF949F}" srcOrd="2" destOrd="0" presId="urn:microsoft.com/office/officeart/2008/layout/HalfCircleOrganizationChart"/>
+    <dgm:cxn modelId="{25777915-11FC-D443-B803-6135C6F562D9}" type="presParOf" srcId="{D56C2F0B-4668-4845-8D4E-47227FAB56EE}" destId="{37635D0D-4942-9E45-9F21-BB519D157D83}" srcOrd="3" destOrd="0" presId="urn:microsoft.com/office/officeart/2008/layout/HalfCircleOrganizationChart"/>
+    <dgm:cxn modelId="{530B9C37-4E74-5346-AFAD-5465A4AF484E}" type="presParOf" srcId="{2E6EBE40-EB8E-2045-8FBA-7B75E9EC41D3}" destId="{3E633392-C0DF-8F43-88AB-327C42C4A5E3}" srcOrd="1" destOrd="0" presId="urn:microsoft.com/office/officeart/2008/layout/HalfCircleOrganizationChart"/>
+    <dgm:cxn modelId="{67294AC1-98B4-254B-BA01-934887904DB2}" type="presParOf" srcId="{3E633392-C0DF-8F43-88AB-327C42C4A5E3}" destId="{6EC8BD7E-3958-EC46-BA2D-53EF954162F6}" srcOrd="0" destOrd="0" presId="urn:microsoft.com/office/officeart/2008/layout/HalfCircleOrganizationChart"/>
+    <dgm:cxn modelId="{C54D349B-BA21-F54E-82F9-BFDBF30FE846}" type="presParOf" srcId="{3E633392-C0DF-8F43-88AB-327C42C4A5E3}" destId="{DF32FF6B-CDD6-4E45-B0E0-3BC62EE35060}" srcOrd="1" destOrd="0" presId="urn:microsoft.com/office/officeart/2008/layout/HalfCircleOrganizationChart"/>
+    <dgm:cxn modelId="{A7173AF8-ABFD-F240-B898-20269975F13D}" type="presParOf" srcId="{DF32FF6B-CDD6-4E45-B0E0-3BC62EE35060}" destId="{63B13228-7B46-F040-B57A-70F855AFF9BD}" srcOrd="0" destOrd="0" presId="urn:microsoft.com/office/officeart/2008/layout/HalfCircleOrganizationChart"/>
+    <dgm:cxn modelId="{63269A27-F718-0D4F-8737-BF79F98AA5D3}" type="presParOf" srcId="{63B13228-7B46-F040-B57A-70F855AFF9BD}" destId="{6C0B7F3B-6DAD-3A46-9FCB-8852C83E923D}" srcOrd="0" destOrd="0" presId="urn:microsoft.com/office/officeart/2008/layout/HalfCircleOrganizationChart"/>
+    <dgm:cxn modelId="{CDF9F537-7F87-B945-9EC9-EBC95E831993}" type="presParOf" srcId="{63B13228-7B46-F040-B57A-70F855AFF9BD}" destId="{BBF09C89-F65E-684B-BD87-CAC81CB2D62F}" srcOrd="1" destOrd="0" presId="urn:microsoft.com/office/officeart/2008/layout/HalfCircleOrganizationChart"/>
+    <dgm:cxn modelId="{3402DF65-F0F4-D541-9AD4-D8B750DD2300}" type="presParOf" srcId="{63B13228-7B46-F040-B57A-70F855AFF9BD}" destId="{6722B57F-3E04-EC4B-BE99-43849888418F}" srcOrd="2" destOrd="0" presId="urn:microsoft.com/office/officeart/2008/layout/HalfCircleOrganizationChart"/>
+    <dgm:cxn modelId="{979C97ED-DE7B-9B46-B586-2BF004276987}" type="presParOf" srcId="{63B13228-7B46-F040-B57A-70F855AFF9BD}" destId="{73A0CE03-A820-6D49-B6A4-8CE800EC77D6}" srcOrd="3" destOrd="0" presId="urn:microsoft.com/office/officeart/2008/layout/HalfCircleOrganizationChart"/>
+    <dgm:cxn modelId="{436F5E14-FA2F-7549-8275-A82B4F479A98}" type="presParOf" srcId="{DF32FF6B-CDD6-4E45-B0E0-3BC62EE35060}" destId="{498E70C7-8F3C-224B-AC0F-2D831EAF1BA1}" srcOrd="1" destOrd="0" presId="urn:microsoft.com/office/officeart/2008/layout/HalfCircleOrganizationChart"/>
+    <dgm:cxn modelId="{A60EFFFF-BC64-1B4C-928F-FC5060D76782}" type="presParOf" srcId="{DF32FF6B-CDD6-4E45-B0E0-3BC62EE35060}" destId="{E49D1764-1E76-814F-89FD-34004118EE92}" srcOrd="2" destOrd="0" presId="urn:microsoft.com/office/officeart/2008/layout/HalfCircleOrganizationChart"/>
+    <dgm:cxn modelId="{003C1F43-FB0B-F544-A4AB-51FB8A120056}" type="presParOf" srcId="{3E633392-C0DF-8F43-88AB-327C42C4A5E3}" destId="{0CF52B01-5ACB-A647-BB73-E6673CA6FD3B}" srcOrd="2" destOrd="0" presId="urn:microsoft.com/office/officeart/2008/layout/HalfCircleOrganizationChart"/>
+    <dgm:cxn modelId="{F2CCFB4F-624A-BC42-952B-DAA157BA49EB}" type="presParOf" srcId="{3E633392-C0DF-8F43-88AB-327C42C4A5E3}" destId="{B8EDFAEA-03C1-E747-8326-31B453F929BB}" srcOrd="3" destOrd="0" presId="urn:microsoft.com/office/officeart/2008/layout/HalfCircleOrganizationChart"/>
+    <dgm:cxn modelId="{C28F89BE-EFEF-0647-ACBC-2B7650DEC449}" type="presParOf" srcId="{B8EDFAEA-03C1-E747-8326-31B453F929BB}" destId="{E4ECD475-878D-5740-8592-B5206B099C1F}" srcOrd="0" destOrd="0" presId="urn:microsoft.com/office/officeart/2008/layout/HalfCircleOrganizationChart"/>
+    <dgm:cxn modelId="{0A6CCD5F-2CF8-6647-8B98-4F061CEF82AA}" type="presParOf" srcId="{E4ECD475-878D-5740-8592-B5206B099C1F}" destId="{B80BBFA5-DCDD-9243-AE56-9DC648FB7709}" srcOrd="0" destOrd="0" presId="urn:microsoft.com/office/officeart/2008/layout/HalfCircleOrganizationChart"/>
+    <dgm:cxn modelId="{763C3B2F-07AA-9F4E-B98E-490F10E29BF4}" type="presParOf" srcId="{E4ECD475-878D-5740-8592-B5206B099C1F}" destId="{D011A911-0628-9847-88E2-80F60967F8F5}" srcOrd="1" destOrd="0" presId="urn:microsoft.com/office/officeart/2008/layout/HalfCircleOrganizationChart"/>
+    <dgm:cxn modelId="{262FA714-5394-3B46-83F4-3B63EC7C0A8E}" type="presParOf" srcId="{E4ECD475-878D-5740-8592-B5206B099C1F}" destId="{37D12E47-6B76-294C-94E7-AB671356872B}" srcOrd="2" destOrd="0" presId="urn:microsoft.com/office/officeart/2008/layout/HalfCircleOrganizationChart"/>
+    <dgm:cxn modelId="{D8E95DB0-6A17-8E45-88F7-E35F9A728084}" type="presParOf" srcId="{E4ECD475-878D-5740-8592-B5206B099C1F}" destId="{2583C085-71A7-BE4C-93B3-773360B59D4E}" srcOrd="3" destOrd="0" presId="urn:microsoft.com/office/officeart/2008/layout/HalfCircleOrganizationChart"/>
+    <dgm:cxn modelId="{163B8C33-817F-504E-BBE8-147FDD87B4D2}" type="presParOf" srcId="{B8EDFAEA-03C1-E747-8326-31B453F929BB}" destId="{B06A5906-0EBF-7B4C-89D1-161B11858001}" srcOrd="1" destOrd="0" presId="urn:microsoft.com/office/officeart/2008/layout/HalfCircleOrganizationChart"/>
+    <dgm:cxn modelId="{DA3700CE-B932-7740-AE99-A16F71BC00A8}" type="presParOf" srcId="{B8EDFAEA-03C1-E747-8326-31B453F929BB}" destId="{F83DBC37-6CD9-824E-B46A-224EF1A430B0}" srcOrd="2" destOrd="0" presId="urn:microsoft.com/office/officeart/2008/layout/HalfCircleOrganizationChart"/>
+    <dgm:cxn modelId="{451F5B58-E4BC-D144-8DE5-8DD3B409D38F}" type="presParOf" srcId="{3E633392-C0DF-8F43-88AB-327C42C4A5E3}" destId="{5358384B-5147-ED49-9D9D-E3229F98BBE0}" srcOrd="4" destOrd="0" presId="urn:microsoft.com/office/officeart/2008/layout/HalfCircleOrganizationChart"/>
+    <dgm:cxn modelId="{B0081FC8-2745-0746-9B7F-DA6BD503496B}" type="presParOf" srcId="{3E633392-C0DF-8F43-88AB-327C42C4A5E3}" destId="{7BB18137-F031-DE4F-AF16-D63A08BB0737}" srcOrd="5" destOrd="0" presId="urn:microsoft.com/office/officeart/2008/layout/HalfCircleOrganizationChart"/>
+    <dgm:cxn modelId="{56AE9635-8869-8A42-9EFC-120D71F5D41C}" type="presParOf" srcId="{7BB18137-F031-DE4F-AF16-D63A08BB0737}" destId="{A9B6E966-2E61-6A40-965E-7F61175C705E}" srcOrd="0" destOrd="0" presId="urn:microsoft.com/office/officeart/2008/layout/HalfCircleOrganizationChart"/>
+    <dgm:cxn modelId="{7BFABD84-1DA9-664A-A6B1-976B83FD7BD9}" type="presParOf" srcId="{A9B6E966-2E61-6A40-965E-7F61175C705E}" destId="{B78609DC-F262-3943-8229-5387A7E0D780}" srcOrd="0" destOrd="0" presId="urn:microsoft.com/office/officeart/2008/layout/HalfCircleOrganizationChart"/>
+    <dgm:cxn modelId="{9AAB85D8-F2C9-DB41-9CE6-BDE00C4A546F}" type="presParOf" srcId="{A9B6E966-2E61-6A40-965E-7F61175C705E}" destId="{D5668273-A1F5-214D-AB97-E5B7093812F2}" srcOrd="1" destOrd="0" presId="urn:microsoft.com/office/officeart/2008/layout/HalfCircleOrganizationChart"/>
+    <dgm:cxn modelId="{74994571-A3B9-9546-8550-06BF11BCE1AB}" type="presParOf" srcId="{A9B6E966-2E61-6A40-965E-7F61175C705E}" destId="{F4D70AE3-9A61-7546-AF32-C6DA00B18FBB}" srcOrd="2" destOrd="0" presId="urn:microsoft.com/office/officeart/2008/layout/HalfCircleOrganizationChart"/>
+    <dgm:cxn modelId="{D1F7CB71-D60C-1C46-BA43-303789D6BC07}" type="presParOf" srcId="{A9B6E966-2E61-6A40-965E-7F61175C705E}" destId="{2E0744F6-8CAB-2A4F-8DB0-9A8CDF2C581A}" srcOrd="3" destOrd="0" presId="urn:microsoft.com/office/officeart/2008/layout/HalfCircleOrganizationChart"/>
+    <dgm:cxn modelId="{CBEB43AB-877D-514C-923B-68AA2412D4DF}" type="presParOf" srcId="{7BB18137-F031-DE4F-AF16-D63A08BB0737}" destId="{E29AA2E8-6391-BC47-BA05-051DCB9F90A1}" srcOrd="1" destOrd="0" presId="urn:microsoft.com/office/officeart/2008/layout/HalfCircleOrganizationChart"/>
+    <dgm:cxn modelId="{328E2E50-C9ED-584D-9672-846C16BF61E3}" type="presParOf" srcId="{7BB18137-F031-DE4F-AF16-D63A08BB0737}" destId="{851E525A-DE2B-3C4D-9A9D-FE461859B968}" srcOrd="2" destOrd="0" presId="urn:microsoft.com/office/officeart/2008/layout/HalfCircleOrganizationChart"/>
+    <dgm:cxn modelId="{E4C4E3F9-CE1B-F64B-92F6-4649F739595F}" type="presParOf" srcId="{3E633392-C0DF-8F43-88AB-327C42C4A5E3}" destId="{7749163C-A8A3-984E-86A6-72CA2FBCF879}" srcOrd="6" destOrd="0" presId="urn:microsoft.com/office/officeart/2008/layout/HalfCircleOrganizationChart"/>
+    <dgm:cxn modelId="{6827C86A-7DDF-A34F-99CC-2E97A6CA5089}" type="presParOf" srcId="{3E633392-C0DF-8F43-88AB-327C42C4A5E3}" destId="{483FF014-1543-2449-8163-0D184ADC1798}" srcOrd="7" destOrd="0" presId="urn:microsoft.com/office/officeart/2008/layout/HalfCircleOrganizationChart"/>
+    <dgm:cxn modelId="{40F3FFA4-6D3D-5D4F-9225-B5A9595CFB9B}" type="presParOf" srcId="{483FF014-1543-2449-8163-0D184ADC1798}" destId="{4873C9AB-5459-354F-A3C3-3925D903A2C0}" srcOrd="0" destOrd="0" presId="urn:microsoft.com/office/officeart/2008/layout/HalfCircleOrganizationChart"/>
+    <dgm:cxn modelId="{F957E8F0-D92A-B74D-A081-977EB5244F82}" type="presParOf" srcId="{4873C9AB-5459-354F-A3C3-3925D903A2C0}" destId="{662D36DF-09C5-3344-9857-87853AA79B28}" srcOrd="0" destOrd="0" presId="urn:microsoft.com/office/officeart/2008/layout/HalfCircleOrganizationChart"/>
+    <dgm:cxn modelId="{DF328A82-1716-4849-A733-479B03E0730B}" type="presParOf" srcId="{4873C9AB-5459-354F-A3C3-3925D903A2C0}" destId="{4BB6D75F-9174-664B-96F3-DF4C3AB4D8F4}" srcOrd="1" destOrd="0" presId="urn:microsoft.com/office/officeart/2008/layout/HalfCircleOrganizationChart"/>
+    <dgm:cxn modelId="{9D0F25C8-A31F-7F42-B174-0AA894D856E0}" type="presParOf" srcId="{4873C9AB-5459-354F-A3C3-3925D903A2C0}" destId="{3429EDD2-7E71-AD48-8DE3-4E8AFC49ABFC}" srcOrd="2" destOrd="0" presId="urn:microsoft.com/office/officeart/2008/layout/HalfCircleOrganizationChart"/>
+    <dgm:cxn modelId="{709225D8-9CA3-074B-BDE5-38F6A195FFC0}" type="presParOf" srcId="{4873C9AB-5459-354F-A3C3-3925D903A2C0}" destId="{C24DE735-EF00-9F4A-AA6C-87EBC151D78D}" srcOrd="3" destOrd="0" presId="urn:microsoft.com/office/officeart/2008/layout/HalfCircleOrganizationChart"/>
+    <dgm:cxn modelId="{680FEC8C-09B7-BE4C-AB2D-A5AECE0E9200}" type="presParOf" srcId="{483FF014-1543-2449-8163-0D184ADC1798}" destId="{86E5BD1A-206E-CE40-B5D9-17199E10E679}" srcOrd="1" destOrd="0" presId="urn:microsoft.com/office/officeart/2008/layout/HalfCircleOrganizationChart"/>
+    <dgm:cxn modelId="{7A7F3FB8-C83C-9844-81E7-4F3252EFFCAD}" type="presParOf" srcId="{483FF014-1543-2449-8163-0D184ADC1798}" destId="{30BC698D-2414-7C43-8D01-EFB26F0C6954}" srcOrd="2" destOrd="0" presId="urn:microsoft.com/office/officeart/2008/layout/HalfCircleOrganizationChart"/>
+    <dgm:cxn modelId="{C50ECE4B-C7C2-5B4D-8730-9B2682A0EE59}" type="presParOf" srcId="{2E6EBE40-EB8E-2045-8FBA-7B75E9EC41D3}" destId="{7A41199C-6DE3-E44E-AEA1-9DD4DCF2A136}" srcOrd="2" destOrd="0" presId="urn:microsoft.com/office/officeart/2008/layout/HalfCircleOrganizationChart"/>
+  </dgm:cxnLst>
+  <dgm:bg/>
+  <dgm:whole/>
+  <dgm:extLst>
+    <a:ext uri="http://schemas.microsoft.com/office/drawing/2008/diagram">
+      <dsp:dataModelExt xmlns:dsp="http://schemas.microsoft.com/office/drawing/2008/diagram" relId="rId12" minVer="http://schemas.openxmlformats.org/drawingml/2006/diagram"/>
+    </a:ext>
+  </dgm:extLst>
+</dgm:dataModel>
+</file>
+
+<file path=ppt/diagrams/drawing1.xml><?xml version="1.0" encoding="utf-8"?>
+<dsp:drawing xmlns:dgm="http://schemas.openxmlformats.org/drawingml/2006/diagram" xmlns:dsp="http://schemas.microsoft.com/office/drawing/2008/diagram" xmlns:a="http://schemas.openxmlformats.org/drawingml/2006/main">
+  <dsp:spTree>
+    <dsp:nvGrpSpPr>
+      <dsp:cNvPr id="0" name=""/>
+      <dsp:cNvGrpSpPr/>
+    </dsp:nvGrpSpPr>
+    <dsp:grpSpPr/>
+    <dsp:sp modelId="{7749163C-A8A3-984E-86A6-72CA2FBCF879}">
+      <dsp:nvSpPr>
+        <dsp:cNvPr id="0" name=""/>
+        <dsp:cNvSpPr/>
+      </dsp:nvSpPr>
+      <dsp:spPr>
+        <a:xfrm>
+          <a:off x="4736107" y="3277657"/>
+          <a:ext cx="3709348" cy="429180"/>
+        </a:xfrm>
+        <a:custGeom>
+          <a:avLst/>
+          <a:gdLst/>
+          <a:ahLst/>
+          <a:cxnLst/>
+          <a:rect l="0" t="0" r="0" b="0"/>
+          <a:pathLst>
+            <a:path>
+              <a:moveTo>
+                <a:pt x="0" y="0"/>
+              </a:moveTo>
+              <a:lnTo>
+                <a:pt x="0" y="214590"/>
+              </a:lnTo>
+              <a:lnTo>
+                <a:pt x="3709348" y="214590"/>
+              </a:lnTo>
+              <a:lnTo>
+                <a:pt x="3709348" y="429180"/>
+              </a:lnTo>
+            </a:path>
+          </a:pathLst>
+        </a:custGeom>
+        <a:noFill/>
+        <a:ln w="6350" cap="flat" cmpd="sng" algn="ctr">
+          <a:solidFill>
+            <a:schemeClr val="accent1">
+              <a:shade val="60000"/>
+              <a:hueOff val="0"/>
+              <a:satOff val="0"/>
+              <a:lumOff val="0"/>
+              <a:alphaOff val="0"/>
+            </a:schemeClr>
+          </a:solidFill>
+          <a:prstDash val="solid"/>
+          <a:miter lim="800000"/>
+        </a:ln>
+        <a:effectLst/>
+      </dsp:spPr>
+      <dsp:style>
+        <a:lnRef idx="1">
+          <a:scrgbClr r="0" g="0" b="0"/>
+        </a:lnRef>
+        <a:fillRef idx="0">
+          <a:scrgbClr r="0" g="0" b="0"/>
+        </a:fillRef>
+        <a:effectRef idx="0">
+          <a:scrgbClr r="0" g="0" b="0"/>
+        </a:effectRef>
+        <a:fontRef idx="minor"/>
+      </dsp:style>
+    </dsp:sp>
+    <dsp:sp modelId="{5358384B-5147-ED49-9D9D-E3229F98BBE0}">
+      <dsp:nvSpPr>
+        <dsp:cNvPr id="0" name=""/>
+        <dsp:cNvSpPr/>
+      </dsp:nvSpPr>
+      <dsp:spPr>
+        <a:xfrm>
+          <a:off x="4736107" y="3277657"/>
+          <a:ext cx="1236449" cy="429180"/>
+        </a:xfrm>
+        <a:custGeom>
+          <a:avLst/>
+          <a:gdLst/>
+          <a:ahLst/>
+          <a:cxnLst/>
+          <a:rect l="0" t="0" r="0" b="0"/>
+          <a:pathLst>
+            <a:path>
+              <a:moveTo>
+                <a:pt x="0" y="0"/>
+              </a:moveTo>
+              <a:lnTo>
+                <a:pt x="0" y="214590"/>
+              </a:lnTo>
+              <a:lnTo>
+                <a:pt x="1236449" y="214590"/>
+              </a:lnTo>
+              <a:lnTo>
+                <a:pt x="1236449" y="429180"/>
+              </a:lnTo>
+            </a:path>
+          </a:pathLst>
+        </a:custGeom>
+        <a:noFill/>
+        <a:ln w="6350" cap="flat" cmpd="sng" algn="ctr">
+          <a:solidFill>
+            <a:schemeClr val="accent1">
+              <a:shade val="60000"/>
+              <a:hueOff val="0"/>
+              <a:satOff val="0"/>
+              <a:lumOff val="0"/>
+              <a:alphaOff val="0"/>
+            </a:schemeClr>
+          </a:solidFill>
+          <a:prstDash val="solid"/>
+          <a:miter lim="800000"/>
+        </a:ln>
+        <a:effectLst/>
+      </dsp:spPr>
+      <dsp:style>
+        <a:lnRef idx="1">
+          <a:scrgbClr r="0" g="0" b="0"/>
+        </a:lnRef>
+        <a:fillRef idx="0">
+          <a:scrgbClr r="0" g="0" b="0"/>
+        </a:fillRef>
+        <a:effectRef idx="0">
+          <a:scrgbClr r="0" g="0" b="0"/>
+        </a:effectRef>
+        <a:fontRef idx="minor"/>
+      </dsp:style>
+    </dsp:sp>
+    <dsp:sp modelId="{0CF52B01-5ACB-A647-BB73-E6673CA6FD3B}">
+      <dsp:nvSpPr>
+        <dsp:cNvPr id="0" name=""/>
+        <dsp:cNvSpPr/>
+      </dsp:nvSpPr>
+      <dsp:spPr>
+        <a:xfrm>
+          <a:off x="3499657" y="3277657"/>
+          <a:ext cx="1236449" cy="429180"/>
+        </a:xfrm>
+        <a:custGeom>
+          <a:avLst/>
+          <a:gdLst/>
+          <a:ahLst/>
+          <a:cxnLst/>
+          <a:rect l="0" t="0" r="0" b="0"/>
+          <a:pathLst>
+            <a:path>
+              <a:moveTo>
+                <a:pt x="1236449" y="0"/>
+              </a:moveTo>
+              <a:lnTo>
+                <a:pt x="1236449" y="214590"/>
+              </a:lnTo>
+              <a:lnTo>
+                <a:pt x="0" y="214590"/>
+              </a:lnTo>
+              <a:lnTo>
+                <a:pt x="0" y="429180"/>
+              </a:lnTo>
+            </a:path>
+          </a:pathLst>
+        </a:custGeom>
+        <a:noFill/>
+        <a:ln w="6350" cap="flat" cmpd="sng" algn="ctr">
+          <a:solidFill>
+            <a:schemeClr val="accent1">
+              <a:shade val="60000"/>
+              <a:hueOff val="0"/>
+              <a:satOff val="0"/>
+              <a:lumOff val="0"/>
+              <a:alphaOff val="0"/>
+            </a:schemeClr>
+          </a:solidFill>
+          <a:prstDash val="solid"/>
+          <a:miter lim="800000"/>
+        </a:ln>
+        <a:effectLst/>
+      </dsp:spPr>
+      <dsp:style>
+        <a:lnRef idx="1">
+          <a:scrgbClr r="0" g="0" b="0"/>
+        </a:lnRef>
+        <a:fillRef idx="0">
+          <a:scrgbClr r="0" g="0" b="0"/>
+        </a:fillRef>
+        <a:effectRef idx="0">
+          <a:scrgbClr r="0" g="0" b="0"/>
+        </a:effectRef>
+        <a:fontRef idx="minor"/>
+      </dsp:style>
+    </dsp:sp>
+    <dsp:sp modelId="{6EC8BD7E-3958-EC46-BA2D-53EF954162F6}">
+      <dsp:nvSpPr>
+        <dsp:cNvPr id="0" name=""/>
+        <dsp:cNvSpPr/>
+      </dsp:nvSpPr>
+      <dsp:spPr>
+        <a:xfrm>
+          <a:off x="1026758" y="3277657"/>
+          <a:ext cx="3709348" cy="429180"/>
+        </a:xfrm>
+        <a:custGeom>
+          <a:avLst/>
+          <a:gdLst/>
+          <a:ahLst/>
+          <a:cxnLst/>
+          <a:rect l="0" t="0" r="0" b="0"/>
+          <a:pathLst>
+            <a:path>
+              <a:moveTo>
+                <a:pt x="3709348" y="0"/>
+              </a:moveTo>
+              <a:lnTo>
+                <a:pt x="3709348" y="214590"/>
+              </a:lnTo>
+              <a:lnTo>
+                <a:pt x="0" y="214590"/>
+              </a:lnTo>
+              <a:lnTo>
+                <a:pt x="0" y="429180"/>
+              </a:lnTo>
+            </a:path>
+          </a:pathLst>
+        </a:custGeom>
+        <a:noFill/>
+        <a:ln w="6350" cap="flat" cmpd="sng" algn="ctr">
+          <a:solidFill>
+            <a:schemeClr val="accent1">
+              <a:shade val="60000"/>
+              <a:hueOff val="0"/>
+              <a:satOff val="0"/>
+              <a:lumOff val="0"/>
+              <a:alphaOff val="0"/>
+            </a:schemeClr>
+          </a:solidFill>
+          <a:prstDash val="solid"/>
+          <a:miter lim="800000"/>
+        </a:ln>
+        <a:effectLst/>
+      </dsp:spPr>
+      <dsp:style>
+        <a:lnRef idx="1">
+          <a:scrgbClr r="0" g="0" b="0"/>
+        </a:lnRef>
+        <a:fillRef idx="0">
+          <a:scrgbClr r="0" g="0" b="0"/>
+        </a:fillRef>
+        <a:effectRef idx="0">
+          <a:scrgbClr r="0" g="0" b="0"/>
+        </a:effectRef>
+        <a:fontRef idx="minor"/>
+      </dsp:style>
+    </dsp:sp>
+    <dsp:sp modelId="{0BE36997-7A71-5746-9090-61CAB52E395F}">
+      <dsp:nvSpPr>
+        <dsp:cNvPr id="0" name=""/>
+        <dsp:cNvSpPr/>
+      </dsp:nvSpPr>
+      <dsp:spPr>
+        <a:xfrm>
+          <a:off x="4225177" y="2255798"/>
+          <a:ext cx="1021859" cy="1021859"/>
+        </a:xfrm>
+        <a:prstGeom prst="arc">
+          <a:avLst>
+            <a:gd name="adj1" fmla="val 13200000"/>
+            <a:gd name="adj2" fmla="val 19200000"/>
+          </a:avLst>
+        </a:prstGeom>
+        <a:noFill/>
+        <a:ln w="6350" cap="flat" cmpd="sng" algn="ctr">
+          <a:solidFill>
+            <a:schemeClr val="accent1">
+              <a:shade val="60000"/>
+              <a:hueOff val="0"/>
+              <a:satOff val="0"/>
+              <a:lumOff val="0"/>
+              <a:alphaOff val="0"/>
+            </a:schemeClr>
+          </a:solidFill>
+          <a:prstDash val="solid"/>
+          <a:miter lim="800000"/>
+        </a:ln>
+        <a:effectLst/>
+      </dsp:spPr>
+      <dsp:style>
+        <a:lnRef idx="1">
+          <a:scrgbClr r="0" g="0" b="0"/>
+        </a:lnRef>
+        <a:fillRef idx="0">
+          <a:scrgbClr r="0" g="0" b="0"/>
+        </a:fillRef>
+        <a:effectRef idx="0">
+          <a:scrgbClr r="0" g="0" b="0"/>
+        </a:effectRef>
+        <a:fontRef idx="minor"/>
+      </dsp:style>
+    </dsp:sp>
+    <dsp:sp modelId="{EAE3E292-E5F4-FE49-9979-7F7D21DF949F}">
+      <dsp:nvSpPr>
+        <dsp:cNvPr id="0" name=""/>
+        <dsp:cNvSpPr/>
+      </dsp:nvSpPr>
+      <dsp:spPr>
+        <a:xfrm>
+          <a:off x="4225177" y="2255798"/>
+          <a:ext cx="1021859" cy="1021859"/>
+        </a:xfrm>
+        <a:prstGeom prst="arc">
+          <a:avLst>
+            <a:gd name="adj1" fmla="val 2400000"/>
+            <a:gd name="adj2" fmla="val 8400000"/>
+          </a:avLst>
+        </a:prstGeom>
+        <a:noFill/>
+        <a:ln w="6350" cap="flat" cmpd="sng" algn="ctr">
+          <a:solidFill>
+            <a:schemeClr val="accent1">
+              <a:shade val="60000"/>
+              <a:hueOff val="0"/>
+              <a:satOff val="0"/>
+              <a:lumOff val="0"/>
+              <a:alphaOff val="0"/>
+            </a:schemeClr>
+          </a:solidFill>
+          <a:prstDash val="solid"/>
+          <a:miter lim="800000"/>
+        </a:ln>
+        <a:effectLst/>
+      </dsp:spPr>
+      <dsp:style>
+        <a:lnRef idx="1">
+          <a:scrgbClr r="0" g="0" b="0"/>
+        </a:lnRef>
+        <a:fillRef idx="0">
+          <a:scrgbClr r="0" g="0" b="0"/>
+        </a:fillRef>
+        <a:effectRef idx="0">
+          <a:scrgbClr r="0" g="0" b="0"/>
+        </a:effectRef>
+        <a:fontRef idx="minor"/>
+      </dsp:style>
+    </dsp:sp>
+    <dsp:sp modelId="{214C1D5B-8AD0-A545-B44E-6F74EBF573BF}">
+      <dsp:nvSpPr>
+        <dsp:cNvPr id="0" name=""/>
+        <dsp:cNvSpPr/>
+      </dsp:nvSpPr>
+      <dsp:spPr>
+        <a:xfrm>
+          <a:off x="3714247" y="2439732"/>
+          <a:ext cx="2043718" cy="653989"/>
+        </a:xfrm>
+        <a:prstGeom prst="rect">
+          <a:avLst/>
+        </a:prstGeom>
+        <a:noFill/>
+        <a:ln w="6350" cap="flat" cmpd="sng" algn="ctr">
+          <a:noFill/>
+          <a:prstDash val="solid"/>
+          <a:miter lim="800000"/>
+        </a:ln>
+        <a:effectLst/>
+        <a:sp3d/>
+      </dsp:spPr>
+      <dsp:style>
+        <a:lnRef idx="1">
+          <a:scrgbClr r="0" g="0" b="0"/>
+        </a:lnRef>
+        <a:fillRef idx="1">
+          <a:scrgbClr r="0" g="0" b="0"/>
+        </a:fillRef>
+        <a:effectRef idx="0">
+          <a:scrgbClr r="0" g="0" b="0"/>
+        </a:effectRef>
+        <a:fontRef idx="minor"/>
+      </dsp:style>
+      <dsp:txBody>
+        <a:bodyPr spcFirstLastPara="0" vert="horz" wrap="square" lIns="24130" tIns="24130" rIns="24130" bIns="24130" numCol="1" spcCol="1270" anchor="ctr" anchorCtr="0">
+          <a:noAutofit/>
+        </a:bodyPr>
+        <a:lstStyle/>
+        <a:p>
+          <a:pPr lvl="0" algn="ctr" defTabSz="1689100">
+            <a:lnSpc>
+              <a:spcPct val="90000"/>
+            </a:lnSpc>
+            <a:spcBef>
+              <a:spcPct val="0"/>
+            </a:spcBef>
+            <a:spcAft>
+              <a:spcPct val="35000"/>
+            </a:spcAft>
+          </a:pPr>
+          <a:r>
+            <a:rPr lang="en-US" sz="3800" kern="1200" dirty="0" smtClean="0"/>
+            <a:t>Input</a:t>
+          </a:r>
+          <a:endParaRPr lang="en-US" sz="3800" kern="1200" dirty="0"/>
+        </a:p>
+      </dsp:txBody>
+      <dsp:txXfrm>
+        <a:off x="3714247" y="2439732"/>
+        <a:ext cx="2043718" cy="653989"/>
+      </dsp:txXfrm>
+    </dsp:sp>
+    <dsp:sp modelId="{BBF09C89-F65E-684B-BD87-CAC81CB2D62F}">
+      <dsp:nvSpPr>
+        <dsp:cNvPr id="0" name=""/>
+        <dsp:cNvSpPr/>
+      </dsp:nvSpPr>
+      <dsp:spPr>
+        <a:xfrm>
+          <a:off x="515829" y="3706837"/>
+          <a:ext cx="1021859" cy="1021859"/>
+        </a:xfrm>
+        <a:prstGeom prst="arc">
+          <a:avLst>
+            <a:gd name="adj1" fmla="val 13200000"/>
+            <a:gd name="adj2" fmla="val 19200000"/>
+          </a:avLst>
+        </a:prstGeom>
+        <a:noFill/>
+        <a:ln w="6350" cap="flat" cmpd="sng" algn="ctr">
+          <a:solidFill>
+            <a:schemeClr val="accent1">
+              <a:shade val="60000"/>
+              <a:hueOff val="0"/>
+              <a:satOff val="0"/>
+              <a:lumOff val="0"/>
+              <a:alphaOff val="0"/>
+            </a:schemeClr>
+          </a:solidFill>
+          <a:prstDash val="solid"/>
+          <a:miter lim="800000"/>
+        </a:ln>
+        <a:effectLst/>
+      </dsp:spPr>
+      <dsp:style>
+        <a:lnRef idx="1">
+          <a:scrgbClr r="0" g="0" b="0"/>
+        </a:lnRef>
+        <a:fillRef idx="0">
+          <a:scrgbClr r="0" g="0" b="0"/>
+        </a:fillRef>
+        <a:effectRef idx="0">
+          <a:scrgbClr r="0" g="0" b="0"/>
+        </a:effectRef>
+        <a:fontRef idx="minor"/>
+      </dsp:style>
+    </dsp:sp>
+    <dsp:sp modelId="{6722B57F-3E04-EC4B-BE99-43849888418F}">
+      <dsp:nvSpPr>
+        <dsp:cNvPr id="0" name=""/>
+        <dsp:cNvSpPr/>
+      </dsp:nvSpPr>
+      <dsp:spPr>
+        <a:xfrm>
+          <a:off x="515829" y="3706837"/>
+          <a:ext cx="1021859" cy="1021859"/>
+        </a:xfrm>
+        <a:prstGeom prst="arc">
+          <a:avLst>
+            <a:gd name="adj1" fmla="val 2400000"/>
+            <a:gd name="adj2" fmla="val 8400000"/>
+          </a:avLst>
+        </a:prstGeom>
+        <a:noFill/>
+        <a:ln w="6350" cap="flat" cmpd="sng" algn="ctr">
+          <a:solidFill>
+            <a:schemeClr val="accent1">
+              <a:shade val="60000"/>
+              <a:hueOff val="0"/>
+              <a:satOff val="0"/>
+              <a:lumOff val="0"/>
+              <a:alphaOff val="0"/>
+            </a:schemeClr>
+          </a:solidFill>
+          <a:prstDash val="solid"/>
+          <a:miter lim="800000"/>
+        </a:ln>
+        <a:effectLst/>
+      </dsp:spPr>
+      <dsp:style>
+        <a:lnRef idx="1">
+          <a:scrgbClr r="0" g="0" b="0"/>
+        </a:lnRef>
+        <a:fillRef idx="0">
+          <a:scrgbClr r="0" g="0" b="0"/>
+        </a:fillRef>
+        <a:effectRef idx="0">
+          <a:scrgbClr r="0" g="0" b="0"/>
+        </a:effectRef>
+        <a:fontRef idx="minor"/>
+      </dsp:style>
+    </dsp:sp>
+    <dsp:sp modelId="{6C0B7F3B-6DAD-3A46-9FCB-8852C83E923D}">
+      <dsp:nvSpPr>
+        <dsp:cNvPr id="0" name=""/>
+        <dsp:cNvSpPr/>
+      </dsp:nvSpPr>
+      <dsp:spPr>
+        <a:xfrm>
+          <a:off x="4899" y="3890772"/>
+          <a:ext cx="2043718" cy="653989"/>
+        </a:xfrm>
+        <a:prstGeom prst="rect">
+          <a:avLst/>
+        </a:prstGeom>
+        <a:noFill/>
+        <a:ln w="6350" cap="flat" cmpd="sng" algn="ctr">
+          <a:noFill/>
+          <a:prstDash val="solid"/>
+          <a:miter lim="800000"/>
+        </a:ln>
+        <a:effectLst/>
+        <a:sp3d/>
+      </dsp:spPr>
+      <dsp:style>
+        <a:lnRef idx="1">
+          <a:scrgbClr r="0" g="0" b="0"/>
+        </a:lnRef>
+        <a:fillRef idx="1">
+          <a:scrgbClr r="0" g="0" b="0"/>
+        </a:fillRef>
+        <a:effectRef idx="0">
+          <a:scrgbClr r="0" g="0" b="0"/>
+        </a:effectRef>
+        <a:fontRef idx="minor"/>
+      </dsp:style>
+      <dsp:txBody>
+        <a:bodyPr spcFirstLastPara="0" vert="horz" wrap="square" lIns="24130" tIns="24130" rIns="24130" bIns="24130" numCol="1" spcCol="1270" anchor="ctr" anchorCtr="0">
+          <a:noAutofit/>
+        </a:bodyPr>
+        <a:lstStyle/>
+        <a:p>
+          <a:pPr lvl="0" algn="ctr" defTabSz="1689100">
+            <a:lnSpc>
+              <a:spcPct val="90000"/>
+            </a:lnSpc>
+            <a:spcBef>
+              <a:spcPct val="0"/>
+            </a:spcBef>
+            <a:spcAft>
+              <a:spcPct val="35000"/>
+            </a:spcAft>
+          </a:pPr>
+          <a:r>
+            <a:rPr lang="en-US" sz="3800" kern="1200" dirty="0" smtClean="0"/>
+            <a:t>Class A</a:t>
+          </a:r>
+          <a:endParaRPr lang="en-US" sz="3800" kern="1200" dirty="0"/>
+        </a:p>
+      </dsp:txBody>
+      <dsp:txXfrm>
+        <a:off x="4899" y="3890772"/>
+        <a:ext cx="2043718" cy="653989"/>
+      </dsp:txXfrm>
+    </dsp:sp>
+    <dsp:sp modelId="{D011A911-0628-9847-88E2-80F60967F8F5}">
+      <dsp:nvSpPr>
+        <dsp:cNvPr id="0" name=""/>
+        <dsp:cNvSpPr/>
+      </dsp:nvSpPr>
+      <dsp:spPr>
+        <a:xfrm>
+          <a:off x="2988728" y="3706837"/>
+          <a:ext cx="1021859" cy="1021859"/>
+        </a:xfrm>
+        <a:prstGeom prst="arc">
+          <a:avLst>
+            <a:gd name="adj1" fmla="val 13200000"/>
+            <a:gd name="adj2" fmla="val 19200000"/>
+          </a:avLst>
+        </a:prstGeom>
+        <a:noFill/>
+        <a:ln w="6350" cap="flat" cmpd="sng" algn="ctr">
+          <a:solidFill>
+            <a:schemeClr val="accent1">
+              <a:shade val="60000"/>
+              <a:hueOff val="0"/>
+              <a:satOff val="0"/>
+              <a:lumOff val="0"/>
+              <a:alphaOff val="0"/>
+            </a:schemeClr>
+          </a:solidFill>
+          <a:prstDash val="solid"/>
+          <a:miter lim="800000"/>
+        </a:ln>
+        <a:effectLst/>
+      </dsp:spPr>
+      <dsp:style>
+        <a:lnRef idx="1">
+          <a:scrgbClr r="0" g="0" b="0"/>
+        </a:lnRef>
+        <a:fillRef idx="0">
+          <a:scrgbClr r="0" g="0" b="0"/>
+        </a:fillRef>
+        <a:effectRef idx="0">
+          <a:scrgbClr r="0" g="0" b="0"/>
+        </a:effectRef>
+        <a:fontRef idx="minor"/>
+      </dsp:style>
+    </dsp:sp>
+    <dsp:sp modelId="{37D12E47-6B76-294C-94E7-AB671356872B}">
+      <dsp:nvSpPr>
+        <dsp:cNvPr id="0" name=""/>
+        <dsp:cNvSpPr/>
+      </dsp:nvSpPr>
+      <dsp:spPr>
+        <a:xfrm>
+          <a:off x="2988728" y="3706837"/>
+          <a:ext cx="1021859" cy="1021859"/>
+        </a:xfrm>
+        <a:prstGeom prst="arc">
+          <a:avLst>
+            <a:gd name="adj1" fmla="val 2400000"/>
+            <a:gd name="adj2" fmla="val 8400000"/>
+          </a:avLst>
+        </a:prstGeom>
+        <a:noFill/>
+        <a:ln w="6350" cap="flat" cmpd="sng" algn="ctr">
+          <a:solidFill>
+            <a:schemeClr val="accent1">
+              <a:shade val="60000"/>
+              <a:hueOff val="0"/>
+              <a:satOff val="0"/>
+              <a:lumOff val="0"/>
+              <a:alphaOff val="0"/>
+            </a:schemeClr>
+          </a:solidFill>
+          <a:prstDash val="solid"/>
+          <a:miter lim="800000"/>
+        </a:ln>
+        <a:effectLst/>
+      </dsp:spPr>
+      <dsp:style>
+        <a:lnRef idx="1">
+          <a:scrgbClr r="0" g="0" b="0"/>
+        </a:lnRef>
+        <a:fillRef idx="0">
+          <a:scrgbClr r="0" g="0" b="0"/>
+        </a:fillRef>
+        <a:effectRef idx="0">
+          <a:scrgbClr r="0" g="0" b="0"/>
+        </a:effectRef>
+        <a:fontRef idx="minor"/>
+      </dsp:style>
+    </dsp:sp>
+    <dsp:sp modelId="{B80BBFA5-DCDD-9243-AE56-9DC648FB7709}">
+      <dsp:nvSpPr>
+        <dsp:cNvPr id="0" name=""/>
+        <dsp:cNvSpPr/>
+      </dsp:nvSpPr>
+      <dsp:spPr>
+        <a:xfrm>
+          <a:off x="2477798" y="3890772"/>
+          <a:ext cx="2043718" cy="653989"/>
+        </a:xfrm>
+        <a:prstGeom prst="rect">
+          <a:avLst/>
+        </a:prstGeom>
+        <a:noFill/>
+        <a:ln w="6350" cap="flat" cmpd="sng" algn="ctr">
+          <a:noFill/>
+          <a:prstDash val="solid"/>
+          <a:miter lim="800000"/>
+        </a:ln>
+        <a:effectLst/>
+        <a:sp3d/>
+      </dsp:spPr>
+      <dsp:style>
+        <a:lnRef idx="1">
+          <a:scrgbClr r="0" g="0" b="0"/>
+        </a:lnRef>
+        <a:fillRef idx="1">
+          <a:scrgbClr r="0" g="0" b="0"/>
+        </a:fillRef>
+        <a:effectRef idx="0">
+          <a:scrgbClr r="0" g="0" b="0"/>
+        </a:effectRef>
+        <a:fontRef idx="minor"/>
+      </dsp:style>
+      <dsp:txBody>
+        <a:bodyPr spcFirstLastPara="0" vert="horz" wrap="square" lIns="24130" tIns="24130" rIns="24130" bIns="24130" numCol="1" spcCol="1270" anchor="ctr" anchorCtr="0">
+          <a:noAutofit/>
+        </a:bodyPr>
+        <a:lstStyle/>
+        <a:p>
+          <a:pPr lvl="0" algn="ctr" defTabSz="1689100">
+            <a:lnSpc>
+              <a:spcPct val="90000"/>
+            </a:lnSpc>
+            <a:spcBef>
+              <a:spcPct val="0"/>
+            </a:spcBef>
+            <a:spcAft>
+              <a:spcPct val="35000"/>
+            </a:spcAft>
+          </a:pPr>
+          <a:r>
+            <a:rPr lang="en-US" sz="3800" kern="1200" dirty="0" smtClean="0"/>
+            <a:t>Class B</a:t>
+          </a:r>
+          <a:endParaRPr lang="en-US" sz="3800" kern="1200" dirty="0"/>
+        </a:p>
+      </dsp:txBody>
+      <dsp:txXfrm>
+        <a:off x="2477798" y="3890772"/>
+        <a:ext cx="2043718" cy="653989"/>
+      </dsp:txXfrm>
+    </dsp:sp>
+    <dsp:sp modelId="{D5668273-A1F5-214D-AB97-E5B7093812F2}">
+      <dsp:nvSpPr>
+        <dsp:cNvPr id="0" name=""/>
+        <dsp:cNvSpPr/>
+      </dsp:nvSpPr>
+      <dsp:spPr>
+        <a:xfrm>
+          <a:off x="5461626" y="3706837"/>
+          <a:ext cx="1021859" cy="1021859"/>
+        </a:xfrm>
+        <a:prstGeom prst="arc">
+          <a:avLst>
+            <a:gd name="adj1" fmla="val 13200000"/>
+            <a:gd name="adj2" fmla="val 19200000"/>
+          </a:avLst>
+        </a:prstGeom>
+        <a:noFill/>
+        <a:ln w="6350" cap="flat" cmpd="sng" algn="ctr">
+          <a:solidFill>
+            <a:schemeClr val="accent1">
+              <a:shade val="60000"/>
+              <a:hueOff val="0"/>
+              <a:satOff val="0"/>
+              <a:lumOff val="0"/>
+              <a:alphaOff val="0"/>
+            </a:schemeClr>
+          </a:solidFill>
+          <a:prstDash val="solid"/>
+          <a:miter lim="800000"/>
+        </a:ln>
+        <a:effectLst/>
+      </dsp:spPr>
+      <dsp:style>
+        <a:lnRef idx="1">
+          <a:scrgbClr r="0" g="0" b="0"/>
+        </a:lnRef>
+        <a:fillRef idx="0">
+          <a:scrgbClr r="0" g="0" b="0"/>
+        </a:fillRef>
+        <a:effectRef idx="0">
+          <a:scrgbClr r="0" g="0" b="0"/>
+        </a:effectRef>
+        <a:fontRef idx="minor"/>
+      </dsp:style>
+    </dsp:sp>
+    <dsp:sp modelId="{F4D70AE3-9A61-7546-AF32-C6DA00B18FBB}">
+      <dsp:nvSpPr>
+        <dsp:cNvPr id="0" name=""/>
+        <dsp:cNvSpPr/>
+      </dsp:nvSpPr>
+      <dsp:spPr>
+        <a:xfrm>
+          <a:off x="5461626" y="3706837"/>
+          <a:ext cx="1021859" cy="1021859"/>
+        </a:xfrm>
+        <a:prstGeom prst="arc">
+          <a:avLst>
+            <a:gd name="adj1" fmla="val 2400000"/>
+            <a:gd name="adj2" fmla="val 8400000"/>
+          </a:avLst>
+        </a:prstGeom>
+        <a:noFill/>
+        <a:ln w="6350" cap="flat" cmpd="sng" algn="ctr">
+          <a:solidFill>
+            <a:schemeClr val="accent1">
+              <a:shade val="60000"/>
+              <a:hueOff val="0"/>
+              <a:satOff val="0"/>
+              <a:lumOff val="0"/>
+              <a:alphaOff val="0"/>
+            </a:schemeClr>
+          </a:solidFill>
+          <a:prstDash val="solid"/>
+          <a:miter lim="800000"/>
+        </a:ln>
+        <a:effectLst/>
+      </dsp:spPr>
+      <dsp:style>
+        <a:lnRef idx="1">
+          <a:scrgbClr r="0" g="0" b="0"/>
+        </a:lnRef>
+        <a:fillRef idx="0">
+          <a:scrgbClr r="0" g="0" b="0"/>
+        </a:fillRef>
+        <a:effectRef idx="0">
+          <a:scrgbClr r="0" g="0" b="0"/>
+        </a:effectRef>
+        <a:fontRef idx="minor"/>
+      </dsp:style>
+    </dsp:sp>
+    <dsp:sp modelId="{B78609DC-F262-3943-8229-5387A7E0D780}">
+      <dsp:nvSpPr>
+        <dsp:cNvPr id="0" name=""/>
+        <dsp:cNvSpPr/>
+      </dsp:nvSpPr>
+      <dsp:spPr>
+        <a:xfrm>
+          <a:off x="4950697" y="3890772"/>
+          <a:ext cx="2043718" cy="653989"/>
+        </a:xfrm>
+        <a:prstGeom prst="rect">
+          <a:avLst/>
+        </a:prstGeom>
+        <a:noFill/>
+        <a:ln w="6350" cap="flat" cmpd="sng" algn="ctr">
+          <a:noFill/>
+          <a:prstDash val="solid"/>
+          <a:miter lim="800000"/>
+        </a:ln>
+        <a:effectLst/>
+        <a:sp3d/>
+      </dsp:spPr>
+      <dsp:style>
+        <a:lnRef idx="1">
+          <a:scrgbClr r="0" g="0" b="0"/>
+        </a:lnRef>
+        <a:fillRef idx="1">
+          <a:scrgbClr r="0" g="0" b="0"/>
+        </a:fillRef>
+        <a:effectRef idx="0">
+          <a:scrgbClr r="0" g="0" b="0"/>
+        </a:effectRef>
+        <a:fontRef idx="minor"/>
+      </dsp:style>
+      <dsp:txBody>
+        <a:bodyPr spcFirstLastPara="0" vert="horz" wrap="square" lIns="24130" tIns="24130" rIns="24130" bIns="24130" numCol="1" spcCol="1270" anchor="ctr" anchorCtr="0">
+          <a:noAutofit/>
+        </a:bodyPr>
+        <a:lstStyle/>
+        <a:p>
+          <a:pPr lvl="0" algn="ctr" defTabSz="1689100">
+            <a:lnSpc>
+              <a:spcPct val="90000"/>
+            </a:lnSpc>
+            <a:spcBef>
+              <a:spcPct val="0"/>
+            </a:spcBef>
+            <a:spcAft>
+              <a:spcPct val="35000"/>
+            </a:spcAft>
+          </a:pPr>
+          <a:r>
+            <a:rPr lang="en-US" sz="3800" kern="1200" dirty="0" smtClean="0"/>
+            <a:t>Class C</a:t>
+          </a:r>
+          <a:endParaRPr lang="en-US" sz="3800" kern="1200" dirty="0"/>
+        </a:p>
+      </dsp:txBody>
+      <dsp:txXfrm>
+        <a:off x="4950697" y="3890772"/>
+        <a:ext cx="2043718" cy="653989"/>
+      </dsp:txXfrm>
+    </dsp:sp>
+    <dsp:sp modelId="{4BB6D75F-9174-664B-96F3-DF4C3AB4D8F4}">
+      <dsp:nvSpPr>
+        <dsp:cNvPr id="0" name=""/>
+        <dsp:cNvSpPr/>
+      </dsp:nvSpPr>
+      <dsp:spPr>
+        <a:xfrm>
+          <a:off x="7934525" y="3706837"/>
+          <a:ext cx="1021859" cy="1021859"/>
+        </a:xfrm>
+        <a:prstGeom prst="arc">
+          <a:avLst>
+            <a:gd name="adj1" fmla="val 13200000"/>
+            <a:gd name="adj2" fmla="val 19200000"/>
+          </a:avLst>
+        </a:prstGeom>
+        <a:noFill/>
+        <a:ln w="6350" cap="flat" cmpd="sng" algn="ctr">
+          <a:solidFill>
+            <a:schemeClr val="accent1">
+              <a:shade val="60000"/>
+              <a:hueOff val="0"/>
+              <a:satOff val="0"/>
+              <a:lumOff val="0"/>
+              <a:alphaOff val="0"/>
+            </a:schemeClr>
+          </a:solidFill>
+          <a:prstDash val="solid"/>
+          <a:miter lim="800000"/>
+        </a:ln>
+        <a:effectLst/>
+      </dsp:spPr>
+      <dsp:style>
+        <a:lnRef idx="1">
+          <a:scrgbClr r="0" g="0" b="0"/>
+        </a:lnRef>
+        <a:fillRef idx="0">
+          <a:scrgbClr r="0" g="0" b="0"/>
+        </a:fillRef>
+        <a:effectRef idx="0">
+          <a:scrgbClr r="0" g="0" b="0"/>
+        </a:effectRef>
+        <a:fontRef idx="minor"/>
+      </dsp:style>
+    </dsp:sp>
+    <dsp:sp modelId="{3429EDD2-7E71-AD48-8DE3-4E8AFC49ABFC}">
+      <dsp:nvSpPr>
+        <dsp:cNvPr id="0" name=""/>
+        <dsp:cNvSpPr/>
+      </dsp:nvSpPr>
+      <dsp:spPr>
+        <a:xfrm>
+          <a:off x="7934525" y="3706837"/>
+          <a:ext cx="1021859" cy="1021859"/>
+        </a:xfrm>
+        <a:prstGeom prst="arc">
+          <a:avLst>
+            <a:gd name="adj1" fmla="val 2400000"/>
+            <a:gd name="adj2" fmla="val 8400000"/>
+          </a:avLst>
+        </a:prstGeom>
+        <a:noFill/>
+        <a:ln w="6350" cap="flat" cmpd="sng" algn="ctr">
+          <a:solidFill>
+            <a:schemeClr val="accent1">
+              <a:shade val="60000"/>
+              <a:hueOff val="0"/>
+              <a:satOff val="0"/>
+              <a:lumOff val="0"/>
+              <a:alphaOff val="0"/>
+            </a:schemeClr>
+          </a:solidFill>
+          <a:prstDash val="solid"/>
+          <a:miter lim="800000"/>
+        </a:ln>
+        <a:effectLst/>
+      </dsp:spPr>
+      <dsp:style>
+        <a:lnRef idx="1">
+          <a:scrgbClr r="0" g="0" b="0"/>
+        </a:lnRef>
+        <a:fillRef idx="0">
+          <a:scrgbClr r="0" g="0" b="0"/>
+        </a:fillRef>
+        <a:effectRef idx="0">
+          <a:scrgbClr r="0" g="0" b="0"/>
+        </a:effectRef>
+        <a:fontRef idx="minor"/>
+      </dsp:style>
+    </dsp:sp>
+    <dsp:sp modelId="{662D36DF-09C5-3344-9857-87853AA79B28}">
+      <dsp:nvSpPr>
+        <dsp:cNvPr id="0" name=""/>
+        <dsp:cNvSpPr/>
+      </dsp:nvSpPr>
+      <dsp:spPr>
+        <a:xfrm>
+          <a:off x="7423596" y="3890772"/>
+          <a:ext cx="2043718" cy="653989"/>
+        </a:xfrm>
+        <a:prstGeom prst="rect">
+          <a:avLst/>
+        </a:prstGeom>
+        <a:noFill/>
+        <a:ln w="6350" cap="flat" cmpd="sng" algn="ctr">
+          <a:noFill/>
+          <a:prstDash val="solid"/>
+          <a:miter lim="800000"/>
+        </a:ln>
+        <a:effectLst/>
+        <a:sp3d/>
+      </dsp:spPr>
+      <dsp:style>
+        <a:lnRef idx="1">
+          <a:scrgbClr r="0" g="0" b="0"/>
+        </a:lnRef>
+        <a:fillRef idx="1">
+          <a:scrgbClr r="0" g="0" b="0"/>
+        </a:fillRef>
+        <a:effectRef idx="0">
+          <a:scrgbClr r="0" g="0" b="0"/>
+        </a:effectRef>
+        <a:fontRef idx="minor"/>
+      </dsp:style>
+      <dsp:txBody>
+        <a:bodyPr spcFirstLastPara="0" vert="horz" wrap="square" lIns="24130" tIns="24130" rIns="24130" bIns="24130" numCol="1" spcCol="1270" anchor="ctr" anchorCtr="0">
+          <a:noAutofit/>
+        </a:bodyPr>
+        <a:lstStyle/>
+        <a:p>
+          <a:pPr lvl="0" algn="ctr" defTabSz="1689100">
+            <a:lnSpc>
+              <a:spcPct val="90000"/>
+            </a:lnSpc>
+            <a:spcBef>
+              <a:spcPct val="0"/>
+            </a:spcBef>
+            <a:spcAft>
+              <a:spcPct val="35000"/>
+            </a:spcAft>
+          </a:pPr>
+          <a:r>
+            <a:rPr lang="en-US" sz="3800" kern="1200" dirty="0" smtClean="0"/>
+            <a:t>New Class</a:t>
+          </a:r>
+          <a:endParaRPr lang="en-US" sz="3800" kern="1200" dirty="0"/>
+        </a:p>
+      </dsp:txBody>
+      <dsp:txXfrm>
+        <a:off x="7423596" y="3890772"/>
+        <a:ext cx="2043718" cy="653989"/>
+      </dsp:txXfrm>
+    </dsp:sp>
+  </dsp:spTree>
+</dsp:drawing>
+</file>
+
+<file path=ppt/diagrams/layout1.xml><?xml version="1.0" encoding="utf-8"?>
+<dgm:layoutDef xmlns:dgm="http://schemas.openxmlformats.org/drawingml/2006/diagram" xmlns:a="http://schemas.openxmlformats.org/drawingml/2006/main" uniqueId="urn:microsoft.com/office/officeart/2008/layout/HalfCircleOrganizationChart">
+  <dgm:title val=""/>
+  <dgm:desc val=""/>
+  <dgm:catLst>
+    <dgm:cat type="hierarchy" pri="1500"/>
+  </dgm:catLst>
+  <dgm:sampData>
+    <dgm:dataModel>
+      <dgm:ptLst>
+        <dgm:pt modelId="0" type="doc"/>
+        <dgm:pt modelId="1">
+          <dgm:prSet phldr="1"/>
+        </dgm:pt>
+        <dgm:pt modelId="11" type="asst">
+          <dgm:prSet phldr="1"/>
+        </dgm:pt>
+        <dgm:pt modelId="12">
+          <dgm:prSet phldr="1"/>
+        </dgm:pt>
+        <dgm:pt modelId="13">
+          <dgm:prSet phldr="1"/>
+        </dgm:pt>
+        <dgm:pt modelId="14">
+          <dgm:prSet phldr="1"/>
+        </dgm:pt>
+      </dgm:ptLst>
+      <dgm:cxnLst>
+        <dgm:cxn modelId="2" srcId="0" destId="1" srcOrd="0" destOrd="0"/>
+        <dgm:cxn modelId="15" srcId="1" destId="11" srcOrd="0" destOrd="0"/>
+        <dgm:cxn modelId="16" srcId="1" destId="12" srcOrd="1" destOrd="0"/>
+        <dgm:cxn modelId="17" srcId="1" destId="13" srcOrd="2" destOrd="0"/>
+        <dgm:cxn modelId="18" srcId="1" destId="14" srcOrd="2" destOrd="0"/>
+      </dgm:cxnLst>
+      <dgm:bg/>
+      <dgm:whole/>
+    </dgm:dataModel>
+  </dgm:sampData>
+  <dgm:styleData>
+    <dgm:dataModel>
+      <dgm:ptLst>
+        <dgm:pt modelId="0" type="doc"/>
+        <dgm:pt modelId="1">
+          <dgm:prSet phldr="1"/>
+        </dgm:pt>
+        <dgm:pt modelId="11">
+          <dgm:prSet phldr="1"/>
+        </dgm:pt>
+        <dgm:pt modelId="12">
+          <dgm:prSet phldr="1"/>
+        </dgm:pt>
+      </dgm:ptLst>
+      <dgm:cxnLst>
+        <dgm:cxn modelId="2" srcId="0" destId="1" srcOrd="0" destOrd="0"/>
+        <dgm:cxn modelId="3" srcId="1" destId="11" srcOrd="0" destOrd="0"/>
+        <dgm:cxn modelId="4" srcId="1" destId="12" srcOrd="1" destOrd="0"/>
+      </dgm:cxnLst>
+      <dgm:bg/>
+      <dgm:whole/>
+    </dgm:dataModel>
+  </dgm:styleData>
+  <dgm:clrData>
+    <dgm:dataModel>
+      <dgm:ptLst>
+        <dgm:pt modelId="0" type="doc"/>
+        <dgm:pt modelId="1">
+          <dgm:prSet phldr="1"/>
+        </dgm:pt>
+        <dgm:pt modelId="11" type="asst">
+          <dgm:prSet phldr="1"/>
+        </dgm:pt>
+        <dgm:pt modelId="12">
+          <dgm:prSet phldr="1"/>
+        </dgm:pt>
+        <dgm:pt modelId="13">
+          <dgm:prSet phldr="1"/>
+        </dgm:pt>
+        <dgm:pt modelId="14">
+          <dgm:prSet phldr="1"/>
+        </dgm:pt>
+      </dgm:ptLst>
+      <dgm:cxnLst>
+        <dgm:cxn modelId="2" srcId="0" destId="1" srcOrd="0" destOrd="0"/>
+        <dgm:cxn modelId="15" srcId="1" destId="11" srcOrd="0" destOrd="0"/>
+        <dgm:cxn modelId="16" srcId="1" destId="12" srcOrd="1" destOrd="0"/>
+        <dgm:cxn modelId="17" srcId="1" destId="13" srcOrd="2" destOrd="0"/>
+        <dgm:cxn modelId="18" srcId="1" destId="14" srcOrd="2" destOrd="0"/>
+      </dgm:cxnLst>
+      <dgm:bg/>
+      <dgm:whole/>
+    </dgm:dataModel>
+  </dgm:clrData>
+  <dgm:layoutNode name="Name0">
+    <dgm:varLst>
+      <dgm:orgChart val="1"/>
+      <dgm:chPref val="1"/>
+      <dgm:dir/>
+      <dgm:animOne val="branch"/>
+      <dgm:animLvl val="lvl"/>
+      <dgm:resizeHandles/>
+    </dgm:varLst>
+    <dgm:choose name="Name1">
+      <dgm:if name="Name2" func="var" arg="dir" op="equ" val="norm">
+        <dgm:alg type="hierChild">
+          <dgm:param type="linDir" val="fromL"/>
+        </dgm:alg>
+      </dgm:if>
+      <dgm:else name="Name3">
+        <dgm:alg type="hierChild">
+          <dgm:param type="linDir" val="fromR"/>
+        </dgm:alg>
+      </dgm:else>
+    </dgm:choose>
+    <dgm:shape xmlns:r="http://schemas.openxmlformats.org/officeDocument/2006/relationships" r:blip="">
+      <dgm:adjLst/>
+    </dgm:shape>
+    <dgm:presOf/>
+    <dgm:constrLst>
+      <dgm:constr type="w" for="des" forName="rootComposite1" refType="w" fact="10"/>
+      <dgm:constr type="h" for="des" forName="rootComposite1" refType="w" refFor="des" refForName="rootComposite1" fact="0.5"/>
+      <dgm:constr type="w" for="des" forName="rootComposite2" refType="w" fact="10"/>
+      <dgm:constr type="h" for="des" forName="rootComposite2" refType="w" refFor="des" refForName="rootComposite1" fact="0.5"/>
+      <dgm:constr type="w" for="des" forName="rootComposite3" refType="w" fact="10"/>
+      <dgm:constr type="h" for="des" forName="rootComposite3" refType="w" refFor="des" refForName="rootComposite1" fact="0.5"/>
+      <dgm:constr type="primFontSz" for="des" ptType="node" op="equ"/>
+      <dgm:constr type="sp" for="des" op="equ"/>
+      <dgm:constr type="sp" for="des" forName="hierRoot1" refType="w" refFor="des" refForName="rootComposite1" fact="0.21"/>
+      <dgm:constr type="sp" for="des" forName="hierRoot2" refType="sp" refFor="des" refForName="hierRoot1"/>
+      <dgm:constr type="sp" for="des" forName="hierRoot3" refType="sp" refFor="des" refForName="hierRoot1"/>
+      <dgm:constr type="sibSp" refType="w" refFor="des" refForName="rootComposite1" fact="0.21"/>
+      <dgm:constr type="sibSp" for="des" forName="hierChild2" refType="sibSp"/>
+      <dgm:constr type="sibSp" for="des" forName="hierChild3" refType="sibSp"/>
+      <dgm:constr type="sibSp" for="des" forName="hierChild4" refType="sibSp"/>
+      <dgm:constr type="sibSp" for="des" forName="hierChild5" refType="sibSp"/>
+      <dgm:constr type="sibSp" for="des" forName="hierChild6" refType="sibSp"/>
+      <dgm:constr type="sibSp" for="des" forName="hierChild7" refType="sibSp"/>
+      <dgm:constr type="secSibSp" refType="w" refFor="des" refForName="rootComposite1" fact="0.21"/>
+      <dgm:constr type="secSibSp" for="des" forName="hierChild2" refType="secSibSp"/>
+      <dgm:constr type="secSibSp" for="des" forName="hierChild3" refType="secSibSp"/>
+      <dgm:constr type="secSibSp" for="des" forName="hierChild4" refType="secSibSp"/>
+      <dgm:constr type="secSibSp" for="des" forName="hierChild5" refType="secSibSp"/>
+      <dgm:constr type="secSibSp" for="des" forName="hierChild6" refType="secSibSp"/>
+      <dgm:constr type="secSibSp" for="des" forName="hierChild7" refType="secSibSp"/>
+    </dgm:constrLst>
+    <dgm:forEach name="Name4" axis="ch">
+      <dgm:forEach name="Name5" axis="self" ptType="node">
+        <dgm:layoutNode name="hierRoot1">
+          <dgm:varLst>
+            <dgm:hierBranch val="init"/>
+          </dgm:varLst>
+          <dgm:choose name="Name6">
+            <dgm:if name="Name7" func="var" arg="hierBranch" op="equ" val="l">
+              <dgm:alg type="hierRoot">
+                <dgm:param type="hierAlign" val="tR"/>
+              </dgm:alg>
+              <dgm:constrLst>
+                <dgm:constr type="alignOff" val="0.65"/>
+              </dgm:constrLst>
+            </dgm:if>
+            <dgm:if name="Name8" func="var" arg="hierBranch" op="equ" val="r">
+              <dgm:alg type="hierRoot">
+                <dgm:param type="hierAlign" val="tL"/>
+              </dgm:alg>
+              <dgm:constrLst>
+                <dgm:constr type="alignOff" val="0.65"/>
+              </dgm:constrLst>
+            </dgm:if>
+            <dgm:if name="Name9" func="var" arg="hierBranch" op="equ" val="hang">
+              <dgm:alg type="hierRoot"/>
+              <dgm:constrLst>
+                <dgm:constr type="alignOff" val="0.65"/>
+              </dgm:constrLst>
+            </dgm:if>
+            <dgm:else name="Name10">
+              <dgm:alg type="hierRoot"/>
+              <dgm:constrLst>
+                <dgm:constr type="alignOff"/>
+                <dgm:constr type="bendDist" for="des" ptType="parTrans" refType="sp" fact="0.5"/>
+              </dgm:constrLst>
+            </dgm:else>
+          </dgm:choose>
+          <dgm:shape xmlns:r="http://schemas.openxmlformats.org/officeDocument/2006/relationships" r:blip="">
+            <dgm:adjLst/>
+          </dgm:shape>
+          <dgm:presOf/>
+          <dgm:layoutNode name="rootComposite1">
+            <dgm:alg type="composite"/>
+            <dgm:shape xmlns:r="http://schemas.openxmlformats.org/officeDocument/2006/relationships" r:blip="">
+              <dgm:adjLst/>
+            </dgm:shape>
+            <dgm:presOf axis="self" ptType="node" cnt="1"/>
+            <dgm:choose name="Name11">
+              <dgm:if name="Name12" func="var" arg="hierBranch" op="equ" val="init">
+                <dgm:constrLst>
+                  <dgm:constr type="l" for="ch" forName="rootText1"/>
+                  <dgm:constr type="t" for="ch" forName="rootText1" refType="h" fact="0.18"/>
+                  <dgm:constr type="w" for="ch" forName="rootText1" refType="w"/>
+                  <dgm:constr type="h" for="ch" forName="rootText1" refType="h" fact="0.64"/>
+                  <dgm:constr type="l" for="ch" forName="topArc1" refType="w" fact="0.25"/>
+                  <dgm:constr type="t" for="ch" forName="topArc1"/>
+                  <dgm:constr type="w" for="ch" forName="topArc1" refType="h" refFor="ch" refForName="topArc1"/>
+                  <dgm:constr type="h" for="ch" forName="topArc1" refType="h"/>
+                  <dgm:constr type="l" for="ch" forName="bottomArc1" refType="w" fact="0.25"/>
+                  <dgm:constr type="t" for="ch" forName="bottomArc1"/>
+                  <dgm:constr type="w" for="ch" forName="bottomArc1" refType="h" refFor="ch" refForName="bottomArc1"/>
+                  <dgm:constr type="h" for="ch" forName="bottomArc1" refType="h"/>
+                  <dgm:constr type="ctrX" for="ch" forName="topConnNode1" refType="w" fact="0.5"/>
+                  <dgm:constr type="t" for="ch" forName="topConnNode1"/>
+                  <dgm:constr type="w" for="ch" forName="topConnNode1" refType="h" fact="0.76"/>
+                  <dgm:constr type="b" for="ch" forName="topConnNode1" refType="t" refFor="ch" refForName="rootText1"/>
+                </dgm:constrLst>
+              </dgm:if>
+              <dgm:if name="Name13" func="var" arg="hierBranch" op="equ" val="l">
+                <dgm:constrLst>
+                  <dgm:constr type="l" for="ch" forName="rootText1"/>
+                  <dgm:constr type="t" for="ch" forName="rootText1" refType="h" fact="0.18"/>
+                  <dgm:constr type="w" for="ch" forName="rootText1" refType="w"/>
+                  <dgm:constr type="h" for="ch" forName="rootText1" refType="h" fact="0.64"/>
+                  <dgm:constr type="l" for="ch" forName="topArc1" refType="w" fact="0.25"/>
+                  <dgm:constr type="t" for="ch" forName="topArc1"/>
+                  <dgm:constr type="w" for="ch" forName="topArc1" refType="h" refFor="ch" refForName="topArc1"/>
+                  <dgm:constr type="h" for="ch" forName="topArc1" refType="h"/>
+                  <dgm:constr type="l" for="ch" forName="bottomArc1" refType="w" fact="0.25"/>
+                  <dgm:constr type="t" for="ch" forName="bottomArc1"/>
+                  <dgm:constr type="w" for="ch" forName="bottomArc1" refType="h" refFor="ch" refForName="bottomArc1"/>
+                  <dgm:constr type="h" for="ch" forName="bottomArc1" refType="h"/>
+                  <dgm:constr type="ctrX" for="ch" forName="topConnNode1" refType="w" fact="0.5"/>
+                  <dgm:constr type="t" for="ch" forName="topConnNode1"/>
+                  <dgm:constr type="w" for="ch" forName="topConnNode1" refType="h" fact="0.76"/>
+                  <dgm:constr type="b" for="ch" forName="topConnNode1" refType="t" refFor="ch" refForName="rootText1"/>
+                </dgm:constrLst>
+              </dgm:if>
+              <dgm:if name="Name14" func="var" arg="hierBranch" op="equ" val="r">
+                <dgm:constrLst>
+                  <dgm:constr type="l" for="ch" forName="rootText1"/>
+                  <dgm:constr type="t" for="ch" forName="rootText1" refType="h" fact="0.18"/>
+                  <dgm:constr type="w" for="ch" forName="rootText1" refType="w"/>
+                  <dgm:constr type="h" for="ch" forName="rootText1" refType="h" fact="0.64"/>
+                  <dgm:constr type="l" for="ch" forName="topArc1" refType="w" fact="0.25"/>
+                  <dgm:constr type="t" for="ch" forName="topArc1"/>
+                  <dgm:constr type="w" for="ch" forName="topArc1" refType="h" refFor="ch" refForName="topArc1"/>
+                  <dgm:constr type="h" for="ch" forName="topArc1" refType="h"/>
+                  <dgm:constr type="l" for="ch" forName="bottomArc1" refType="w" fact="0.25"/>
+                  <dgm:constr type="t" for="ch" forName="bottomArc1"/>
+                  <dgm:constr type="w" for="ch" forName="bottomArc1" refType="h" refFor="ch" refForName="bottomArc1"/>
+                  <dgm:constr type="h" for="ch" forName="bottomArc1" refType="h"/>
+                  <dgm:constr type="ctrX" for="ch" forName="topConnNode1" refType="w" fact="0.5"/>
+                  <dgm:constr type="t" for="ch" forName="topConnNode1"/>
+                  <dgm:constr type="w" for="ch" forName="topConnNode1" refType="h" fact="0.76"/>
+                  <dgm:constr type="b" for="ch" forName="topConnNode1" refType="t" refFor="ch" refForName="rootText1"/>
+                </dgm:constrLst>
+              </dgm:if>
+              <dgm:else name="Name15">
+                <dgm:constrLst>
+                  <dgm:constr type="l" for="ch" forName="rootText1"/>
+                  <dgm:constr type="t" for="ch" forName="rootText1" refType="h" fact="0.18"/>
+                  <dgm:constr type="w" for="ch" forName="rootText1" refType="w"/>
+                  <dgm:constr type="h" for="ch" forName="rootText1" refType="h" fact="0.64"/>
+                  <dgm:constr type="l" for="ch" forName="topArc1" refType="w" fact="0.25"/>
+                  <dgm:constr type="t" for="ch" forName="topArc1"/>
+                  <dgm:constr type="w" for="ch" forName="topArc1" refType="h" refFor="ch" refForName="topArc1"/>
+                  <dgm:constr type="h" for="ch" forName="topArc1" refType="h"/>
+                  <dgm:constr type="l" for="ch" forName="bottomArc1" refType="w" fact="0.25"/>
+                  <dgm:constr type="t" for="ch" forName="bottomArc1"/>
+                  <dgm:constr type="w" for="ch" forName="bottomArc1" refType="h" refFor="ch" refForName="bottomArc1"/>
+                  <dgm:constr type="h" for="ch" forName="bottomArc1" refType="h"/>
+                  <dgm:constr type="ctrX" for="ch" forName="topConnNode1" refType="w" fact="0.5"/>
+                  <dgm:constr type="t" for="ch" forName="topConnNode1"/>
+                  <dgm:constr type="w" for="ch" forName="topConnNode1" refType="h" fact="0.76"/>
+                  <dgm:constr type="b" for="ch" forName="topConnNode1" refType="t" refFor="ch" refForName="rootText1"/>
+                </dgm:constrLst>
+              </dgm:else>
+            </dgm:choose>
+            <dgm:layoutNode name="rootText1" styleLbl="alignAcc1">
+              <dgm:varLst>
+                <dgm:chPref val="3"/>
+              </dgm:varLst>
+              <dgm:alg type="tx"/>
+              <dgm:shape xmlns:r="http://schemas.openxmlformats.org/officeDocument/2006/relationships" type="rect" r:blip="" hideGeom="1">
+                <dgm:adjLst/>
+              </dgm:shape>
+              <dgm:presOf axis="self" ptType="node" cnt="1"/>
+              <dgm:constrLst>
+                <dgm:constr type="primFontSz" val="65"/>
+                <dgm:constr type="lMarg" refType="primFontSz" fact="0.05"/>
+                <dgm:constr type="rMarg" refType="primFontSz" fact="0.05"/>
+                <dgm:constr type="tMarg" refType="primFontSz" fact="0.05"/>
+                <dgm:constr type="bMarg" refType="primFontSz" fact="0.05"/>
+              </dgm:constrLst>
+              <dgm:ruleLst>
+                <dgm:rule type="primFontSz" val="5" fact="NaN" max="NaN"/>
+              </dgm:ruleLst>
+            </dgm:layoutNode>
+            <dgm:layoutNode name="topArc1" styleLbl="parChTrans1D1" moveWith="rootText1">
+              <dgm:alg type="sp"/>
+              <dgm:shape xmlns:r="http://schemas.openxmlformats.org/officeDocument/2006/relationships" type="arc" r:blip="" zOrderOff="-2">
+                <dgm:adjLst>
+                  <dgm:adj idx="1" val="-140"/>
+                  <dgm:adj idx="2" val="-40"/>
+                </dgm:adjLst>
+              </dgm:shape>
+              <dgm:presOf/>
+            </dgm:layoutNode>
+            <dgm:layoutNode name="bottomArc1" styleLbl="parChTrans1D1" moveWith="rootText1">
+              <dgm:alg type="sp"/>
+              <dgm:shape xmlns:r="http://schemas.openxmlformats.org/officeDocument/2006/relationships" type="arc" r:blip="" zOrderOff="-2">
+                <dgm:adjLst>
+                  <dgm:adj idx="1" val="40"/>
+                  <dgm:adj idx="2" val="140"/>
+                </dgm:adjLst>
+              </dgm:shape>
+              <dgm:presOf/>
+            </dgm:layoutNode>
+            <dgm:layoutNode name="topConnNode1" moveWith="rootText1">
+              <dgm:alg type="sp"/>
+              <dgm:shape xmlns:r="http://schemas.openxmlformats.org/officeDocument/2006/relationships" type="rect" r:blip="" hideGeom="1">
+                <dgm:adjLst/>
+              </dgm:shape>
+              <dgm:presOf axis="self" ptType="node" cnt="1"/>
+            </dgm:layoutNode>
+          </dgm:layoutNode>
+          <dgm:layoutNode name="hierChild2">
+            <dgm:choose name="Name16">
+              <dgm:if name="Name17" func="var" arg="hierBranch" op="equ" val="l">
+                <dgm:alg type="hierChild">
+                  <dgm:param type="chAlign" val="r"/>
+                  <dgm:param type="linDir" val="fromT"/>
+                </dgm:alg>
+              </dgm:if>
+              <dgm:if name="Name18" func="var" arg="hierBranch" op="equ" val="r">
+                <dgm:alg type="hierChild">
+                  <dgm:param type="chAlign" val="l"/>
+                  <dgm:param type="linDir" val="fromT"/>
+                </dgm:alg>
+              </dgm:if>
+              <dgm:if name="Name19" func="var" arg="hierBranch" op="equ" val="hang">
+                <dgm:choose name="Name20">
+                  <dgm:if name="Name21" func="var" arg="dir" op="equ" val="norm">
+                    <dgm:alg type="hierChild">
+                      <dgm:param type="chAlign" val="l"/>
+                      <dgm:param type="linDir" val="fromL"/>
+                      <dgm:param type="secChAlign" val="t"/>
+                      <dgm:param type="secLinDir" val="fromT"/>
+                    </dgm:alg>
+                  </dgm:if>
+                  <dgm:else name="Name22">
+                    <dgm:alg type="hierChild">
+                      <dgm:param type="chAlign" val="l"/>
+                      <dgm:param type="linDir" val="fromR"/>
+                      <dgm:param type="secChAlign" val="t"/>
+                      <dgm:param type="secLinDir" val="fromT"/>
+                    </dgm:alg>
+                  </dgm:else>
+                </dgm:choose>
+              </dgm:if>
+              <dgm:else name="Name23">
+                <dgm:choose name="Name24">
+                  <dgm:if name="Name25" func="var" arg="dir" op="equ" val="norm">
+                    <dgm:alg type="hierChild"/>
+                  </dgm:if>
+                  <dgm:else name="Name26">
+                    <dgm:alg type="hierChild">
+                      <dgm:param type="linDir" val="fromR"/>
+                    </dgm:alg>
+                  </dgm:else>
+                </dgm:choose>
+              </dgm:else>
+            </dgm:choose>
+            <dgm:shape xmlns:r="http://schemas.openxmlformats.org/officeDocument/2006/relationships" r:blip="">
+              <dgm:adjLst/>
+            </dgm:shape>
+            <dgm:presOf/>
+            <dgm:forEach name="rep2a" axis="ch" ptType="nonAsst">
+              <dgm:forEach name="Name27" axis="precedSib" ptType="parTrans" st="-1" cnt="1">
+                <dgm:layoutNode name="Name28">
+                  <dgm:choose name="Name29">
+                    <dgm:if name="Name30" func="var" arg="hierBranch" op="equ" val="std">
+                      <dgm:choose name="Name31">
+                        <dgm:if name="Name32" axis="self" func="depth" op="lte" val="2">
+                          <dgm:alg type="conn">
+                            <dgm:param type="connRout" val="bend"/>
+                            <dgm:param type="dim" val="1D"/>
+                            <dgm:param type="endSty" val="noArr"/>
+                            <dgm:param type="begPts" val="bCtr"/>
+                            <dgm:param type="endPts" val="tCtr"/>
+                            <dgm:param type="bendPt" val="end"/>
+                            <dgm:param type="srcNode" val="bottomArc1"/>
+                            <dgm:param type="dstNode" val="topArc2"/>
+                          </dgm:alg>
+                        </dgm:if>
+                        <dgm:if name="Name33" axis="par" ptType="asst" func="cnt" op="equ" val="1">
+                          <dgm:alg type="conn">
+                            <dgm:param type="connRout" val="bend"/>
+                            <dgm:param type="dim" val="1D"/>
+                            <dgm:param type="endSty" val="noArr"/>
+                            <dgm:param type="begPts" val="bCtr"/>
+                            <dgm:param type="endPts" val="tCtr"/>
+                            <dgm:param type="bendPt" val="end"/>
+                            <dgm:param type="srcNode" val="bottomArc3"/>
+                            <dgm:param type="dstNode" val="topArc2"/>
+                          </dgm:alg>
+                        </dgm:if>
+                        <dgm:else name="Name34">
+                          <dgm:alg type="conn">
+                            <dgm:param type="connRout" val="bend"/>
+                            <dgm:param type="dim" val="1D"/>
+                            <dgm:param type="endSty" val="noArr"/>
+                            <dgm:param type="begPts" val="bCtr"/>
+                            <dgm:param type="endPts" val="tCtr"/>
+                            <dgm:param type="bendPt" val="end"/>
+                            <dgm:param type="srcNode" val="bottomArc2"/>
+                            <dgm:param type="dstNode" val="topArc2"/>
+                          </dgm:alg>
+                        </dgm:else>
+                      </dgm:choose>
+                    </dgm:if>
+                    <dgm:if name="Name35" func="var" arg="hierBranch" op="equ" val="init">
+                      <dgm:choose name="Name36">
+                        <dgm:if name="Name37" axis="self" func="depth" op="lte" val="2">
+                          <dgm:choose name="Name38">
+                            <dgm:if name="Name39" axis="self" func="depth" op="lte" val="2">
+                              <dgm:alg type="conn">
+                                <dgm:param type="connRout" val="bend"/>
+                                <dgm:param type="dim" val="1D"/>
+                                <dgm:param type="endSty" val="noArr"/>
+                                <dgm:param type="begPts" val="bCtr"/>
+                                <dgm:param type="endPts" val="tCtr"/>
+                                <dgm:param type="bendPt" val="end"/>
+                                <dgm:param type="srcNode" val="bottomArc1"/>
+                                <dgm:param type="dstNode" val="topArc2"/>
+                              </dgm:alg>
+                            </dgm:if>
+                            <dgm:if name="Name40" axis="par" ptType="asst" func="cnt" op="equ" val="1">
+                              <dgm:alg type="conn">
+                                <dgm:param type="connRout" val="bend"/>
+                                <dgm:param type="dim" val="1D"/>
+                                <dgm:param type="endSty" val="noArr"/>
+                                <dgm:param type="begPts" val="bCtr"/>
+                                <dgm:param type="endPts" val="tCtr"/>
+                                <dgm:param type="bendPt" val="end"/>
+                                <dgm:param type="srcNode" val="bottomArc3"/>
+                                <dgm:param type="dstNode" val="topArc2"/>
+                              </dgm:alg>
+                            </dgm:if>
+                            <dgm:else name="Name41">
+                              <dgm:alg type="conn">
+                                <dgm:param type="connRout" val="bend"/>
+                                <dgm:param type="dim" val="1D"/>
+                                <dgm:param type="endSty" val="noArr"/>
+                                <dgm:param type="begPts" val="bCtr"/>
+                                <dgm:param type="endPts" val="tCtr"/>
+                                <dgm:param type="bendPt" val="end"/>
+                                <dgm:param type="srcNode" val="bottomArc2"/>
+                                <dgm:param type="dstNode" val="topArc2"/>
+                              </dgm:alg>
+                            </dgm:else>
+                          </dgm:choose>
+                        </dgm:if>
+                        <dgm:else name="Name42">
+                          <dgm:choose name="Name43">
+                            <dgm:if name="Name44" axis="par des" func="maxDepth" op="lte" val="1">
+                              <dgm:choose name="Name45">
+                                <dgm:if name="Name46" axis="self" func="depth" op="lte" val="2">
+                                  <dgm:alg type="conn">
+                                    <dgm:param type="connRout" val="bend"/>
+                                    <dgm:param type="dim" val="1D"/>
+                                    <dgm:param type="endSty" val="noArr"/>
+                                    <dgm:param type="begPts" val="bCtr"/>
+                                    <dgm:param type="endPts" val="bL bR"/>
+                                    <dgm:param type="srcNode" val="bottomArc1"/>
+                                    <dgm:param type="dstNode" val="topConnNode2"/>
+                                  </dgm:alg>
+                                </dgm:if>
+                                <dgm:if name="Name47" axis="par" ptType="asst" func="cnt" op="equ" val="1">
+                                  <dgm:alg type="conn">
+                                    <dgm:param type="connRout" val="bend"/>
+                                    <dgm:param type="dim" val="1D"/>
+                                    <dgm:param type="endSty" val="noArr"/>
+                                    <dgm:param type="begPts" val="bCtr"/>
+                                    <dgm:param type="endPts" val="bL bR"/>
+                                    <dgm:param type="srcNode" val="bottomArc3"/>
+                                    <dgm:param type="dstNode" val="topConnNode2"/>
+                                  </dgm:alg>
+                                </dgm:if>
+                                <dgm:else name="Name48">
+                                  <dgm:alg type="conn">
+                                    <dgm:param type="connRout" val="bend"/>
+                                    <dgm:param type="dim" val="1D"/>
+                                    <dgm:param type="endSty" val="noArr"/>
+                                    <dgm:param type="begPts" val="bCtr"/>
+                                    <dgm:param type="endPts" val="bL bR"/>
+                                    <dgm:param type="srcNode" val="bottomArc2"/>
+                                    <dgm:param type="dstNode" val="topConnNode2"/>
+                                  </dgm:alg>
+                                </dgm:else>
+                              </dgm:choose>
+                            </dgm:if>
+                            <dgm:else name="Name49">
+                              <dgm:choose name="Name50">
+                                <dgm:if name="Name51" axis="self" func="depth" op="lte" val="2">
+                                  <dgm:alg type="conn">
+                                    <dgm:param type="connRout" val="bend"/>
+                                    <dgm:param type="dim" val="1D"/>
+                                    <dgm:param type="endSty" val="noArr"/>
+                                    <dgm:param type="begPts" val="bCtr"/>
+                                    <dgm:param type="endPts" val="tCtr"/>
+                                    <dgm:param type="bendPt" val="end"/>
+                                    <dgm:param type="srcNode" val="bottomArc1"/>
+                                    <dgm:param type="dstNode" val="topArc2"/>
+                                  </dgm:alg>
+                                </dgm:if>
+                                <dgm:if name="Name52" axis="par" ptType="asst" func="cnt" op="equ" val="1">
+                                  <dgm:alg type="conn">
+                                    <dgm:param type="connRout" val="bend"/>
+                                    <dgm:param type="dim" val="1D"/>
+                                    <dgm:param type="endSty" val="noArr"/>
+                                    <dgm:param type="begPts" val="bCtr"/>
+                                    <dgm:param type="endPts" val="tCtr"/>
+                                    <dgm:param type="bendPt" val="end"/>
+                                    <dgm:param type="srcNode" val="bottomArc3"/>
+                                    <dgm:param type="dstNode" val="topArc2"/>
+                                  </dgm:alg>
+                                </dgm:if>
+                                <dgm:else name="Name53">
+                                  <dgm:alg type="conn">
+                                    <dgm:param type="connRout" val="bend"/>
+                                    <dgm:param type="dim" val="1D"/>
+                                    <dgm:param type="endSty" val="noArr"/>
+                                    <dgm:param type="begPts" val="bCtr"/>
+                                    <dgm:param type="endPts" val="tCtr"/>
+                                    <dgm:param type="bendPt" val="end"/>
+                                    <dgm:param type="srcNode" val="bottomArc2"/>
+                                    <dgm:param type="dstNode" val="topArc2"/>
+                                  </dgm:alg>
+                                </dgm:else>
+                              </dgm:choose>
+                            </dgm:else>
+                          </dgm:choose>
+                        </dgm:else>
+                      </dgm:choose>
+                    </dgm:if>
+                    <dgm:else name="Name54">
+                      <dgm:choose name="Name55">
+                        <dgm:if name="Name56" axis="self" func="depth" op="lte" val="2">
+                          <dgm:alg type="conn">
+                            <dgm:param type="connRout" val="bend"/>
+                            <dgm:param type="dim" val="1D"/>
+                            <dgm:param type="endSty" val="noArr"/>
+                            <dgm:param type="begPts" val="bCtr"/>
+                            <dgm:param type="endPts" val="bL bR"/>
+                            <dgm:param type="srcNode" val="bottomArc1"/>
+                            <dgm:param type="dstNode" val="topConnNode2"/>
+                          </dgm:alg>
+                        </dgm:if>
+                        <dgm:if name="Name57" axis="par" ptType="asst" func="cnt" op="equ" val="1">
+                          <dgm:alg type="conn">
+                            <dgm:param type="connRout" val="bend"/>
+                            <dgm:param type="dim" val="1D"/>
+                            <dgm:param type="endSty" val="noArr"/>
+                            <dgm:param type="begPts" val="bCtr"/>
+                            <dgm:param type="endPts" val="bL bR"/>
+                            <dgm:param type="srcNode" val="bottomArc3"/>
+                            <dgm:param type="dstNode" val="topConnNode2"/>
+                          </dgm:alg>
+                        </dgm:if>
+                        <dgm:else name="Name58">
+                          <dgm:alg type="conn">
+                            <dgm:param type="connRout" val="bend"/>
+                            <dgm:param type="dim" val="1D"/>
+                            <dgm:param type="endSty" val="noArr"/>
+                            <dgm:param type="begPts" val="bCtr"/>
+                            <dgm:param type="endPts" val="bL bR"/>
+                            <dgm:param type="srcNode" val="bottomArc2"/>
+                            <dgm:param type="dstNode" val="topConnNode2"/>
+                          </dgm:alg>
+                        </dgm:else>
+                      </dgm:choose>
+                    </dgm:else>
+                  </dgm:choose>
+                  <dgm:shape xmlns:r="http://schemas.openxmlformats.org/officeDocument/2006/relationships" type="conn" r:blip="" zOrderOff="-99999">
+                    <dgm:adjLst/>
+                  </dgm:shape>
+                  <dgm:presOf axis="self"/>
+                  <dgm:constrLst>
+                    <dgm:constr type="begPad"/>
+                    <dgm:constr type="endPad"/>
+                  </dgm:constrLst>
+                </dgm:layoutNode>
+              </dgm:forEach>
+              <dgm:layoutNode name="hierRoot2">
+                <dgm:varLst>
+                  <dgm:hierBranch val="init"/>
+                </dgm:varLst>
+                <dgm:choose name="Name59">
+                  <dgm:if name="Name60" func="var" arg="hierBranch" op="equ" val="l">
+                    <dgm:alg type="hierRoot">
+                      <dgm:param type="hierAlign" val="tR"/>
+                    </dgm:alg>
+                    <dgm:shape xmlns:r="http://schemas.openxmlformats.org/officeDocument/2006/relationships" r:blip="">
+                      <dgm:adjLst/>
+                    </dgm:shape>
+                    <dgm:presOf/>
+                    <dgm:constrLst>
+                      <dgm:constr type="alignOff" val="0.65"/>
+                    </dgm:constrLst>
+                  </dgm:if>
+                  <dgm:if name="Name61" func="var" arg="hierBranch" op="equ" val="r">
+                    <dgm:alg type="hierRoot">
+                      <dgm:param type="hierAlign" val="tL"/>
+                    </dgm:alg>
+                    <dgm:shape xmlns:r="http://schemas.openxmlformats.org/officeDocument/2006/relationships" r:blip="">
+                      <dgm:adjLst/>
+                    </dgm:shape>
+                    <dgm:presOf/>
+                    <dgm:constrLst>
+                      <dgm:constr type="alignOff" val="0.65"/>
+                    </dgm:constrLst>
+                  </dgm:if>
+                  <dgm:if name="Name62" func="var" arg="hierBranch" op="equ" val="std">
+                    <dgm:alg type="hierRoot"/>
+                    <dgm:shape xmlns:r="http://schemas.openxmlformats.org/officeDocument/2006/relationships" r:blip="">
+                      <dgm:adjLst/>
+                    </dgm:shape>
+                    <dgm:presOf/>
+                    <dgm:constrLst>
+                      <dgm:constr type="alignOff"/>
+                      <dgm:constr type="bendDist" for="des" ptType="parTrans" refType="sp" fact="0.5"/>
+                    </dgm:constrLst>
+                  </dgm:if>
+                  <dgm:if name="Name63" func="var" arg="hierBranch" op="equ" val="init">
+                    <dgm:choose name="Name64">
+                      <dgm:if name="Name65" axis="des" func="maxDepth" op="lte" val="1">
+                        <dgm:alg type="hierRoot">
+                          <dgm:param type="hierAlign" val="tL"/>
+                        </dgm:alg>
+                        <dgm:shape xmlns:r="http://schemas.openxmlformats.org/officeDocument/2006/relationships" r:blip="">
+                          <dgm:adjLst/>
+                        </dgm:shape>
+                        <dgm:presOf/>
+                        <dgm:constrLst>
+                          <dgm:constr type="alignOff" val="0.65"/>
+                        </dgm:constrLst>
+                      </dgm:if>
+                      <dgm:else name="Name66">
+                        <dgm:alg type="hierRoot"/>
+                        <dgm:shape xmlns:r="http://schemas.openxmlformats.org/officeDocument/2006/relationships" r:blip="">
+                          <dgm:adjLst/>
+                        </dgm:shape>
+                        <dgm:presOf/>
+                        <dgm:constrLst>
+                          <dgm:constr type="alignOff"/>
+                          <dgm:constr type="bendDist" for="des" ptType="parTrans" refType="sp" fact="0.5"/>
+                        </dgm:constrLst>
+                      </dgm:else>
+                    </dgm:choose>
+                  </dgm:if>
+                  <dgm:else name="Name67">
+                    <dgm:alg type="hierRoot"/>
+                    <dgm:shape xmlns:r="http://schemas.openxmlformats.org/officeDocument/2006/relationships" r:blip="">
+                      <dgm:adjLst/>
+                    </dgm:shape>
+                    <dgm:presOf/>
+                    <dgm:constrLst>
+                      <dgm:constr type="alignOff" val="0.65"/>
+                    </dgm:constrLst>
+                  </dgm:else>
+                </dgm:choose>
+                <dgm:layoutNode name="rootComposite2">
+                  <dgm:alg type="composite"/>
+                  <dgm:shape xmlns:r="http://schemas.openxmlformats.org/officeDocument/2006/relationships" r:blip="">
+                    <dgm:adjLst/>
+                  </dgm:shape>
+                  <dgm:presOf axis="self" ptType="node" cnt="1"/>
+                  <dgm:choose name="Name68">
+                    <dgm:if name="Name69" func="var" arg="hierBranch" op="equ" val="init">
+                      <dgm:constrLst>
+                        <dgm:constr type="l" for="ch" forName="rootText2"/>
+                        <dgm:constr type="t" for="ch" forName="rootText2" refType="h" fact="0.18"/>
+                        <dgm:constr type="w" for="ch" forName="rootText2" refType="w"/>
+                        <dgm:constr type="h" for="ch" forName="rootText2" refType="h" fact="0.64"/>
+                        <dgm:constr type="l" for="ch" forName="topArc2" refType="w" fact="0.25"/>
+                        <dgm:constr type="t" for="ch" forName="topArc2"/>
+                        <dgm:constr type="w" for="ch" forName="topArc2" refType="h" refFor="ch" refForName="topArc2"/>
+                        <dgm:constr type="h" for="ch" forName="topArc2" refType="h"/>
+                        <dgm:constr type="l" for="ch" forName="bottomArc2" refType="w" fact="0.25"/>
+                        <dgm:constr type="t" for="ch" forName="bottomArc2"/>
+                        <dgm:constr type="w" for="ch" forName="bottomArc2" refType="h" refFor="ch" refForName="bottomArc2"/>
+                        <dgm:constr type="h" for="ch" forName="bottomArc2" refType="h"/>
+                        <dgm:constr type="ctrX" for="ch" forName="topConnNode2" refType="w" fact="0.5"/>
+                        <dgm:constr type="t" for="ch" forName="topConnNode2"/>
+                        <dgm:constr type="w" for="ch" forName="topConnNode2" refType="h" fact="0.76"/>
+                        <dgm:constr type="b" for="ch" forName="topConnNode2" refType="t" refFor="ch" refForName="rootText2"/>
+                      </dgm:constrLst>
+                    </dgm:if>
+                    <dgm:if name="Name70" func="var" arg="hierBranch" op="equ" val="l">
+                      <dgm:constrLst>
+                        <dgm:constr type="l" for="ch" forName="rootText2"/>
+                        <dgm:constr type="t" for="ch" forName="rootText2" refType="h" fact="0.18"/>
+                        <dgm:constr type="w" for="ch" forName="rootText2" refType="w"/>
+                        <dgm:constr type="h" for="ch" forName="rootText2" refType="h" fact="0.64"/>
+                        <dgm:constr type="l" for="ch" forName="topArc2" refType="w" fact="0.25"/>
+                        <dgm:constr type="t" for="ch" forName="topArc2"/>
+                        <dgm:constr type="w" for="ch" forName="topArc2" refType="h" refFor="ch" refForName="topArc2"/>
+                        <dgm:constr type="h" for="ch" forName="topArc2" refType="h"/>
+                        <dgm:constr type="l" for="ch" forName="bottomArc2" refType="w" fact="0.25"/>
+                        <dgm:constr type="t" for="ch" forName="bottomArc2"/>
+                        <dgm:constr type="w" for="ch" forName="bottomArc2" refType="h" refFor="ch" refForName="bottomArc2"/>
+                        <dgm:constr type="h" for="ch" forName="bottomArc2" refType="h"/>
+                        <dgm:constr type="ctrX" for="ch" forName="topConnNode2" refType="w" fact="0.5"/>
+                        <dgm:constr type="t" for="ch" forName="topConnNode2"/>
+                        <dgm:constr type="w" for="ch" forName="topConnNode2" refType="h" fact="0.76"/>
+                        <dgm:constr type="b" for="ch" forName="topConnNode2" refType="t" refFor="ch" refForName="rootText2"/>
+                      </dgm:constrLst>
+                    </dgm:if>
+                    <dgm:if name="Name71" func="var" arg="hierBranch" op="equ" val="r">
+                      <dgm:constrLst>
+                        <dgm:constr type="l" for="ch" forName="rootText2"/>
+                        <dgm:constr type="t" for="ch" forName="rootText2" refType="h" fact="0.18"/>
+                        <dgm:constr type="w" for="ch" forName="rootText2" refType="w"/>
+                        <dgm:constr type="h" for="ch" forName="rootText2" refType="h" fact="0.64"/>
+                        <dgm:constr type="l" for="ch" forName="topArc2" refType="w" fact="0.25"/>
+                        <dgm:constr type="t" for="ch" forName="topArc2"/>
+                        <dgm:constr type="w" for="ch" forName="topArc2" refType="h" refFor="ch" refForName="topArc2"/>
+                        <dgm:constr type="h" for="ch" forName="topArc2" refType="h"/>
+                        <dgm:constr type="l" for="ch" forName="bottomArc2" refType="w" fact="0.25"/>
+                        <dgm:constr type="t" for="ch" forName="bottomArc2"/>
+                        <dgm:constr type="w" for="ch" forName="bottomArc2" refType="h" refFor="ch" refForName="bottomArc2"/>
+                        <dgm:constr type="h" for="ch" forName="bottomArc2" refType="h"/>
+                        <dgm:constr type="ctrX" for="ch" forName="topConnNode2" refType="w" fact="0.5"/>
+                        <dgm:constr type="t" for="ch" forName="topConnNode2"/>
+                        <dgm:constr type="w" for="ch" forName="topConnNode2" refType="h" fact="0.76"/>
+                        <dgm:constr type="b" for="ch" forName="topConnNode2" refType="t" refFor="ch" refForName="rootText2"/>
+                      </dgm:constrLst>
+                    </dgm:if>
+                    <dgm:else name="Name72">
+                      <dgm:constrLst>
+                        <dgm:constr type="l" for="ch" forName="rootText2"/>
+                        <dgm:constr type="t" for="ch" forName="rootText2" refType="h" fact="0.18"/>
+                        <dgm:constr type="w" for="ch" forName="rootText2" refType="w"/>
+                        <dgm:constr type="h" for="ch" forName="rootText2" refType="h" fact="0.64"/>
+                        <dgm:constr type="l" for="ch" forName="topArc2" refType="w" fact="0.25"/>
+                        <dgm:constr type="t" for="ch" forName="topArc2"/>
+                        <dgm:constr type="w" for="ch" forName="topArc2" refType="h" refFor="ch" refForName="topArc2"/>
+                        <dgm:constr type="h" for="ch" forName="topArc2" refType="h"/>
+                        <dgm:constr type="l" for="ch" forName="bottomArc2" refType="w" fact="0.25"/>
+                        <dgm:constr type="t" for="ch" forName="bottomArc2"/>
+                        <dgm:constr type="w" for="ch" forName="bottomArc2" refType="h" refFor="ch" refForName="bottomArc2"/>
+                        <dgm:constr type="h" for="ch" forName="bottomArc2" refType="h"/>
+                        <dgm:constr type="ctrX" for="ch" forName="topConnNode2" refType="w" fact="0.5"/>
+                        <dgm:constr type="t" for="ch" forName="topConnNode2"/>
+                        <dgm:constr type="w" for="ch" forName="topConnNode2" refType="h" fact="0.76"/>
+                        <dgm:constr type="b" for="ch" forName="topConnNode2" refType="t" refFor="ch" refForName="rootText2"/>
+                      </dgm:constrLst>
+                    </dgm:else>
+                  </dgm:choose>
+                  <dgm:layoutNode name="rootText2" styleLbl="alignAcc1">
+                    <dgm:varLst>
+                      <dgm:chPref val="3"/>
+                    </dgm:varLst>
+                    <dgm:alg type="tx"/>
+                    <dgm:shape xmlns:r="http://schemas.openxmlformats.org/officeDocument/2006/relationships" type="rect" r:blip="" hideGeom="1">
+                      <dgm:adjLst/>
+                    </dgm:shape>
+                    <dgm:presOf axis="self" ptType="node" cnt="1"/>
+                    <dgm:constrLst>
+                      <dgm:constr type="primFontSz" val="65"/>
+                      <dgm:constr type="lMarg" refType="primFontSz" fact="0.05"/>
+                      <dgm:constr type="rMarg" refType="primFontSz" fact="0.05"/>
+                      <dgm:constr type="tMarg" refType="primFontSz" fact="0.05"/>
+                      <dgm:constr type="bMarg" refType="primFontSz" fact="0.05"/>
+                    </dgm:constrLst>
+                    <dgm:ruleLst>
+                      <dgm:rule type="primFontSz" val="5" fact="NaN" max="NaN"/>
+                    </dgm:ruleLst>
+                  </dgm:layoutNode>
+                  <dgm:layoutNode name="topArc2" styleLbl="parChTrans1D1" moveWith="rootText2">
+                    <dgm:alg type="sp"/>
+                    <dgm:shape xmlns:r="http://schemas.openxmlformats.org/officeDocument/2006/relationships" type="arc" r:blip="" zOrderOff="-2">
+                      <dgm:adjLst>
+                        <dgm:adj idx="1" val="-140"/>
+                        <dgm:adj idx="2" val="-40"/>
+                      </dgm:adjLst>
+                    </dgm:shape>
+                    <dgm:presOf/>
+                  </dgm:layoutNode>
+                  <dgm:layoutNode name="bottomArc2" styleLbl="parChTrans1D1" moveWith="rootText2">
+                    <dgm:alg type="sp"/>
+                    <dgm:shape xmlns:r="http://schemas.openxmlformats.org/officeDocument/2006/relationships" type="arc" r:blip="" zOrderOff="-2">
+                      <dgm:adjLst>
+                        <dgm:adj idx="1" val="40"/>
+                        <dgm:adj idx="2" val="140"/>
+                      </dgm:adjLst>
+                    </dgm:shape>
+                    <dgm:presOf/>
+                  </dgm:layoutNode>
+                  <dgm:layoutNode name="topConnNode2" moveWith="rootText2">
+                    <dgm:alg type="sp"/>
+                    <dgm:shape xmlns:r="http://schemas.openxmlformats.org/officeDocument/2006/relationships" type="rect" r:blip="" hideGeom="1">
+                      <dgm:adjLst/>
+                    </dgm:shape>
+                    <dgm:presOf axis="self" ptType="node" cnt="1"/>
+                  </dgm:layoutNode>
+                </dgm:layoutNode>
+                <dgm:layoutNode name="hierChild4">
+                  <dgm:choose name="Name73">
+                    <dgm:if name="Name74" func="var" arg="hierBranch" op="equ" val="l">
+                      <dgm:alg type="hierChild">
+                        <dgm:param type="chAlign" val="r"/>
+                        <dgm:param type="linDir" val="fromT"/>
+                      </dgm:alg>
+                    </dgm:if>
+                    <dgm:if name="Name75" func="var" arg="hierBranch" op="equ" val="r">
+                      <dgm:alg type="hierChild">
+                        <dgm:param type="chAlign" val="l"/>
+                        <dgm:param type="linDir" val="fromT"/>
+                      </dgm:alg>
+                    </dgm:if>
+                    <dgm:if name="Name76" func="var" arg="hierBranch" op="equ" val="hang">
+                      <dgm:choose name="Name77">
+                        <dgm:if name="Name78" func="var" arg="dir" op="equ" val="norm">
+                          <dgm:alg type="hierChild">
+                            <dgm:param type="chAlign" val="l"/>
+                            <dgm:param type="linDir" val="fromL"/>
+                            <dgm:param type="secChAlign" val="t"/>
+                            <dgm:param type="secLinDir" val="fromT"/>
+                          </dgm:alg>
+                        </dgm:if>
+                        <dgm:else name="Name79">
+                          <dgm:alg type="hierChild">
+                            <dgm:param type="chAlign" val="l"/>
+                            <dgm:param type="linDir" val="fromR"/>
+                            <dgm:param type="secChAlign" val="t"/>
+                            <dgm:param type="secLinDir" val="fromT"/>
+                          </dgm:alg>
+                        </dgm:else>
+                      </dgm:choose>
+                    </dgm:if>
+                    <dgm:if name="Name80" func="var" arg="hierBranch" op="equ" val="std">
+                      <dgm:choose name="Name81">
+                        <dgm:if name="Name82" func="var" arg="dir" op="equ" val="norm">
+                          <dgm:alg type="hierChild"/>
+                        </dgm:if>
+                        <dgm:else name="Name83">
+                          <dgm:alg type="hierChild">
+                            <dgm:param type="linDir" val="fromR"/>
+                          </dgm:alg>
+                        </dgm:else>
+                      </dgm:choose>
+                    </dgm:if>
+                    <dgm:if name="Name84" func="var" arg="hierBranch" op="equ" val="init">
+                      <dgm:choose name="Name85">
+                        <dgm:if name="Name86" axis="des" func="maxDepth" op="lte" val="1">
+                          <dgm:alg type="hierChild">
+                            <dgm:param type="chAlign" val="l"/>
+                            <dgm:param type="linDir" val="fromT"/>
+                          </dgm:alg>
+                        </dgm:if>
+                        <dgm:else name="Name87">
+                          <dgm:choose name="Name88">
+                            <dgm:if name="Name89" func="var" arg="dir" op="equ" val="norm">
+                              <dgm:alg type="hierChild"/>
+                            </dgm:if>
+                            <dgm:else name="Name90">
+                              <dgm:alg type="hierChild">
+                                <dgm:param type="linDir" val="fromR"/>
+                              </dgm:alg>
+                            </dgm:else>
+                          </dgm:choose>
+                        </dgm:else>
+                      </dgm:choose>
+                    </dgm:if>
+                    <dgm:else name="Name91"/>
+                  </dgm:choose>
+                  <dgm:shape xmlns:r="http://schemas.openxmlformats.org/officeDocument/2006/relationships" r:blip="">
+                    <dgm:adjLst/>
+                  </dgm:shape>
+                  <dgm:presOf/>
+                  <dgm:forEach name="Name92" ref="rep2a"/>
+                </dgm:layoutNode>
+                <dgm:layoutNode name="hierChild5">
+                  <dgm:choose name="Name93">
+                    <dgm:if name="Name94" func="var" arg="dir" op="equ" val="norm">
+                      <dgm:alg type="hierChild">
+                        <dgm:param type="chAlign" val="l"/>
+                        <dgm:param type="linDir" val="fromL"/>
+                        <dgm:param type="secChAlign" val="t"/>
+                        <dgm:param type="secLinDir" val="fromT"/>
+                      </dgm:alg>
+                    </dgm:if>
+                    <dgm:else name="Name95">
+                      <dgm:alg type="hierChild">
+                        <dgm:param type="chAlign" val="l"/>
+                        <dgm:param type="linDir" val="fromR"/>
+                        <dgm:param type="secChAlign" val="t"/>
+                        <dgm:param type="secLinDir" val="fromT"/>
+                      </dgm:alg>
+                    </dgm:else>
+                  </dgm:choose>
+                  <dgm:shape xmlns:r="http://schemas.openxmlformats.org/officeDocument/2006/relationships" r:blip="">
+                    <dgm:adjLst/>
+                  </dgm:shape>
+                  <dgm:presOf/>
+                  <dgm:forEach name="Name96" ref="rep2b"/>
+                </dgm:layoutNode>
+              </dgm:layoutNode>
+            </dgm:forEach>
+          </dgm:layoutNode>
+          <dgm:layoutNode name="hierChild3">
+            <dgm:choose name="Name97">
+              <dgm:if name="Name98" func="var" arg="dir" op="equ" val="norm">
+                <dgm:alg type="hierChild">
+                  <dgm:param type="chAlign" val="l"/>
+                  <dgm:param type="linDir" val="fromL"/>
+                  <dgm:param type="secChAlign" val="t"/>
+                  <dgm:param type="secLinDir" val="fromT"/>
+                </dgm:alg>
+              </dgm:if>
+              <dgm:else name="Name99">
+                <dgm:alg type="hierChild">
+                  <dgm:param type="chAlign" val="l"/>
+                  <dgm:param type="linDir" val="fromR"/>
+                  <dgm:param type="secChAlign" val="t"/>
+                  <dgm:param type="secLinDir" val="fromT"/>
+                </dgm:alg>
+              </dgm:else>
+            </dgm:choose>
+            <dgm:shape xmlns:r="http://schemas.openxmlformats.org/officeDocument/2006/relationships" r:blip="">
+              <dgm:adjLst/>
+            </dgm:shape>
+            <dgm:presOf/>
+            <dgm:forEach name="rep2b" axis="ch" ptType="asst">
+              <dgm:forEach name="Name100" axis="precedSib" ptType="parTrans" st="-1" cnt="1">
+                <dgm:layoutNode name="Name101">
+                  <dgm:choose name="Name102">
+                    <dgm:if name="Name103" axis="self" func="depth" op="lte" val="2">
+                      <dgm:alg type="conn">
+                        <dgm:param type="connRout" val="bend"/>
+                        <dgm:param type="dim" val="1D"/>
+                        <dgm:param type="endSty" val="noArr"/>
+                        <dgm:param type="begPts" val="bCtr"/>
+                        <dgm:param type="endPts" val="bL bR"/>
+                        <dgm:param type="srcNode" val="bottomArc1"/>
+                        <dgm:param type="dstNode" val="topConnNode3"/>
+                      </dgm:alg>
+                    </dgm:if>
+                    <dgm:if name="Name104" axis="par" ptType="asst" func="cnt" op="equ" val="1">
+                      <dgm:alg type="conn">
+                        <dgm:param type="connRout" val="bend"/>
+                        <dgm:param type="dim" val="1D"/>
+                        <dgm:param type="endSty" val="noArr"/>
+                        <dgm:param type="begPts" val="bCtr"/>
+                        <dgm:param type="endPts" val="bL bR"/>
+                        <dgm:param type="srcNode" val="bottomArc3"/>
+                        <dgm:param type="dstNode" val="topConnNode3"/>
+                      </dgm:alg>
+                    </dgm:if>
+                    <dgm:else name="Name105">
+                      <dgm:alg type="conn">
+                        <dgm:param type="connRout" val="bend"/>
+                        <dgm:param type="dim" val="1D"/>
+                        <dgm:param type="endSty" val="noArr"/>
+                        <dgm:param type="begPts" val="bCtr"/>
+                        <dgm:param type="endPts" val="bL bR"/>
+                        <dgm:param type="srcNode" val="bottomArc2"/>
+                        <dgm:param type="dstNode" val="topConnNode3"/>
+                      </dgm:alg>
+                    </dgm:else>
+                  </dgm:choose>
+                  <dgm:shape xmlns:r="http://schemas.openxmlformats.org/officeDocument/2006/relationships" type="conn" r:blip="" zOrderOff="-99999">
+                    <dgm:adjLst/>
+                  </dgm:shape>
+                  <dgm:presOf axis="self"/>
+                  <dgm:constrLst>
+                    <dgm:constr type="begPad"/>
+                    <dgm:constr type="endPad"/>
+                  </dgm:constrLst>
+                </dgm:layoutNode>
+              </dgm:forEach>
+              <dgm:layoutNode name="hierRoot3">
+                <dgm:varLst>
+                  <dgm:hierBranch val="init"/>
+                </dgm:varLst>
+                <dgm:choose name="Name106">
+                  <dgm:if name="Name107" func="var" arg="hierBranch" op="equ" val="l">
+                    <dgm:alg type="hierRoot">
+                      <dgm:param type="hierAlign" val="tR"/>
+                    </dgm:alg>
+                    <dgm:shape xmlns:r="http://schemas.openxmlformats.org/officeDocument/2006/relationships" r:blip="">
+                      <dgm:adjLst/>
+                    </dgm:shape>
+                    <dgm:presOf/>
+                    <dgm:constrLst>
+                      <dgm:constr type="alignOff" val="0.65"/>
+                    </dgm:constrLst>
+                  </dgm:if>
+                  <dgm:if name="Name108" func="var" arg="hierBranch" op="equ" val="r">
+                    <dgm:alg type="hierRoot">
+                      <dgm:param type="hierAlign" val="tL"/>
+                    </dgm:alg>
+                    <dgm:shape xmlns:r="http://schemas.openxmlformats.org/officeDocument/2006/relationships" r:blip="">
+                      <dgm:adjLst/>
+                    </dgm:shape>
+                    <dgm:presOf/>
+                    <dgm:constrLst>
+                      <dgm:constr type="alignOff" val="0.65"/>
+                    </dgm:constrLst>
+                  </dgm:if>
+                  <dgm:if name="Name109" func="var" arg="hierBranch" op="equ" val="hang">
+                    <dgm:alg type="hierRoot"/>
+                    <dgm:shape xmlns:r="http://schemas.openxmlformats.org/officeDocument/2006/relationships" r:blip="">
+                      <dgm:adjLst/>
+                    </dgm:shape>
+                    <dgm:presOf/>
+                    <dgm:constrLst>
+                      <dgm:constr type="alignOff" val="0.65"/>
+                    </dgm:constrLst>
+                  </dgm:if>
+                  <dgm:if name="Name110" func="var" arg="hierBranch" op="equ" val="std">
+                    <dgm:alg type="hierRoot"/>
+                    <dgm:shape xmlns:r="http://schemas.openxmlformats.org/officeDocument/2006/relationships" r:blip="">
+                      <dgm:adjLst/>
+                    </dgm:shape>
+                    <dgm:presOf/>
+                    <dgm:constrLst>
+                      <dgm:constr type="alignOff"/>
+                      <dgm:constr type="bendDist" for="des" ptType="parTrans" refType="sp" fact="0.5"/>
+                    </dgm:constrLst>
+                  </dgm:if>
+                  <dgm:if name="Name111" func="var" arg="hierBranch" op="equ" val="init">
+                    <dgm:choose name="Name112">
+                      <dgm:if name="Name113" axis="des" func="maxDepth" op="lte" val="1">
+                        <dgm:alg type="hierRoot">
+                          <dgm:param type="hierAlign" val="tL"/>
+                        </dgm:alg>
+                        <dgm:shape xmlns:r="http://schemas.openxmlformats.org/officeDocument/2006/relationships" r:blip="">
+                          <dgm:adjLst/>
+                        </dgm:shape>
+                        <dgm:presOf/>
+                        <dgm:constrLst>
+                          <dgm:constr type="alignOff" val="0.65"/>
+                        </dgm:constrLst>
+                      </dgm:if>
+                      <dgm:else name="Name114">
+                        <dgm:alg type="hierRoot"/>
+                        <dgm:shape xmlns:r="http://schemas.openxmlformats.org/officeDocument/2006/relationships" r:blip="">
+                          <dgm:adjLst/>
+                        </dgm:shape>
+                        <dgm:presOf/>
+                        <dgm:constrLst>
+                          <dgm:constr type="alignOff"/>
+                          <dgm:constr type="bendDist" for="des" ptType="parTrans" refType="sp" fact="0.5"/>
+                        </dgm:constrLst>
+                      </dgm:else>
+                    </dgm:choose>
+                  </dgm:if>
+                  <dgm:else name="Name115"/>
+                </dgm:choose>
+                <dgm:layoutNode name="rootComposite3">
+                  <dgm:alg type="composite"/>
+                  <dgm:shape xmlns:r="http://schemas.openxmlformats.org/officeDocument/2006/relationships" r:blip="">
+                    <dgm:adjLst/>
+                  </dgm:shape>
+                  <dgm:presOf axis="self" ptType="node" cnt="1"/>
+                  <dgm:choose name="Name116">
+                    <dgm:if name="Name117" func="var" arg="hierBranch" op="equ" val="init">
+                      <dgm:constrLst>
+                        <dgm:constr type="l" for="ch" forName="rootText3"/>
+                        <dgm:constr type="t" for="ch" forName="rootText3" refType="h" fact="0.18"/>
+                        <dgm:constr type="w" for="ch" forName="rootText3" refType="w"/>
+                        <dgm:constr type="h" for="ch" forName="rootText3" refType="h" fact="0.64"/>
+                        <dgm:constr type="l" for="ch" forName="topArc3" refType="w" fact="0.25"/>
+                        <dgm:constr type="t" for="ch" forName="topArc3"/>
+                        <dgm:constr type="w" for="ch" forName="topArc3" refType="h" refFor="ch" refForName="topArc3"/>
+                        <dgm:constr type="h" for="ch" forName="topArc3" refType="h"/>
+                        <dgm:constr type="l" for="ch" forName="bottomArc3" refType="w" fact="0.25"/>
+                        <dgm:constr type="t" for="ch" forName="bottomArc3"/>
+                        <dgm:constr type="w" for="ch" forName="bottomArc3" refType="h" refFor="ch" refForName="bottomArc3"/>
+                        <dgm:constr type="h" for="ch" forName="bottomArc3" refType="h"/>
+                        <dgm:constr type="ctrX" for="ch" forName="topConnNode3" refType="w" fact="0.5"/>
+                        <dgm:constr type="t" for="ch" forName="topConnNode3"/>
+                        <dgm:constr type="w" for="ch" forName="topConnNode3" refType="h" fact="0.76"/>
+                        <dgm:constr type="b" for="ch" forName="topConnNode3" refType="t" refFor="ch" refForName="rootText3"/>
+                      </dgm:constrLst>
+                    </dgm:if>
+                    <dgm:if name="Name118" func="var" arg="hierBranch" op="equ" val="l">
+                      <dgm:constrLst>
+                        <dgm:constr type="l" for="ch" forName="rootText3"/>
+                        <dgm:constr type="t" for="ch" forName="rootText3" refType="h" fact="0.18"/>
+                        <dgm:constr type="w" for="ch" forName="rootText3" refType="w"/>
+                        <dgm:constr type="h" for="ch" forName="rootText3" refType="h" fact="0.64"/>
+                        <dgm:constr type="l" for="ch" forName="topArc3" refType="w" fact="0.25"/>
+                        <dgm:constr type="t" for="ch" forName="topArc3"/>
+                        <dgm:constr type="w" for="ch" forName="topArc3" refType="h" refFor="ch" refForName="topArc3"/>
+                        <dgm:constr type="h" for="ch" forName="topArc3" refType="h"/>
+                        <dgm:constr type="l" for="ch" forName="bottomArc3" refType="w" fact="0.25"/>
+                        <dgm:constr type="t" for="ch" forName="bottomArc3"/>
+                        <dgm:constr type="w" for="ch" forName="bottomArc3" refType="h" refFor="ch" refForName="bottomArc3"/>
+                        <dgm:constr type="h" for="ch" forName="bottomArc3" refType="h"/>
+                        <dgm:constr type="ctrX" for="ch" forName="topConnNode3" refType="w" fact="0.5"/>
+                        <dgm:constr type="t" for="ch" forName="topConnNode3"/>
+                        <dgm:constr type="w" for="ch" forName="topConnNode3" refType="h" fact="0.76"/>
+                        <dgm:constr type="b" for="ch" forName="topConnNode3" refType="t" refFor="ch" refForName="rootText3"/>
+                      </dgm:constrLst>
+                    </dgm:if>
+                    <dgm:if name="Name119" func="var" arg="hierBranch" op="equ" val="r">
+                      <dgm:constrLst>
+                        <dgm:constr type="l" for="ch" forName="rootText3"/>
+                        <dgm:constr type="t" for="ch" forName="rootText3" refType="h" fact="0.18"/>
+                        <dgm:constr type="w" for="ch" forName="rootText3" refType="w"/>
+                        <dgm:constr type="h" for="ch" forName="rootText3" refType="h" fact="0.64"/>
+                        <dgm:constr type="l" for="ch" forName="topArc3" refType="w" fact="0.25"/>
+                        <dgm:constr type="t" for="ch" forName="topArc3"/>
+                        <dgm:constr type="w" for="ch" forName="topArc3" refType="h" refFor="ch" refForName="topArc3"/>
+                        <dgm:constr type="h" for="ch" forName="topArc3" refType="h"/>
+                        <dgm:constr type="l" for="ch" forName="bottomArc3" refType="w" fact="0.25"/>
+                        <dgm:constr type="t" for="ch" forName="bottomArc3"/>
+                        <dgm:constr type="w" for="ch" forName="bottomArc3" refType="h" refFor="ch" refForName="bottomArc3"/>
+                        <dgm:constr type="h" for="ch" forName="bottomArc3" refType="h"/>
+                        <dgm:constr type="ctrX" for="ch" forName="topConnNode3" refType="w" fact="0.5"/>
+                        <dgm:constr type="t" for="ch" forName="topConnNode3"/>
+                        <dgm:constr type="w" for="ch" forName="topConnNode3" refType="h" fact="0.76"/>
+                        <dgm:constr type="b" for="ch" forName="topConnNode3" refType="t" refFor="ch" refForName="rootText3"/>
+                      </dgm:constrLst>
+                    </dgm:if>
+                    <dgm:else name="Name120">
+                      <dgm:constrLst>
+                        <dgm:constr type="l" for="ch" forName="rootText3"/>
+                        <dgm:constr type="t" for="ch" forName="rootText3" refType="h" fact="0.18"/>
+                        <dgm:constr type="w" for="ch" forName="rootText3" refType="w"/>
+                        <dgm:constr type="h" for="ch" forName="rootText3" refType="h" fact="0.64"/>
+                        <dgm:constr type="l" for="ch" forName="topArc3" refType="w" fact="0.25"/>
+                        <dgm:constr type="t" for="ch" forName="topArc3"/>
+                        <dgm:constr type="w" for="ch" forName="topArc3" refType="h" refFor="ch" refForName="topArc3"/>
+                        <dgm:constr type="h" for="ch" forName="topArc3" refType="h"/>
+                        <dgm:constr type="l" for="ch" forName="bottomArc3" refType="w" fact="0.25"/>
+                        <dgm:constr type="t" for="ch" forName="bottomArc3"/>
+                        <dgm:constr type="w" for="ch" forName="bottomArc3" refType="h" refFor="ch" refForName="bottomArc3"/>
+                        <dgm:constr type="h" for="ch" forName="bottomArc3" refType="h"/>
+                        <dgm:constr type="ctrX" for="ch" forName="topConnNode3" refType="w" fact="0.5"/>
+                        <dgm:constr type="t" for="ch" forName="topConnNode3"/>
+                        <dgm:constr type="w" for="ch" forName="topConnNode3" refType="h" fact="0.76"/>
+                        <dgm:constr type="b" for="ch" forName="topConnNode3" refType="t" refFor="ch" refForName="rootText3"/>
+                      </dgm:constrLst>
+                    </dgm:else>
+                  </dgm:choose>
+                  <dgm:layoutNode name="rootText3" styleLbl="alignAcc1">
+                    <dgm:varLst>
+                      <dgm:chPref val="3"/>
+                    </dgm:varLst>
+                    <dgm:alg type="tx"/>
+                    <dgm:shape xmlns:r="http://schemas.openxmlformats.org/officeDocument/2006/relationships" type="rect" r:blip="" hideGeom="1">
+                      <dgm:adjLst/>
+                    </dgm:shape>
+                    <dgm:presOf axis="self" ptType="node" cnt="1"/>
+                    <dgm:constrLst>
+                      <dgm:constr type="primFontSz" val="65"/>
+                      <dgm:constr type="lMarg" refType="primFontSz" fact="0.05"/>
+                      <dgm:constr type="rMarg" refType="primFontSz" fact="0.05"/>
+                      <dgm:constr type="tMarg" refType="primFontSz" fact="0.05"/>
+                      <dgm:constr type="bMarg" refType="primFontSz" fact="0.05"/>
+                    </dgm:constrLst>
+                    <dgm:ruleLst>
+                      <dgm:rule type="primFontSz" val="5" fact="NaN" max="NaN"/>
+                    </dgm:ruleLst>
+                  </dgm:layoutNode>
+                  <dgm:layoutNode name="topArc3" styleLbl="parChTrans1D1" moveWith="rootText3">
+                    <dgm:alg type="sp"/>
+                    <dgm:shape xmlns:r="http://schemas.openxmlformats.org/officeDocument/2006/relationships" type="arc" r:blip="" zOrderOff="-2">
+                      <dgm:adjLst>
+                        <dgm:adj idx="1" val="-140"/>
+                        <dgm:adj idx="2" val="-40"/>
+                      </dgm:adjLst>
+                    </dgm:shape>
+                    <dgm:presOf/>
+                  </dgm:layoutNode>
+                  <dgm:layoutNode name="bottomArc3" styleLbl="parChTrans1D1" moveWith="rootText3">
+                    <dgm:alg type="sp"/>
+                    <dgm:shape xmlns:r="http://schemas.openxmlformats.org/officeDocument/2006/relationships" type="arc" r:blip="" zOrderOff="-2">
+                      <dgm:adjLst>
+                        <dgm:adj idx="1" val="40"/>
+                        <dgm:adj idx="2" val="140"/>
+                      </dgm:adjLst>
+                    </dgm:shape>
+                    <dgm:presOf/>
+                  </dgm:layoutNode>
+                  <dgm:layoutNode name="topConnNode3" moveWith="rootText3">
+                    <dgm:alg type="sp"/>
+                    <dgm:shape xmlns:r="http://schemas.openxmlformats.org/officeDocument/2006/relationships" type="rect" r:blip="" hideGeom="1">
+                      <dgm:adjLst/>
+                    </dgm:shape>
+                    <dgm:presOf axis="self" ptType="node" cnt="1"/>
+                  </dgm:layoutNode>
+                </dgm:layoutNode>
+                <dgm:layoutNode name="hierChild6">
+                  <dgm:choose name="Name121">
+                    <dgm:if name="Name122" func="var" arg="hierBranch" op="equ" val="l">
+                      <dgm:alg type="hierChild">
+                        <dgm:param type="chAlign" val="r"/>
+                        <dgm:param type="linDir" val="fromT"/>
+                      </dgm:alg>
+                    </dgm:if>
+                    <dgm:if name="Name123" func="var" arg="hierBranch" op="equ" val="r">
+                      <dgm:alg type="hierChild">
+                        <dgm:param type="chAlign" val="l"/>
+                        <dgm:param type="linDir" val="fromT"/>
+                      </dgm:alg>
+                    </dgm:if>
+                    <dgm:if name="Name124" func="var" arg="hierBranch" op="equ" val="hang">
+                      <dgm:choose name="Name125">
+                        <dgm:if name="Name126" func="var" arg="dir" op="equ" val="norm">
+                          <dgm:alg type="hierChild">
+                            <dgm:param type="chAlign" val="l"/>
+                            <dgm:param type="linDir" val="fromL"/>
+                            <dgm:param type="secChAlign" val="t"/>
+                            <dgm:param type="secLinDir" val="fromT"/>
+                          </dgm:alg>
+                        </dgm:if>
+                        <dgm:else name="Name127">
+                          <dgm:alg type="hierChild">
+                            <dgm:param type="chAlign" val="l"/>
+                            <dgm:param type="linDir" val="fromR"/>
+                            <dgm:param type="secChAlign" val="t"/>
+                            <dgm:param type="secLinDir" val="fromT"/>
+                          </dgm:alg>
+                        </dgm:else>
+                      </dgm:choose>
+                    </dgm:if>
+                    <dgm:if name="Name128" func="var" arg="hierBranch" op="equ" val="std">
+                      <dgm:choose name="Name129">
+                        <dgm:if name="Name130" func="var" arg="dir" op="equ" val="norm">
+                          <dgm:alg type="hierChild"/>
+                        </dgm:if>
+                        <dgm:else name="Name131">
+                          <dgm:alg type="hierChild">
+                            <dgm:param type="linDir" val="fromR"/>
+                          </dgm:alg>
+                        </dgm:else>
+                      </dgm:choose>
+                    </dgm:if>
+                    <dgm:if name="Name132" func="var" arg="hierBranch" op="equ" val="init">
+                      <dgm:choose name="Name133">
+                        <dgm:if name="Name134" axis="des" func="maxDepth" op="lte" val="1">
+                          <dgm:alg type="hierChild">
+                            <dgm:param type="chAlign" val="l"/>
+                            <dgm:param type="linDir" val="fromT"/>
+                          </dgm:alg>
+                        </dgm:if>
+                        <dgm:else name="Name135">
+                          <dgm:alg type="hierChild"/>
+                        </dgm:else>
+                      </dgm:choose>
+                    </dgm:if>
+                    <dgm:else name="Name136"/>
+                  </dgm:choose>
+                  <dgm:shape xmlns:r="http://schemas.openxmlformats.org/officeDocument/2006/relationships" r:blip="">
+                    <dgm:adjLst/>
+                  </dgm:shape>
+                  <dgm:presOf/>
+                  <dgm:forEach name="Name137" ref="rep2a"/>
+                </dgm:layoutNode>
+                <dgm:layoutNode name="hierChild7">
+                  <dgm:choose name="Name138">
+                    <dgm:if name="Name139" func="var" arg="dir" op="equ" val="norm">
+                      <dgm:alg type="hierChild">
+                        <dgm:param type="chAlign" val="l"/>
+                        <dgm:param type="linDir" val="fromL"/>
+                        <dgm:param type="secChAlign" val="t"/>
+                        <dgm:param type="secLinDir" val="fromT"/>
+                      </dgm:alg>
+                    </dgm:if>
+                    <dgm:else name="Name140">
+                      <dgm:alg type="hierChild">
+                        <dgm:param type="chAlign" val="l"/>
+                        <dgm:param type="linDir" val="fromR"/>
+                        <dgm:param type="secChAlign" val="t"/>
+                        <dgm:param type="secLinDir" val="fromT"/>
+                      </dgm:alg>
+                    </dgm:else>
+                  </dgm:choose>
+                  <dgm:shape xmlns:r="http://schemas.openxmlformats.org/officeDocument/2006/relationships" r:blip="">
+                    <dgm:adjLst/>
+                  </dgm:shape>
+                  <dgm:presOf/>
+                  <dgm:forEach name="Name141" ref="rep2b"/>
+                </dgm:layoutNode>
+              </dgm:layoutNode>
+            </dgm:forEach>
+          </dgm:layoutNode>
+        </dgm:layoutNode>
+      </dgm:forEach>
+    </dgm:forEach>
+  </dgm:layoutNode>
+</dgm:layoutDef>
+</file>
+
+<file path=ppt/diagrams/quickStyle1.xml><?xml version="1.0" encoding="utf-8"?>
+<dgm:styleDef xmlns:dgm="http://schemas.openxmlformats.org/drawingml/2006/diagram" xmlns:a="http://schemas.openxmlformats.org/drawingml/2006/main" uniqueId="urn:microsoft.com/office/officeart/2005/8/quickstyle/simple4">
+  <dgm:title val=""/>
+  <dgm:desc val=""/>
+  <dgm:catLst>
+    <dgm:cat type="simple" pri="10400"/>
+  </dgm:catLst>
+  <dgm:scene3d>
+    <a:camera prst="orthographicFront"/>
+    <a:lightRig rig="threePt" dir="t"/>
+  </dgm:scene3d>
+  <dgm:styleLbl name="node0">
+    <dgm:scene3d>
+      <a:camera prst="orthographicFront"/>
+      <a:lightRig rig="threePt" dir="t"/>
+    </dgm:scene3d>
+    <dgm:sp3d/>
+    <dgm:txPr/>
+    <dgm:style>
+      <a:lnRef idx="0">
+        <a:scrgbClr r="0" g="0" b="0"/>
+      </a:lnRef>
+      <a:fillRef idx="3">
+        <a:scrgbClr r="0" g="0" b="0"/>
+      </a:fillRef>
+      <a:effectRef idx="2">
+        <a:scrgbClr r="0" g="0" b="0"/>
+      </a:effectRef>
+      <a:fontRef idx="minor">
+        <a:schemeClr val="lt1"/>
+      </a:fontRef>
+    </dgm:style>
+  </dgm:styleLbl>
+  <dgm:styleLbl name="lnNode1">
+    <dgm:scene3d>
+      <a:camera prst="orthographicFront"/>
+      <a:lightRig rig="threePt" dir="t"/>
+    </dgm:scene3d>
+    <dgm:sp3d/>
+    <dgm:txPr/>
+    <dgm:style>
+      <a:lnRef idx="1">
+        <a:scrgbClr r="0" g="0" b="0"/>
+      </a:lnRef>
+      <a:fillRef idx="3">
+        <a:scrgbClr r="0" g="0" b="0"/>
+      </a:fillRef>
+      <a:effectRef idx="2">
+        <a:scrgbClr r="0" g="0" b="0"/>
+      </a:effectRef>
+      <a:fontRef idx="minor">
+        <a:schemeClr val="lt1"/>
+      </a:fontRef>
+    </dgm:style>
+  </dgm:styleLbl>
+  <dgm:styleLbl name="vennNode1">
+    <dgm:scene3d>
+      <a:camera prst="orthographicFront"/>
+      <a:lightRig rig="threePt" dir="t"/>
+    </dgm:scene3d>
+    <dgm:sp3d/>
+    <dgm:txPr/>
+    <dgm:style>
+      <a:lnRef idx="0">
+        <a:scrgbClr r="0" g="0" b="0"/>
+      </a:lnRef>
+      <a:fillRef idx="3">
+        <a:scrgbClr r="0" g="0" b="0"/>
+      </a:fillRef>
+      <a:effectRef idx="0">
+        <a:scrgbClr r="0" g="0" b="0"/>
+      </a:effectRef>
+      <a:fontRef idx="minor">
+        <a:schemeClr val="tx1"/>
+      </a:fontRef>
+    </dgm:style>
+  </dgm:styleLbl>
+  <dgm:styleLbl name="alignNode1">
+    <dgm:scene3d>
+      <a:camera prst="orthographicFront"/>
+      <a:lightRig rig="threePt" dir="t"/>
+    </dgm:scene3d>
+    <dgm:sp3d/>
+    <dgm:txPr/>
+    <dgm:style>
+      <a:lnRef idx="1">
+        <a:scrgbClr r="0" g="0" b="0"/>
+      </a:lnRef>
+      <a:fillRef idx="3">
+        <a:scrgbClr r="0" g="0" b="0"/>
+      </a:fillRef>
+      <a:effectRef idx="2">
+        <a:scrgbClr r="0" g="0" b="0"/>
+      </a:effectRef>
+      <a:fontRef idx="minor">
+        <a:schemeClr val="lt1"/>
+      </a:fontRef>
+    </dgm:style>
+  </dgm:styleLbl>
+  <dgm:styleLbl name="node1">
+    <dgm:scene3d>
+      <a:camera prst="orthographicFront"/>
+      <a:lightRig rig="threePt" dir="t"/>
+    </dgm:scene3d>
+    <dgm:sp3d/>
+    <dgm:txPr/>
+    <dgm:style>
+      <a:lnRef idx="0">
+        <a:scrgbClr r="0" g="0" b="0"/>
+      </a:lnRef>
+      <a:fillRef idx="3">
+        <a:scrgbClr r="0" g="0" b="0"/>
+      </a:fillRef>
+      <a:effectRef idx="2">
+        <a:scrgbClr r="0" g="0" b="0"/>
+      </a:effectRef>
+      <a:fontRef idx="minor">
+        <a:schemeClr val="lt1"/>
+      </a:fontRef>
+    </dgm:style>
+  </dgm:styleLbl>
+  <dgm:styleLbl name="node2">
+    <dgm:scene3d>
+      <a:camera prst="orthographicFront"/>
+      <a:lightRig rig="threePt" dir="t"/>
+    </dgm:scene3d>
+    <dgm:sp3d/>
+    <dgm:txPr/>
+    <dgm:style>
+      <a:lnRef idx="0">
+        <a:scrgbClr r="0" g="0" b="0"/>
+      </a:lnRef>
+      <a:fillRef idx="3">
+        <a:scrgbClr r="0" g="0" b="0"/>
+      </a:fillRef>
+      <a:effectRef idx="2">
+        <a:scrgbClr r="0" g="0" b="0"/>
+      </a:effectRef>
+      <a:fontRef idx="minor">
+        <a:schemeClr val="lt1"/>
+      </a:fontRef>
+    </dgm:style>
+  </dgm:styleLbl>
+  <dgm:styleLbl name="node3">
+    <dgm:scene3d>
+      <a:camera prst="orthographicFront"/>
+      <a:lightRig rig="threePt" dir="t"/>
+    </dgm:scene3d>
+    <dgm:sp3d/>
+    <dgm:txPr/>
+    <dgm:style>
+      <a:lnRef idx="0">
+        <a:scrgbClr r="0" g="0" b="0"/>
+      </a:lnRef>
+      <a:fillRef idx="3">
+        <a:scrgbClr r="0" g="0" b="0"/>
+      </a:fillRef>
+      <a:effectRef idx="2">
+        <a:scrgbClr r="0" g="0" b="0"/>
+      </a:effectRef>
+      <a:fontRef idx="minor">
+        <a:schemeClr val="lt1"/>
+      </a:fontRef>
+    </dgm:style>
+  </dgm:styleLbl>
+  <dgm:styleLbl name="node4">
+    <dgm:scene3d>
+      <a:camera prst="orthographicFront"/>
+      <a:lightRig rig="threePt" dir="t"/>
+    </dgm:scene3d>
+    <dgm:sp3d/>
+    <dgm:txPr/>
+    <dgm:style>
+      <a:lnRef idx="0">
+        <a:scrgbClr r="0" g="0" b="0"/>
+      </a:lnRef>
+      <a:fillRef idx="3">
+        <a:scrgbClr r="0" g="0" b="0"/>
+      </a:fillRef>
+      <a:effectRef idx="2">
+        <a:scrgbClr r="0" g="0" b="0"/>
+      </a:effectRef>
+      <a:fontRef idx="minor">
+        <a:schemeClr val="lt1"/>
+      </a:fontRef>
+    </dgm:style>
+  </dgm:styleLbl>
+  <dgm:styleLbl name="fgImgPlace1">
+    <dgm:scene3d>
+      <a:camera prst="orthographicFront"/>
+      <a:lightRig rig="threePt" dir="t"/>
+    </dgm:scene3d>
+    <dgm:sp3d/>
+    <dgm:txPr/>
+    <dgm:style>
+      <a:lnRef idx="0">
+        <a:scrgbClr r="0" g="0" b="0"/>
+      </a:lnRef>
+      <a:fillRef idx="1">
+        <a:scrgbClr r="0" g="0" b="0"/>
+      </a:fillRef>
+      <a:effectRef idx="2">
+        <a:scrgbClr r="0" g="0" b="0"/>
+      </a:effectRef>
+      <a:fontRef idx="minor"/>
+    </dgm:style>
+  </dgm:styleLbl>
+  <dgm:styleLbl name="alignImgPlace1">
+    <dgm:scene3d>
+      <a:camera prst="orthographicFront"/>
+      <a:lightRig rig="threePt" dir="t"/>
+    </dgm:scene3d>
+    <dgm:sp3d/>
+    <dgm:txPr/>
+    <dgm:style>
+      <a:lnRef idx="0">
+        <a:scrgbClr r="0" g="0" b="0"/>
+      </a:lnRef>
+      <a:fillRef idx="1">
+        <a:scrgbClr r="0" g="0" b="0"/>
+      </a:fillRef>
+      <a:effectRef idx="2">
+        <a:scrgbClr r="0" g="0" b="0"/>
+      </a:effectRef>
+      <a:fontRef idx="minor"/>
+    </dgm:style>
+  </dgm:styleLbl>
+  <dgm:styleLbl name="bgImgPlace1">
+    <dgm:scene3d>
+      <a:camera prst="orthographicFront"/>
+      <a:lightRig rig="threePt" dir="t"/>
+    </dgm:scene3d>
+    <dgm:sp3d/>
+    <dgm:txPr/>
+    <dgm:style>
+      <a:lnRef idx="0">
+        <a:scrgbClr r="0" g="0" b="0"/>
+      </a:lnRef>
+      <a:fillRef idx="1">
+        <a:scrgbClr r="0" g="0" b="0"/>
+      </a:fillRef>
+      <a:effectRef idx="2">
+        <a:scrgbClr r="0" g="0" b="0"/>
+      </a:effectRef>
+      <a:fontRef idx="minor"/>
+    </dgm:style>
+  </dgm:styleLbl>
+  <dgm:styleLbl name="sibTrans2D1">
+    <dgm:scene3d>
+      <a:camera prst="orthographicFront"/>
+      <a:lightRig rig="threePt" dir="t"/>
+    </dgm:scene3d>
+    <dgm:sp3d/>
+    <dgm:txPr/>
+    <dgm:style>
+      <a:lnRef idx="0">
+        <a:scrgbClr r="0" g="0" b="0"/>
+      </a:lnRef>
+      <a:fillRef idx="3">
+        <a:scrgbClr r="0" g="0" b="0"/>
+      </a:fillRef>
+      <a:effectRef idx="2">
+        <a:scrgbClr r="0" g="0" b="0"/>
+      </a:effectRef>
+      <a:fontRef idx="minor">
+        <a:schemeClr val="lt1"/>
+      </a:fontRef>
+    </dgm:style>
+  </dgm:styleLbl>
+  <dgm:styleLbl name="fgSibTrans2D1">
+    <dgm:scene3d>
+      <a:camera prst="orthographicFront"/>
+      <a:lightRig rig="threePt" dir="t"/>
+    </dgm:scene3d>
+    <dgm:sp3d/>
+    <dgm:txPr/>
+    <dgm:style>
+      <a:lnRef idx="0">
+        <a:scrgbClr r="0" g="0" b="0"/>
+      </a:lnRef>
+      <a:fillRef idx="3">
+        <a:scrgbClr r="0" g="0" b="0"/>
+      </a:fillRef>
+      <a:effectRef idx="2">
+        <a:scrgbClr r="0" g="0" b="0"/>
+      </a:effectRef>
+      <a:fontRef idx="minor">
+        <a:schemeClr val="lt1"/>
+      </a:fontRef>
+    </dgm:style>
+  </dgm:styleLbl>
+  <dgm:styleLbl name="bgSibTrans2D1">
+    <dgm:scene3d>
+      <a:camera prst="orthographicFront"/>
+      <a:lightRig rig="threePt" dir="t"/>
+    </dgm:scene3d>
+    <dgm:sp3d/>
+    <dgm:txPr/>
+    <dgm:style>
+      <a:lnRef idx="0">
+        <a:scrgbClr r="0" g="0" b="0"/>
+      </a:lnRef>
+      <a:fillRef idx="3">
+        <a:scrgbClr r="0" g="0" b="0"/>
+      </a:fillRef>
+      <a:effectRef idx="2">
+        <a:scrgbClr r="0" g="0" b="0"/>
+      </a:effectRef>
+      <a:fontRef idx="minor">
+        <a:schemeClr val="lt1"/>
+      </a:fontRef>
+    </dgm:style>
+  </dgm:styleLbl>
+  <dgm:styleLbl name="sibTrans1D1">
+    <dgm:scene3d>
+      <a:camera prst="orthographicFront"/>
+      <a:lightRig rig="threePt" dir="t"/>
+    </dgm:scene3d>
+    <dgm:sp3d/>
+    <dgm:txPr/>
+    <dgm:style>
+      <a:lnRef idx="1">
+        <a:scrgbClr r="0" g="0" b="0"/>
+      </a:lnRef>
+      <a:fillRef idx="0">
+        <a:scrgbClr r="0" g="0" b="0"/>
+      </a:fillRef>
+      <a:effectRef idx="0">
+        <a:scrgbClr r="0" g="0" b="0"/>
+      </a:effectRef>
+      <a:fontRef idx="minor"/>
+    </dgm:style>
+  </dgm:styleLbl>
+  <dgm:styleLbl name="callout">
+    <dgm:scene3d>
+      <a:camera prst="orthographicFront"/>
+      <a:lightRig rig="threePt" dir="t"/>
+    </dgm:scene3d>
+    <dgm:sp3d/>
+    <dgm:txPr/>
+    <dgm:style>
+      <a:lnRef idx="2">
+        <a:scrgbClr r="0" g="0" b="0"/>
+      </a:lnRef>
+      <a:fillRef idx="1">
+        <a:scrgbClr r="0" g="0" b="0"/>
+      </a:fillRef>
+      <a:effectRef idx="1">
+        <a:scrgbClr r="0" g="0" b="0"/>
+      </a:effectRef>
+      <a:fontRef idx="minor"/>
+    </dgm:style>
+  </dgm:styleLbl>
+  <dgm:styleLbl name="asst0">
+    <dgm:scene3d>
+      <a:camera prst="orthographicFront"/>
+      <a:lightRig rig="threePt" dir="t"/>
+    </dgm:scene3d>
+    <dgm:sp3d/>
+    <dgm:txPr/>
+    <dgm:style>
+      <a:lnRef idx="0">
+        <a:scrgbClr r="0" g="0" b="0"/>
+      </a:lnRef>
+      <a:fillRef idx="3">
+        <a:scrgbClr r="0" g="0" b="0"/>
+      </a:fillRef>
+      <a:effectRef idx="2">
+        <a:scrgbClr r="0" g="0" b="0"/>
+      </a:effectRef>
+      <a:fontRef idx="minor">
+        <a:schemeClr val="lt1"/>
+      </a:fontRef>
+    </dgm:style>
+  </dgm:styleLbl>
+  <dgm:styleLbl name="asst1">
+    <dgm:scene3d>
+      <a:camera prst="orthographicFront"/>
+      <a:lightRig rig="threePt" dir="t"/>
+    </dgm:scene3d>
+    <dgm:sp3d/>
+    <dgm:txPr/>
+    <dgm:style>
+      <a:lnRef idx="0">
+        <a:scrgbClr r="0" g="0" b="0"/>
+      </a:lnRef>
+      <a:fillRef idx="3">
+        <a:scrgbClr r="0" g="0" b="0"/>
+      </a:fillRef>
+      <a:effectRef idx="2">
+        <a:scrgbClr r="0" g="0" b="0"/>
+      </a:effectRef>
+      <a:fontRef idx="minor">
+        <a:schemeClr val="lt1"/>
+      </a:fontRef>
+    </dgm:style>
+  </dgm:styleLbl>
+  <dgm:styleLbl name="asst2">
+    <dgm:scene3d>
+      <a:camera prst="orthographicFront"/>
+      <a:lightRig rig="threePt" dir="t"/>
+    </dgm:scene3d>
+    <dgm:sp3d/>
+    <dgm:txPr/>
+    <dgm:style>
+      <a:lnRef idx="0">
+        <a:scrgbClr r="0" g="0" b="0"/>
+      </a:lnRef>
+      <a:fillRef idx="3">
+        <a:scrgbClr r="0" g="0" b="0"/>
+      </a:fillRef>
+      <a:effectRef idx="2">
+        <a:scrgbClr r="0" g="0" b="0"/>
+      </a:effectRef>
+      <a:fontRef idx="minor">
+        <a:schemeClr val="lt1"/>
+      </a:fontRef>
+    </dgm:style>
+  </dgm:styleLbl>
+  <dgm:styleLbl name="asst3">
+    <dgm:scene3d>
+      <a:camera prst="orthographicFront"/>
+      <a:lightRig rig="threePt" dir="t"/>
+    </dgm:scene3d>
+    <dgm:sp3d/>
+    <dgm:txPr/>
+    <dgm:style>
+      <a:lnRef idx="0">
+        <a:scrgbClr r="0" g="0" b="0"/>
+      </a:lnRef>
+      <a:fillRef idx="3">
+        <a:scrgbClr r="0" g="0" b="0"/>
+      </a:fillRef>
+      <a:effectRef idx="2">
+        <a:scrgbClr r="0" g="0" b="0"/>
+      </a:effectRef>
+      <a:fontRef idx="minor">
+        <a:schemeClr val="lt1"/>
+      </a:fontRef>
+    </dgm:style>
+  </dgm:styleLbl>
+  <dgm:styleLbl name="asst4">
+    <dgm:scene3d>
+      <a:camera prst="orthographicFront"/>
+      <a:lightRig rig="threePt" dir="t"/>
+    </dgm:scene3d>
+    <dgm:sp3d/>
+    <dgm:txPr/>
+    <dgm:style>
+      <a:lnRef idx="0">
+        <a:scrgbClr r="0" g="0" b="0"/>
+      </a:lnRef>
+      <a:fillRef idx="3">
+        <a:scrgbClr r="0" g="0" b="0"/>
+      </a:fillRef>
+      <a:effectRef idx="2">
+        <a:scrgbClr r="0" g="0" b="0"/>
+      </a:effectRef>
+      <a:fontRef idx="minor">
+        <a:schemeClr val="lt1"/>
+      </a:fontRef>
+    </dgm:style>
+  </dgm:styleLbl>
+  <dgm:styleLbl name="parChTrans2D1">
+    <dgm:scene3d>
+      <a:camera prst="orthographicFront"/>
+      <a:lightRig rig="threePt" dir="t"/>
+    </dgm:scene3d>
+    <dgm:sp3d/>
+    <dgm:txPr/>
+    <dgm:style>
+      <a:lnRef idx="0">
+        <a:scrgbClr r="0" g="0" b="0"/>
+      </a:lnRef>
+      <a:fillRef idx="3">
+        <a:scrgbClr r="0" g="0" b="0"/>
+      </a:fillRef>
+      <a:effectRef idx="2">
+        <a:scrgbClr r="0" g="0" b="0"/>
+      </a:effectRef>
+      <a:fontRef idx="minor">
+        <a:schemeClr val="lt1"/>
+      </a:fontRef>
+    </dgm:style>
+  </dgm:styleLbl>
+  <dgm:styleLbl name="parChTrans2D2">
+    <dgm:scene3d>
+      <a:camera prst="orthographicFront"/>
+      <a:lightRig rig="threePt" dir="t"/>
+    </dgm:scene3d>
+    <dgm:sp3d/>
+    <dgm:txPr/>
+    <dgm:style>
+      <a:lnRef idx="0">
+        <a:scrgbClr r="0" g="0" b="0"/>
+      </a:lnRef>
+      <a:fillRef idx="3">
+        <a:scrgbClr r="0" g="0" b="0"/>
+      </a:fillRef>
+      <a:effectRef idx="2">
+        <a:scrgbClr r="0" g="0" b="0"/>
+      </a:effectRef>
+      <a:fontRef idx="minor">
+        <a:schemeClr val="lt1"/>
+      </a:fontRef>
+    </dgm:style>
+  </dgm:styleLbl>
+  <dgm:styleLbl name="parChTrans2D3">
+    <dgm:scene3d>
+      <a:camera prst="orthographicFront"/>
+      <a:lightRig rig="threePt" dir="t"/>
+    </dgm:scene3d>
+    <dgm:sp3d/>
+    <dgm:txPr/>
+    <dgm:style>
+      <a:lnRef idx="1">
+        <a:scrgbClr r="0" g="0" b="0"/>
+      </a:lnRef>
+      <a:fillRef idx="3">
+        <a:scrgbClr r="0" g="0" b="0"/>
+      </a:fillRef>
+      <a:effectRef idx="2">
+        <a:scrgbClr r="0" g="0" b="0"/>
+      </a:effectRef>
+      <a:fontRef idx="minor">
+        <a:schemeClr val="lt1"/>
+      </a:fontRef>
+    </dgm:style>
+  </dgm:styleLbl>
+  <dgm:styleLbl name="parChTrans2D4">
+    <dgm:scene3d>
+      <a:camera prst="orthographicFront"/>
+      <a:lightRig rig="threePt" dir="t"/>
+    </dgm:scene3d>
+    <dgm:sp3d/>
+    <dgm:txPr/>
+    <dgm:style>
+      <a:lnRef idx="1">
+        <a:scrgbClr r="0" g="0" b="0"/>
+      </a:lnRef>
+      <a:fillRef idx="3">
+        <a:scrgbClr r="0" g="0" b="0"/>
+      </a:fillRef>
+      <a:effectRef idx="2">
+        <a:scrgbClr r="0" g="0" b="0"/>
+      </a:effectRef>
+      <a:fontRef idx="minor">
+        <a:schemeClr val="lt1"/>
+      </a:fontRef>
+    </dgm:style>
+  </dgm:styleLbl>
+  <dgm:styleLbl name="parChTrans1D1">
+    <dgm:scene3d>
+      <a:camera prst="orthographicFront"/>
+      <a:lightRig rig="threePt" dir="t"/>
+    </dgm:scene3d>
+    <dgm:sp3d/>
+    <dgm:txPr/>
+    <dgm:style>
+      <a:lnRef idx="1">
+        <a:scrgbClr r="0" g="0" b="0"/>
+      </a:lnRef>
+      <a:fillRef idx="0">
+        <a:scrgbClr r="0" g="0" b="0"/>
+      </a:fillRef>
+      <a:effectRef idx="0">
+        <a:scrgbClr r="0" g="0" b="0"/>
+      </a:effectRef>
+      <a:fontRef idx="minor"/>
+    </dgm:style>
+  </dgm:styleLbl>
+  <dgm:styleLbl name="parChTrans1D2">
+    <dgm:scene3d>
+      <a:camera prst="orthographicFront"/>
+      <a:lightRig rig="threePt" dir="t"/>
+    </dgm:scene3d>
+    <dgm:sp3d/>
+    <dgm:txPr/>
+    <dgm:style>
+      <a:lnRef idx="1">
+        <a:scrgbClr r="0" g="0" b="0"/>
+      </a:lnRef>
+      <a:fillRef idx="0">
+        <a:scrgbClr r="0" g="0" b="0"/>
+      </a:fillRef>
+      <a:effectRef idx="0">
+        <a:scrgbClr r="0" g="0" b="0"/>
+      </a:effectRef>
+      <a:fontRef idx="minor"/>
+    </dgm:style>
+  </dgm:styleLbl>
+  <dgm:styleLbl name="parChTrans1D3">
+    <dgm:scene3d>
+      <a:camera prst="orthographicFront"/>
+      <a:lightRig rig="threePt" dir="t"/>
+    </dgm:scene3d>
+    <dgm:sp3d/>
+    <dgm:txPr/>
+    <dgm:style>
+      <a:lnRef idx="1">
+        <a:scrgbClr r="0" g="0" b="0"/>
+      </a:lnRef>
+      <a:fillRef idx="0">
+        <a:scrgbClr r="0" g="0" b="0"/>
+      </a:fillRef>
+      <a:effectRef idx="0">
+        <a:scrgbClr r="0" g="0" b="0"/>
+      </a:effectRef>
+      <a:fontRef idx="minor"/>
+    </dgm:style>
+  </dgm:styleLbl>
+  <dgm:styleLbl name="parChTrans1D4">
+    <dgm:scene3d>
+      <a:camera prst="orthographicFront"/>
+      <a:lightRig rig="threePt" dir="t"/>
+    </dgm:scene3d>
+    <dgm:sp3d/>
+    <dgm:txPr/>
+    <dgm:style>
+      <a:lnRef idx="1">
+        <a:scrgbClr r="0" g="0" b="0"/>
+      </a:lnRef>
+      <a:fillRef idx="0">
+        <a:scrgbClr r="0" g="0" b="0"/>
+      </a:fillRef>
+      <a:effectRef idx="0">
+        <a:scrgbClr r="0" g="0" b="0"/>
+      </a:effectRef>
+      <a:fontRef idx="minor"/>
+    </dgm:style>
+  </dgm:styleLbl>
+  <dgm:styleLbl name="fgAcc1">
+    <dgm:scene3d>
+      <a:camera prst="orthographicFront"/>
+      <a:lightRig rig="threePt" dir="t"/>
+    </dgm:scene3d>
+    <dgm:sp3d/>
+    <dgm:txPr/>
+    <dgm:style>
+      <a:lnRef idx="1">
+        <a:scrgbClr r="0" g="0" b="0"/>
+      </a:lnRef>
+      <a:fillRef idx="1">
+        <a:scrgbClr r="0" g="0" b="0"/>
+      </a:fillRef>
+      <a:effectRef idx="0">
+        <a:scrgbClr r="0" g="0" b="0"/>
+      </a:effectRef>
+      <a:fontRef idx="minor"/>
+    </dgm:style>
+  </dgm:styleLbl>
+  <dgm:styleLbl name="conFgAcc1">
+    <dgm:scene3d>
+      <a:camera prst="orthographicFront"/>
+      <a:lightRig rig="threePt" dir="t"/>
+    </dgm:scene3d>
+    <dgm:sp3d/>
+    <dgm:txPr/>
+    <dgm:style>
+      <a:lnRef idx="1">
+        <a:scrgbClr r="0" g="0" b="0"/>
+      </a:lnRef>
+      <a:fillRef idx="1">
+        <a:scrgbClr r="0" g="0" b="0"/>
+      </a:fillRef>
+      <a:effectRef idx="0">
+        <a:scrgbClr r="0" g="0" b="0"/>
+      </a:effectRef>
+      <a:fontRef idx="minor"/>
+    </dgm:style>
+  </dgm:styleLbl>
+  <dgm:styleLbl name="alignAcc1">
+    <dgm:scene3d>
+      <a:camera prst="orthographicFront"/>
+      <a:lightRig rig="threePt" dir="t"/>
+    </dgm:scene3d>
+    <dgm:sp3d/>
+    <dgm:txPr/>
+    <dgm:style>
+      <a:lnRef idx="1">
+        <a:scrgbClr r="0" g="0" b="0"/>
+      </a:lnRef>
+      <a:fillRef idx="1">
+        <a:scrgbClr r="0" g="0" b="0"/>
+      </a:fillRef>
+      <a:effectRef idx="0">
+        <a:scrgbClr r="0" g="0" b="0"/>
+      </a:effectRef>
+      <a:fontRef idx="minor"/>
+    </dgm:style>
+  </dgm:styleLbl>
+  <dgm:styleLbl name="trAlignAcc1">
+    <dgm:scene3d>
+      <a:camera prst="orthographicFront"/>
+      <a:lightRig rig="threePt" dir="t"/>
+    </dgm:scene3d>
+    <dgm:sp3d/>
+    <dgm:txPr/>
+    <dgm:style>
+      <a:lnRef idx="1">
+        <a:scrgbClr r="0" g="0" b="0"/>
+      </a:lnRef>
+      <a:fillRef idx="1">
+        <a:scrgbClr r="0" g="0" b="0"/>
+      </a:fillRef>
+      <a:effectRef idx="0">
+        <a:scrgbClr r="0" g="0" b="0"/>
+      </a:effectRef>
+      <a:fontRef idx="minor"/>
+    </dgm:style>
+  </dgm:styleLbl>
+  <dgm:styleLbl name="bgAcc1">
+    <dgm:scene3d>
+      <a:camera prst="orthographicFront"/>
+      <a:lightRig rig="threePt" dir="t"/>
+    </dgm:scene3d>
+    <dgm:sp3d/>
+    <dgm:txPr/>
+    <dgm:style>
+      <a:lnRef idx="1">
+        <a:scrgbClr r="0" g="0" b="0"/>
+      </a:lnRef>
+      <a:fillRef idx="1">
+        <a:scrgbClr r="0" g="0" b="0"/>
+      </a:fillRef>
+      <a:effectRef idx="0">
+        <a:scrgbClr r="0" g="0" b="0"/>
+      </a:effectRef>
+      <a:fontRef idx="minor"/>
+    </dgm:style>
+  </dgm:styleLbl>
+  <dgm:styleLbl name="solidFgAcc1">
+    <dgm:scene3d>
+      <a:camera prst="orthographicFront"/>
+      <a:lightRig rig="threePt" dir="t"/>
+    </dgm:scene3d>
+    <dgm:sp3d/>
+    <dgm:txPr/>
+    <dgm:style>
+      <a:lnRef idx="1">
+        <a:scrgbClr r="0" g="0" b="0"/>
+      </a:lnRef>
+      <a:fillRef idx="1">
+        <a:scrgbClr r="0" g="0" b="0"/>
+      </a:fillRef>
+      <a:effectRef idx="0">
+        <a:scrgbClr r="0" g="0" b="0"/>
+      </a:effectRef>
+      <a:fontRef idx="minor"/>
+    </dgm:style>
+  </dgm:styleLbl>
+  <dgm:styleLbl name="solidAlignAcc1">
+    <dgm:scene3d>
+      <a:camera prst="orthographicFront"/>
+      <a:lightRig rig="threePt" dir="t"/>
+    </dgm:scene3d>
+    <dgm:sp3d/>
+    <dgm:txPr/>
+    <dgm:style>
+      <a:lnRef idx="1">
+        <a:scrgbClr r="0" g="0" b="0"/>
+      </a:lnRef>
+      <a:fillRef idx="1">
+        <a:scrgbClr r="0" g="0" b="0"/>
+      </a:fillRef>
+      <a:effectRef idx="0">
+        <a:scrgbClr r="0" g="0" b="0"/>
+      </a:effectRef>
+      <a:fontRef idx="minor"/>
+    </dgm:style>
+  </dgm:styleLbl>
+  <dgm:styleLbl name="solidBgAcc1">
+    <dgm:scene3d>
+      <a:camera prst="orthographicFront"/>
+      <a:lightRig rig="threePt" dir="t"/>
+    </dgm:scene3d>
+    <dgm:sp3d/>
+    <dgm:txPr/>
+    <dgm:style>
+      <a:lnRef idx="1">
+        <a:scrgbClr r="0" g="0" b="0"/>
+      </a:lnRef>
+      <a:fillRef idx="1">
+        <a:scrgbClr r="0" g="0" b="0"/>
+      </a:fillRef>
+      <a:effectRef idx="0">
+        <a:scrgbClr r="0" g="0" b="0"/>
+      </a:effectRef>
+      <a:fontRef idx="minor"/>
+    </dgm:style>
+  </dgm:styleLbl>
+  <dgm:styleLbl name="fgAccFollowNode1">
+    <dgm:scene3d>
+      <a:camera prst="orthographicFront"/>
+      <a:lightRig rig="threePt" dir="t"/>
+    </dgm:scene3d>
+    <dgm:sp3d/>
+    <dgm:txPr/>
+    <dgm:style>
+      <a:lnRef idx="1">
+        <a:scrgbClr r="0" g="0" b="0"/>
+      </a:lnRef>
+      <a:fillRef idx="1">
+        <a:scrgbClr r="0" g="0" b="0"/>
+      </a:fillRef>
+      <a:effectRef idx="0">
+        <a:scrgbClr r="0" g="0" b="0"/>
+      </a:effectRef>
+      <a:fontRef idx="minor"/>
+    </dgm:style>
+  </dgm:styleLbl>
+  <dgm:styleLbl name="alignAccFollowNode1">
+    <dgm:scene3d>
+      <a:camera prst="orthographicFront"/>
+      <a:lightRig rig="threePt" dir="t"/>
+    </dgm:scene3d>
+    <dgm:sp3d/>
+    <dgm:txPr/>
+    <dgm:style>
+      <a:lnRef idx="1">
+        <a:scrgbClr r="0" g="0" b="0"/>
+      </a:lnRef>
+      <a:fillRef idx="1">
+        <a:scrgbClr r="0" g="0" b="0"/>
+      </a:fillRef>
+      <a:effectRef idx="0">
+        <a:scrgbClr r="0" g="0" b="0"/>
+      </a:effectRef>
+      <a:fontRef idx="minor"/>
+    </dgm:style>
+  </dgm:styleLbl>
+  <dgm:styleLbl name="bgAccFollowNode1">
+    <dgm:scene3d>
+      <a:camera prst="orthographicFront"/>
+      <a:lightRig rig="threePt" dir="t"/>
+    </dgm:scene3d>
+    <dgm:sp3d/>
+    <dgm:txPr/>
+    <dgm:style>
+      <a:lnRef idx="1">
+        <a:scrgbClr r="0" g="0" b="0"/>
+      </a:lnRef>
+      <a:fillRef idx="1">
+        <a:scrgbClr r="0" g="0" b="0"/>
+      </a:fillRef>
+      <a:effectRef idx="0">
+        <a:scrgbClr r="0" g="0" b="0"/>
+      </a:effectRef>
+      <a:fontRef idx="minor"/>
+    </dgm:style>
+  </dgm:styleLbl>
+  <dgm:styleLbl name="fgAcc0">
+    <dgm:scene3d>
+      <a:camera prst="orthographicFront"/>
+      <a:lightRig rig="threePt" dir="t"/>
+    </dgm:scene3d>
+    <dgm:sp3d/>
+    <dgm:txPr/>
+    <dgm:style>
+      <a:lnRef idx="1">
+        <a:scrgbClr r="0" g="0" b="0"/>
+      </a:lnRef>
+      <a:fillRef idx="1">
+        <a:scrgbClr r="0" g="0" b="0"/>
+      </a:fillRef>
+      <a:effectRef idx="0">
+        <a:scrgbClr r="0" g="0" b="0"/>
+      </a:effectRef>
+      <a:fontRef idx="minor"/>
+    </dgm:style>
+  </dgm:styleLbl>
+  <dgm:styleLbl name="fgAcc2">
+    <dgm:scene3d>
+      <a:camera prst="orthographicFront"/>
+      <a:lightRig rig="threePt" dir="t"/>
+    </dgm:scene3d>
+    <dgm:sp3d/>
+    <dgm:txPr/>
+    <dgm:style>
+      <a:lnRef idx="1">
+        <a:scrgbClr r="0" g="0" b="0"/>
+      </a:lnRef>
+      <a:fillRef idx="1">
+        <a:scrgbClr r="0" g="0" b="0"/>
+      </a:fillRef>
+      <a:effectRef idx="0">
+        <a:scrgbClr r="0" g="0" b="0"/>
+      </a:effectRef>
+      <a:fontRef idx="minor"/>
+    </dgm:style>
+  </dgm:styleLbl>
+  <dgm:styleLbl name="fgAcc3">
+    <dgm:scene3d>
+      <a:camera prst="orthographicFront"/>
+      <a:lightRig rig="threePt" dir="t"/>
+    </dgm:scene3d>
+    <dgm:sp3d/>
+    <dgm:txPr/>
+    <dgm:style>
+      <a:lnRef idx="1">
+        <a:scrgbClr r="0" g="0" b="0"/>
+      </a:lnRef>
+      <a:fillRef idx="1">
+        <a:scrgbClr r="0" g="0" b="0"/>
+      </a:fillRef>
+      <a:effectRef idx="0">
+        <a:scrgbClr r="0" g="0" b="0"/>
+      </a:effectRef>
+      <a:fontRef idx="minor"/>
+    </dgm:style>
+  </dgm:styleLbl>
+  <dgm:styleLbl name="fgAcc4">
+    <dgm:scene3d>
+      <a:camera prst="orthographicFront"/>
+      <a:lightRig rig="threePt" dir="t"/>
+    </dgm:scene3d>
+    <dgm:sp3d/>
+    <dgm:txPr/>
+    <dgm:style>
+      <a:lnRef idx="1">
+        <a:scrgbClr r="0" g="0" b="0"/>
+      </a:lnRef>
+      <a:fillRef idx="1">
+        <a:scrgbClr r="0" g="0" b="0"/>
+      </a:fillRef>
+      <a:effectRef idx="0">
+        <a:scrgbClr r="0" g="0" b="0"/>
+      </a:effectRef>
+      <a:fontRef idx="minor"/>
+    </dgm:style>
+  </dgm:styleLbl>
+  <dgm:styleLbl name="bgShp">
+    <dgm:scene3d>
+      <a:camera prst="orthographicFront"/>
+      <a:lightRig rig="threePt" dir="t"/>
+    </dgm:scene3d>
+    <dgm:sp3d/>
+    <dgm:txPr/>
+    <dgm:style>
+      <a:lnRef idx="0">
+        <a:scrgbClr r="0" g="0" b="0"/>
+      </a:lnRef>
+      <a:fillRef idx="1">
+        <a:scrgbClr r="0" g="0" b="0"/>
+      </a:fillRef>
+      <a:effectRef idx="2">
+        <a:scrgbClr r="0" g="0" b="0"/>
+      </a:effectRef>
+      <a:fontRef idx="minor"/>
+    </dgm:style>
+  </dgm:styleLbl>
+  <dgm:styleLbl name="dkBgShp">
+    <dgm:scene3d>
+      <a:camera prst="orthographicFront"/>
+      <a:lightRig rig="threePt" dir="t"/>
+    </dgm:scene3d>
+    <dgm:sp3d/>
+    <dgm:txPr/>
+    <dgm:style>
+      <a:lnRef idx="0">
+        <a:scrgbClr r="0" g="0" b="0"/>
+      </a:lnRef>
+      <a:fillRef idx="1">
+        <a:scrgbClr r="0" g="0" b="0"/>
+      </a:fillRef>
+      <a:effectRef idx="2">
+        <a:scrgbClr r="0" g="0" b="0"/>
+      </a:effectRef>
+      <a:fontRef idx="minor"/>
+    </dgm:style>
+  </dgm:styleLbl>
+  <dgm:styleLbl name="trBgShp">
+    <dgm:scene3d>
+      <a:camera prst="orthographicFront"/>
+      <a:lightRig rig="threePt" dir="t"/>
+    </dgm:scene3d>
+    <dgm:sp3d/>
+    <dgm:txPr/>
+    <dgm:style>
+      <a:lnRef idx="0">
+        <a:scrgbClr r="0" g="0" b="0"/>
+      </a:lnRef>
+      <a:fillRef idx="1">
+        <a:scrgbClr r="0" g="0" b="0"/>
+      </a:fillRef>
+      <a:effectRef idx="0">
+        <a:scrgbClr r="0" g="0" b="0"/>
+      </a:effectRef>
+      <a:fontRef idx="minor"/>
+    </dgm:style>
+  </dgm:styleLbl>
+  <dgm:styleLbl name="fgShp">
+    <dgm:scene3d>
+      <a:camera prst="orthographicFront"/>
+      <a:lightRig rig="threePt" dir="t"/>
+    </dgm:scene3d>
+    <dgm:sp3d/>
+    <dgm:txPr/>
+    <dgm:style>
+      <a:lnRef idx="0">
+        <a:scrgbClr r="0" g="0" b="0"/>
+      </a:lnRef>
+      <a:fillRef idx="3">
+        <a:scrgbClr r="0" g="0" b="0"/>
+      </a:fillRef>
+      <a:effectRef idx="2">
+        <a:scrgbClr r="0" g="0" b="0"/>
+      </a:effectRef>
+      <a:fontRef idx="minor"/>
+    </dgm:style>
+  </dgm:styleLbl>
+  <dgm:styleLbl name="revTx">
+    <dgm:scene3d>
+      <a:camera prst="orthographicFront"/>
+      <a:lightRig rig="threePt" dir="t"/>
+    </dgm:scene3d>
+    <dgm:sp3d/>
+    <dgm:txPr/>
+    <dgm:style>
+      <a:lnRef idx="0">
+        <a:scrgbClr r="0" g="0" b="0"/>
+      </a:lnRef>
+      <a:fillRef idx="0">
+        <a:scrgbClr r="0" g="0" b="0"/>
+      </a:fillRef>
+      <a:effectRef idx="0">
+        <a:scrgbClr r="0" g="0" b="0"/>
+      </a:effectRef>
+      <a:fontRef idx="minor"/>
+    </dgm:style>
+  </dgm:styleLbl>
+</dgm:styleDef>
 </file>
 
 <file path=ppt/slideLayouts/slideLayout1.xml><?xml version="1.0" encoding="utf-8"?>
@@ -254,7 +4881,7 @@
           <a:p>
             <a:fld id="{10DA77B6-B1B1-40B8-98B2-83BF331EFA61}" type="datetimeFigureOut">
               <a:rPr lang="en-US" smtClean="0"/>
-              <a:t>3/27/2017</a:t>
+              <a:t>4/2/17</a:t>
             </a:fld>
             <a:endParaRPr lang="en-US"/>
           </a:p>
@@ -424,7 +5051,7 @@
           <a:p>
             <a:fld id="{10DA77B6-B1B1-40B8-98B2-83BF331EFA61}" type="datetimeFigureOut">
               <a:rPr lang="en-US" smtClean="0"/>
-              <a:t>3/27/2017</a:t>
+              <a:t>4/2/17</a:t>
             </a:fld>
             <a:endParaRPr lang="en-US"/>
           </a:p>
@@ -604,7 +5231,7 @@
           <a:p>
             <a:fld id="{10DA77B6-B1B1-40B8-98B2-83BF331EFA61}" type="datetimeFigureOut">
               <a:rPr lang="en-US" smtClean="0"/>
-              <a:t>3/27/2017</a:t>
+              <a:t>4/2/17</a:t>
             </a:fld>
             <a:endParaRPr lang="en-US"/>
           </a:p>
@@ -774,7 +5401,7 @@
           <a:p>
             <a:fld id="{10DA77B6-B1B1-40B8-98B2-83BF331EFA61}" type="datetimeFigureOut">
               <a:rPr lang="en-US" smtClean="0"/>
-              <a:t>3/27/2017</a:t>
+              <a:t>4/2/17</a:t>
             </a:fld>
             <a:endParaRPr lang="en-US"/>
           </a:p>
@@ -1018,7 +5645,7 @@
           <a:p>
             <a:fld id="{10DA77B6-B1B1-40B8-98B2-83BF331EFA61}" type="datetimeFigureOut">
               <a:rPr lang="en-US" smtClean="0"/>
-              <a:t>3/27/2017</a:t>
+              <a:t>4/2/17</a:t>
             </a:fld>
             <a:endParaRPr lang="en-US"/>
           </a:p>
@@ -1250,7 +5877,7 @@
           <a:p>
             <a:fld id="{10DA77B6-B1B1-40B8-98B2-83BF331EFA61}" type="datetimeFigureOut">
               <a:rPr lang="en-US" smtClean="0"/>
-              <a:t>3/27/2017</a:t>
+              <a:t>4/2/17</a:t>
             </a:fld>
             <a:endParaRPr lang="en-US"/>
           </a:p>
@@ -1617,7 +6244,7 @@
           <a:p>
             <a:fld id="{10DA77B6-B1B1-40B8-98B2-83BF331EFA61}" type="datetimeFigureOut">
               <a:rPr lang="en-US" smtClean="0"/>
-              <a:t>3/27/2017</a:t>
+              <a:t>4/2/17</a:t>
             </a:fld>
             <a:endParaRPr lang="en-US"/>
           </a:p>
@@ -1735,7 +6362,7 @@
           <a:p>
             <a:fld id="{10DA77B6-B1B1-40B8-98B2-83BF331EFA61}" type="datetimeFigureOut">
               <a:rPr lang="en-US" smtClean="0"/>
-              <a:t>3/27/2017</a:t>
+              <a:t>4/2/17</a:t>
             </a:fld>
             <a:endParaRPr lang="en-US"/>
           </a:p>
@@ -1830,7 +6457,7 @@
           <a:p>
             <a:fld id="{10DA77B6-B1B1-40B8-98B2-83BF331EFA61}" type="datetimeFigureOut">
               <a:rPr lang="en-US" smtClean="0"/>
-              <a:t>3/27/2017</a:t>
+              <a:t>4/2/17</a:t>
             </a:fld>
             <a:endParaRPr lang="en-US"/>
           </a:p>
@@ -2107,7 +6734,7 @@
           <a:p>
             <a:fld id="{10DA77B6-B1B1-40B8-98B2-83BF331EFA61}" type="datetimeFigureOut">
               <a:rPr lang="en-US" smtClean="0"/>
-              <a:t>3/27/2017</a:t>
+              <a:t>4/2/17</a:t>
             </a:fld>
             <a:endParaRPr lang="en-US"/>
           </a:p>
@@ -2364,7 +6991,7 @@
           <a:p>
             <a:fld id="{10DA77B6-B1B1-40B8-98B2-83BF331EFA61}" type="datetimeFigureOut">
               <a:rPr lang="en-US" smtClean="0"/>
-              <a:t>3/27/2017</a:t>
+              <a:t>4/2/17</a:t>
             </a:fld>
             <a:endParaRPr lang="en-US"/>
           </a:p>
@@ -2577,7 +7204,7 @@
           <a:p>
             <a:fld id="{10DA77B6-B1B1-40B8-98B2-83BF331EFA61}" type="datetimeFigureOut">
               <a:rPr lang="en-US" smtClean="0"/>
-              <a:t>3/27/2017</a:t>
+              <a:t>4/2/17</a:t>
             </a:fld>
             <a:endParaRPr lang="en-US"/>
           </a:p>
@@ -2970,36 +7597,9 @@
   <p:cSld>
     <p:bg>
       <p:bgPr>
-        <a:gradFill flip="none" rotWithShape="1">
-          <a:gsLst>
-            <a:gs pos="0">
-              <a:schemeClr val="accent6">
-                <a:lumMod val="5000"/>
-                <a:lumOff val="95000"/>
-              </a:schemeClr>
-            </a:gs>
-            <a:gs pos="74000">
-              <a:schemeClr val="accent6">
-                <a:lumMod val="45000"/>
-                <a:lumOff val="55000"/>
-              </a:schemeClr>
-            </a:gs>
-            <a:gs pos="83000">
-              <a:schemeClr val="accent6">
-                <a:lumMod val="45000"/>
-                <a:lumOff val="55000"/>
-              </a:schemeClr>
-            </a:gs>
-            <a:gs pos="100000">
-              <a:schemeClr val="accent6">
-                <a:lumMod val="30000"/>
-                <a:lumOff val="70000"/>
-              </a:schemeClr>
-            </a:gs>
-          </a:gsLst>
-          <a:lin ang="5400000" scaled="1"/>
-          <a:tileRect/>
-        </a:gradFill>
+        <a:solidFill>
+          <a:schemeClr val="bg1"/>
+        </a:solidFill>
         <a:effectLst/>
       </p:bgPr>
     </p:bg>
@@ -3031,6 +7631,9 @@
           <a:prstGeom prst="rect">
             <a:avLst/>
           </a:prstGeom>
+          <a:solidFill>
+            <a:schemeClr val="accent2"/>
+          </a:solidFill>
           <a:ln>
             <a:solidFill>
               <a:schemeClr val="tx1"/>
@@ -3060,47 +7663,56 @@
             <a:pPr algn="ctr"/>
             <a:r>
               <a:rPr lang="en-US" sz="10000" dirty="0">
+                <a:solidFill>
+                  <a:schemeClr val="bg1"/>
+                </a:solidFill>
                 <a:latin typeface="Franklin Gothic Heavy" panose="020B0903020102020204" pitchFamily="34" charset="0"/>
               </a:rPr>
-              <a:t>Ebisu: An Innovative </a:t>
-            </a:r>
-            <a:r>
-              <a:rPr lang="en-US" sz="10000">
-                <a:latin typeface="Franklin Gothic Heavy" panose="020B0903020102020204" pitchFamily="34" charset="0"/>
-              </a:rPr>
-              <a:t>User-Input Solution</a:t>
-            </a:r>
-            <a:endParaRPr lang="en-US" sz="10000" dirty="0">
-              <a:latin typeface="Franklin Gothic Heavy" panose="020B0903020102020204" pitchFamily="34" charset="0"/>
-            </a:endParaRPr>
+              <a:t>Ebisu: An Innovative User-Input Solution</a:t>
+            </a:r>
           </a:p>
           <a:p>
             <a:pPr algn="ctr"/>
             <a:r>
               <a:rPr lang="en-US" sz="6000" dirty="0">
+                <a:solidFill>
+                  <a:schemeClr val="bg1"/>
+                </a:solidFill>
                 <a:latin typeface="Franklin Gothic Heavy" panose="020B0903020102020204" pitchFamily="34" charset="0"/>
               </a:rPr>
               <a:t>Brittany Barnes and </a:t>
             </a:r>
             <a:r>
               <a:rPr lang="en-US" sz="6000" dirty="0" err="1">
+                <a:solidFill>
+                  <a:schemeClr val="bg1"/>
+                </a:solidFill>
                 <a:latin typeface="Franklin Gothic Heavy" panose="020B0903020102020204" pitchFamily="34" charset="0"/>
               </a:rPr>
               <a:t>Yusef</a:t>
             </a:r>
             <a:r>
               <a:rPr lang="en-US" sz="6000" dirty="0">
+                <a:solidFill>
+                  <a:schemeClr val="bg1"/>
+                </a:solidFill>
                 <a:latin typeface="Franklin Gothic Heavy" panose="020B0903020102020204" pitchFamily="34" charset="0"/>
               </a:rPr>
               <a:t> </a:t>
             </a:r>
             <a:r>
               <a:rPr lang="en-US" sz="6000" dirty="0" err="1">
+                <a:solidFill>
+                  <a:schemeClr val="bg1"/>
+                </a:solidFill>
                 <a:latin typeface="Franklin Gothic Heavy" panose="020B0903020102020204" pitchFamily="34" charset="0"/>
               </a:rPr>
               <a:t>Ghouth</a:t>
             </a:r>
             <a:endParaRPr lang="en-US" sz="6000" dirty="0">
+              <a:solidFill>
+                <a:schemeClr val="bg1"/>
+              </a:solidFill>
               <a:latin typeface="Franklin Gothic Heavy" panose="020B0903020102020204" pitchFamily="34" charset="0"/>
             </a:endParaRPr>
           </a:p>
@@ -3108,6 +7720,9 @@
             <a:pPr algn="ctr"/>
             <a:r>
               <a:rPr lang="en-US" sz="6000" dirty="0">
+                <a:solidFill>
+                  <a:schemeClr val="bg1"/>
+                </a:solidFill>
                 <a:latin typeface="Franklin Gothic Heavy" panose="020B0903020102020204" pitchFamily="34" charset="0"/>
               </a:rPr>
               <a:t>University of San Diego</a:t>
@@ -3123,7 +7738,7 @@
         </p:nvSpPr>
         <p:spPr>
           <a:xfrm flipH="1">
-            <a:off x="587584" y="6671733"/>
+            <a:off x="-10182016" y="5300133"/>
             <a:ext cx="9699028" cy="9048631"/>
           </a:xfrm>
           <a:prstGeom prst="rect">
@@ -3172,7 +7787,7 @@
         </p:nvSpPr>
         <p:spPr>
           <a:xfrm flipH="1">
-            <a:off x="564160" y="16264798"/>
+            <a:off x="-11183502" y="17005578"/>
             <a:ext cx="9722452" cy="12557284"/>
           </a:xfrm>
           <a:prstGeom prst="rect">
@@ -3399,7 +8014,7 @@
         </p:nvSpPr>
         <p:spPr>
           <a:xfrm flipH="1">
-            <a:off x="12001407" y="6671733"/>
+            <a:off x="39730123" y="11645540"/>
             <a:ext cx="11126426" cy="22436911"/>
           </a:xfrm>
           <a:prstGeom prst="rect">
@@ -3599,7 +8214,7 @@
         </p:nvSpPr>
         <p:spPr>
           <a:xfrm flipH="1">
-            <a:off x="26387868" y="24885432"/>
+            <a:off x="-13300179" y="23774261"/>
             <a:ext cx="11221803" cy="8032968"/>
           </a:xfrm>
           <a:prstGeom prst="rect">
@@ -3730,8 +8345,8 @@
         </p:blipFill>
         <p:spPr>
           <a:xfrm rot="5400000">
-            <a:off x="596349" y="23020518"/>
-            <a:ext cx="3816626" cy="2862470"/>
+            <a:off x="29551031" y="10456285"/>
+            <a:ext cx="8705130" cy="6528849"/>
           </a:xfrm>
           <a:prstGeom prst="rect">
             <a:avLst/>
@@ -3760,7 +8375,7 @@
         </p:blipFill>
         <p:spPr>
           <a:xfrm rot="5400000">
-            <a:off x="5230767" y="23013562"/>
+            <a:off x="-7628161" y="20209183"/>
             <a:ext cx="3760973" cy="2820730"/>
           </a:xfrm>
           <a:prstGeom prst="rect">
@@ -3776,7 +8391,7 @@
         </p:nvSpPr>
         <p:spPr>
           <a:xfrm>
-            <a:off x="25762226" y="6671733"/>
+            <a:off x="40367427" y="4131917"/>
             <a:ext cx="11847445" cy="4616648"/>
           </a:xfrm>
           <a:prstGeom prst="rect">
@@ -3825,6 +8440,206 @@
           </a:p>
         </p:txBody>
       </p:sp>
+      <p:sp>
+        <p:nvSpPr>
+          <p:cNvPr id="13" name="Rounded Rectangle 12"/>
+          <p:cNvSpPr/>
+          <p:nvPr/>
+        </p:nvSpPr>
+        <p:spPr>
+          <a:xfrm>
+            <a:off x="1058348" y="5450022"/>
+            <a:ext cx="16827732" cy="3333508"/>
+          </a:xfrm>
+          <a:prstGeom prst="roundRect">
+            <a:avLst/>
+          </a:prstGeom>
+        </p:spPr>
+        <p:style>
+          <a:lnRef idx="1">
+            <a:schemeClr val="accent2"/>
+          </a:lnRef>
+          <a:fillRef idx="3">
+            <a:schemeClr val="accent2"/>
+          </a:fillRef>
+          <a:effectRef idx="2">
+            <a:schemeClr val="accent2"/>
+          </a:effectRef>
+          <a:fontRef idx="minor">
+            <a:schemeClr val="lt1"/>
+          </a:fontRef>
+        </p:style>
+        <p:txBody>
+          <a:bodyPr rtlCol="0" anchor="ctr"/>
+          <a:lstStyle/>
+          <a:p>
+            <a:pPr algn="ctr"/>
+            <a:r>
+              <a:rPr lang="en-US" sz="7200" dirty="0" smtClean="0"/>
+              <a:t>Machine Learning </a:t>
+            </a:r>
+            <a:r>
+              <a:rPr lang="en-US" sz="7200" dirty="0" err="1" smtClean="0"/>
+              <a:t>Algorithim</a:t>
+            </a:r>
+            <a:endParaRPr lang="en-US" sz="7200" dirty="0"/>
+          </a:p>
+        </p:txBody>
+      </p:sp>
+      <p:sp>
+        <p:nvSpPr>
+          <p:cNvPr id="14" name="Rounded Rectangle 13"/>
+          <p:cNvSpPr/>
+          <p:nvPr/>
+        </p:nvSpPr>
+        <p:spPr>
+          <a:xfrm>
+            <a:off x="20843102" y="5443683"/>
+            <a:ext cx="16827732" cy="3333508"/>
+          </a:xfrm>
+          <a:prstGeom prst="roundRect">
+            <a:avLst/>
+          </a:prstGeom>
+        </p:spPr>
+        <p:style>
+          <a:lnRef idx="1">
+            <a:schemeClr val="accent2"/>
+          </a:lnRef>
+          <a:fillRef idx="3">
+            <a:schemeClr val="accent2"/>
+          </a:fillRef>
+          <a:effectRef idx="2">
+            <a:schemeClr val="accent2"/>
+          </a:effectRef>
+          <a:fontRef idx="minor">
+            <a:schemeClr val="lt1"/>
+          </a:fontRef>
+        </p:style>
+        <p:txBody>
+          <a:bodyPr rtlCol="0" anchor="ctr"/>
+          <a:lstStyle/>
+          <a:p>
+            <a:pPr algn="ctr"/>
+            <a:r>
+              <a:rPr lang="en-US" sz="7200" dirty="0" smtClean="0"/>
+              <a:t>Physical Prototype</a:t>
+            </a:r>
+            <a:endParaRPr lang="en-US" sz="7200" dirty="0"/>
+          </a:p>
+        </p:txBody>
+      </p:sp>
+      <p:sp>
+        <p:nvSpPr>
+          <p:cNvPr id="15" name="Rounded Rectangle 14"/>
+          <p:cNvSpPr/>
+          <p:nvPr/>
+        </p:nvSpPr>
+        <p:spPr>
+          <a:xfrm>
+            <a:off x="1051996" y="18407329"/>
+            <a:ext cx="16827732" cy="3333508"/>
+          </a:xfrm>
+          <a:prstGeom prst="roundRect">
+            <a:avLst/>
+          </a:prstGeom>
+        </p:spPr>
+        <p:style>
+          <a:lnRef idx="1">
+            <a:schemeClr val="accent2"/>
+          </a:lnRef>
+          <a:fillRef idx="3">
+            <a:schemeClr val="accent2"/>
+          </a:fillRef>
+          <a:effectRef idx="2">
+            <a:schemeClr val="accent2"/>
+          </a:effectRef>
+          <a:fontRef idx="minor">
+            <a:schemeClr val="lt1"/>
+          </a:fontRef>
+        </p:style>
+        <p:txBody>
+          <a:bodyPr rtlCol="0" anchor="ctr"/>
+          <a:lstStyle/>
+          <a:p>
+            <a:pPr algn="ctr"/>
+            <a:r>
+              <a:rPr lang="en-US" sz="7200" dirty="0" smtClean="0"/>
+              <a:t>Function</a:t>
+            </a:r>
+            <a:endParaRPr lang="en-US" sz="7200" dirty="0"/>
+          </a:p>
+        </p:txBody>
+      </p:sp>
+      <p:sp>
+        <p:nvSpPr>
+          <p:cNvPr id="18" name="TextBox 17"/>
+          <p:cNvSpPr txBox="1"/>
+          <p:nvPr/>
+        </p:nvSpPr>
+        <p:spPr>
+          <a:xfrm>
+            <a:off x="2063777" y="9524311"/>
+            <a:ext cx="6667593" cy="5632312"/>
+          </a:xfrm>
+          <a:prstGeom prst="rect">
+            <a:avLst/>
+          </a:prstGeom>
+          <a:noFill/>
+          <a:ln>
+            <a:solidFill>
+              <a:schemeClr val="accent2"/>
+            </a:solidFill>
+          </a:ln>
+        </p:spPr>
+        <p:txBody>
+          <a:bodyPr wrap="square" rtlCol="0">
+            <a:spAutoFit/>
+          </a:bodyPr>
+          <a:lstStyle/>
+          <a:p>
+            <a:pPr algn="just"/>
+            <a:r>
+              <a:rPr lang="en-US" sz="3600" dirty="0" err="1" smtClean="0"/>
+              <a:t>Ebisu’s</a:t>
+            </a:r>
+            <a:r>
+              <a:rPr lang="en-US" sz="3600" dirty="0" smtClean="0"/>
+              <a:t> Machine Learning algorithm is a Multiclass Perceptron: A neural Network designed to observe datasets and classify them as one of many pre-learned classes. The twist is </a:t>
+            </a:r>
+            <a:r>
+              <a:rPr lang="en-US" sz="3600" dirty="0" err="1" smtClean="0"/>
+              <a:t>Ebisu’s</a:t>
+            </a:r>
+            <a:r>
+              <a:rPr lang="en-US" sz="3600" dirty="0" smtClean="0"/>
+              <a:t> algorithm can also recognize new patterns and categorize them on the go, making it a much more versatile tool</a:t>
+            </a:r>
+            <a:endParaRPr lang="en-US" sz="3600" dirty="0"/>
+          </a:p>
+        </p:txBody>
+      </p:sp>
+      <p:graphicFrame>
+        <p:nvGraphicFramePr>
+          <p:cNvPr id="19" name="Diagram 18"/>
+          <p:cNvGraphicFramePr/>
+          <p:nvPr>
+            <p:extLst>
+              <p:ext uri="{D42A27DB-BD31-4B8C-83A1-F6EECF244321}">
+                <p14:modId xmlns:p14="http://schemas.microsoft.com/office/powerpoint/2010/main" val="1325772910"/>
+              </p:ext>
+            </p:extLst>
+          </p:nvPr>
+        </p:nvGraphicFramePr>
+        <p:xfrm>
+          <a:off x="9101792" y="9683050"/>
+          <a:ext cx="9472214" cy="6984495"/>
+        </p:xfrm>
+        <a:graphic>
+          <a:graphicData uri="http://schemas.openxmlformats.org/drawingml/2006/diagram">
+            <dgm:relIds xmlns:dgm="http://schemas.openxmlformats.org/drawingml/2006/diagram" xmlns:r="http://schemas.openxmlformats.org/officeDocument/2006/relationships" r:dm="rId8" r:lo="rId9" r:qs="rId10" r:cs="rId11"/>
+          </a:graphicData>
+        </a:graphic>
+      </p:graphicFrame>
     </p:spTree>
     <p:extLst>
       <p:ext uri="{BB962C8B-B14F-4D97-AF65-F5344CB8AC3E}">
@@ -3881,7 +8696,7 @@
     </a:clrScheme>
     <a:fontScheme name="Office Theme">
       <a:majorFont>
-        <a:latin typeface="Calibri Light" panose="020F0302020204030204"/>
+        <a:latin typeface="Calibri Light"/>
         <a:ea typeface=""/>
         <a:cs typeface=""/>
         <a:font script="Jpan" typeface="游ゴシック Light"/>
@@ -3916,7 +8731,7 @@
         <a:font script="Geor" typeface="Sylfaen"/>
       </a:majorFont>
       <a:minorFont>
-        <a:latin typeface="Calibri" panose="020F0502020204030204"/>
+        <a:latin typeface="Calibri"/>
         <a:ea typeface=""/>
         <a:cs typeface=""/>
         <a:font script="Jpan" typeface="游ゴシック"/>
@@ -4093,7 +8908,7 @@
   <a:extraClrSchemeLst/>
   <a:extLst>
     <a:ext uri="{05A4C25C-085E-4340-85A3-A5531E510DB2}">
-      <thm15:themeFamily xmlns:thm15="http://schemas.microsoft.com/office/thememl/2012/main" name="Office Theme" id="{62F939B6-93AF-4DB8-9C6B-D6C7DFDC589F}" vid="{4A3C46E8-61CC-4603-A589-7422A47A8E4A}"/>
+      <thm15:themeFamily xmlns:thm15="http://schemas.microsoft.com/office/thememl/2012/main" xmlns="" name="Office Theme" id="{62F939B6-93AF-4DB8-9C6B-D6C7DFDC589F}" vid="{4A3C46E8-61CC-4603-A589-7422A47A8E4A}"/>
     </a:ext>
   </a:extLst>
 </a:theme>
